--- a/sampexlib/Concept Summaries/Summary of 4 Storms Selected.pptx
+++ b/sampexlib/Concept Summaries/Summary of 4 Storms Selected.pptx
@@ -110,6 +110,11 @@
       </a:defRPr>
     </a:lvl9pPr>
   </p:defaultTextStyle>
+  <p:extLst>
+    <p:ext uri="{EFAFB233-063F-42B5-8137-9DF3F51BA10A}">
+      <p15:sldGuideLst xmlns:p15="http://schemas.microsoft.com/office/powerpoint/2012/main"/>
+    </p:ext>
+  </p:extLst>
 </p:presentation>
 </file>
 
@@ -260,7 +265,7 @@
           <a:p>
             <a:fld id="{FF91FCBC-9B68-4ACD-8DD1-A95F477831F0}" type="datetimeFigureOut">
               <a:rPr lang="en-US" smtClean="0"/>
-              <a:t>10/12/2021</a:t>
+              <a:t>10/14/2021</a:t>
             </a:fld>
             <a:endParaRPr lang="en-US"/>
           </a:p>
@@ -458,7 +463,7 @@
           <a:p>
             <a:fld id="{FF91FCBC-9B68-4ACD-8DD1-A95F477831F0}" type="datetimeFigureOut">
               <a:rPr lang="en-US" smtClean="0"/>
-              <a:t>10/12/2021</a:t>
+              <a:t>10/14/2021</a:t>
             </a:fld>
             <a:endParaRPr lang="en-US"/>
           </a:p>
@@ -666,7 +671,7 @@
           <a:p>
             <a:fld id="{FF91FCBC-9B68-4ACD-8DD1-A95F477831F0}" type="datetimeFigureOut">
               <a:rPr lang="en-US" smtClean="0"/>
-              <a:t>10/12/2021</a:t>
+              <a:t>10/14/2021</a:t>
             </a:fld>
             <a:endParaRPr lang="en-US"/>
           </a:p>
@@ -864,7 +869,7 @@
           <a:p>
             <a:fld id="{FF91FCBC-9B68-4ACD-8DD1-A95F477831F0}" type="datetimeFigureOut">
               <a:rPr lang="en-US" smtClean="0"/>
-              <a:t>10/12/2021</a:t>
+              <a:t>10/14/2021</a:t>
             </a:fld>
             <a:endParaRPr lang="en-US"/>
           </a:p>
@@ -1139,7 +1144,7 @@
           <a:p>
             <a:fld id="{FF91FCBC-9B68-4ACD-8DD1-A95F477831F0}" type="datetimeFigureOut">
               <a:rPr lang="en-US" smtClean="0"/>
-              <a:t>10/12/2021</a:t>
+              <a:t>10/14/2021</a:t>
             </a:fld>
             <a:endParaRPr lang="en-US"/>
           </a:p>
@@ -1404,7 +1409,7 @@
           <a:p>
             <a:fld id="{FF91FCBC-9B68-4ACD-8DD1-A95F477831F0}" type="datetimeFigureOut">
               <a:rPr lang="en-US" smtClean="0"/>
-              <a:t>10/12/2021</a:t>
+              <a:t>10/14/2021</a:t>
             </a:fld>
             <a:endParaRPr lang="en-US"/>
           </a:p>
@@ -1816,7 +1821,7 @@
           <a:p>
             <a:fld id="{FF91FCBC-9B68-4ACD-8DD1-A95F477831F0}" type="datetimeFigureOut">
               <a:rPr lang="en-US" smtClean="0"/>
-              <a:t>10/12/2021</a:t>
+              <a:t>10/14/2021</a:t>
             </a:fld>
             <a:endParaRPr lang="en-US"/>
           </a:p>
@@ -1957,7 +1962,7 @@
           <a:p>
             <a:fld id="{FF91FCBC-9B68-4ACD-8DD1-A95F477831F0}" type="datetimeFigureOut">
               <a:rPr lang="en-US" smtClean="0"/>
-              <a:t>10/12/2021</a:t>
+              <a:t>10/14/2021</a:t>
             </a:fld>
             <a:endParaRPr lang="en-US"/>
           </a:p>
@@ -2070,7 +2075,7 @@
           <a:p>
             <a:fld id="{FF91FCBC-9B68-4ACD-8DD1-A95F477831F0}" type="datetimeFigureOut">
               <a:rPr lang="en-US" smtClean="0"/>
-              <a:t>10/12/2021</a:t>
+              <a:t>10/14/2021</a:t>
             </a:fld>
             <a:endParaRPr lang="en-US"/>
           </a:p>
@@ -2381,7 +2386,7 @@
           <a:p>
             <a:fld id="{FF91FCBC-9B68-4ACD-8DD1-A95F477831F0}" type="datetimeFigureOut">
               <a:rPr lang="en-US" smtClean="0"/>
-              <a:t>10/12/2021</a:t>
+              <a:t>10/14/2021</a:t>
             </a:fld>
             <a:endParaRPr lang="en-US"/>
           </a:p>
@@ -2669,7 +2674,7 @@
           <a:p>
             <a:fld id="{FF91FCBC-9B68-4ACD-8DD1-A95F477831F0}" type="datetimeFigureOut">
               <a:rPr lang="en-US" smtClean="0"/>
-              <a:t>10/12/2021</a:t>
+              <a:t>10/14/2021</a:t>
             </a:fld>
             <a:endParaRPr lang="en-US"/>
           </a:p>
@@ -2910,7 +2915,7 @@
           <a:p>
             <a:fld id="{FF91FCBC-9B68-4ACD-8DD1-A95F477831F0}" type="datetimeFigureOut">
               <a:rPr lang="en-US" smtClean="0"/>
-              <a:t>10/12/2021</a:t>
+              <a:t>10/14/2021</a:t>
             </a:fld>
             <a:endParaRPr lang="en-US"/>
           </a:p>
@@ -3569,6 +3574,68 @@
           </a:prstGeom>
         </p:spPr>
       </p:pic>
+      <p:sp>
+        <p:nvSpPr>
+          <p:cNvPr id="8" name="Title 1">
+            <a:extLst>
+              <a:ext uri="{FF2B5EF4-FFF2-40B4-BE49-F238E27FC236}">
+                <a16:creationId xmlns:a16="http://schemas.microsoft.com/office/drawing/2014/main" id="{D1400D06-3B90-41CA-AFE3-4B9D66007025}"/>
+              </a:ext>
+            </a:extLst>
+          </p:cNvPr>
+          <p:cNvSpPr txBox="1">
+            <a:spLocks/>
+          </p:cNvSpPr>
+          <p:nvPr/>
+        </p:nvSpPr>
+        <p:spPr>
+          <a:xfrm>
+            <a:off x="2939988" y="1120953"/>
+            <a:ext cx="8416030" cy="1325563"/>
+          </a:xfrm>
+          <a:prstGeom prst="rect">
+            <a:avLst/>
+          </a:prstGeom>
+        </p:spPr>
+        <p:txBody>
+          <a:bodyPr vert="horz" lIns="91440" tIns="45720" rIns="91440" bIns="45720" rtlCol="0" anchor="ctr">
+            <a:normAutofit/>
+          </a:bodyPr>
+          <a:lstStyle>
+            <a:lvl1pPr algn="l" defTabSz="914400" rtl="0" eaLnBrk="1" latinLnBrk="0" hangingPunct="1">
+              <a:lnSpc>
+                <a:spcPct val="90000"/>
+              </a:lnSpc>
+              <a:spcBef>
+                <a:spcPct val="0"/>
+              </a:spcBef>
+              <a:buNone/>
+              <a:defRPr sz="4400" kern="1200">
+                <a:solidFill>
+                  <a:schemeClr val="tx1"/>
+                </a:solidFill>
+                <a:latin typeface="+mj-lt"/>
+                <a:ea typeface="+mj-ea"/>
+                <a:cs typeface="+mj-cs"/>
+              </a:defRPr>
+            </a:lvl1pPr>
+          </a:lstStyle>
+          <a:p>
+            <a:r>
+              <a:rPr lang="en-US" sz="2800" u="sng" dirty="0"/>
+              <a:t>Type 1:</a:t>
+            </a:r>
+            <a:r>
+              <a:rPr lang="en-US" sz="2800" dirty="0"/>
+              <a:t>				       </a:t>
+            </a:r>
+            <a:r>
+              <a:rPr lang="en-US" sz="2800" u="sng" dirty="0"/>
+              <a:t>Type 2:</a:t>
+            </a:r>
+          </a:p>
+        </p:txBody>
+      </p:sp>
     </p:spTree>
     <p:extLst>
       <p:ext uri="{BB962C8B-B14F-4D97-AF65-F5344CB8AC3E}">
@@ -3776,6 +3843,68 @@
           </a:prstGeom>
         </p:spPr>
       </p:pic>
+      <p:sp>
+        <p:nvSpPr>
+          <p:cNvPr id="7" name="Title 1">
+            <a:extLst>
+              <a:ext uri="{FF2B5EF4-FFF2-40B4-BE49-F238E27FC236}">
+                <a16:creationId xmlns:a16="http://schemas.microsoft.com/office/drawing/2014/main" id="{1C120CFC-03D1-4F7A-92E3-61836EE6F28C}"/>
+              </a:ext>
+            </a:extLst>
+          </p:cNvPr>
+          <p:cNvSpPr txBox="1">
+            <a:spLocks/>
+          </p:cNvSpPr>
+          <p:nvPr/>
+        </p:nvSpPr>
+        <p:spPr>
+          <a:xfrm>
+            <a:off x="2939988" y="1120953"/>
+            <a:ext cx="8416030" cy="1325563"/>
+          </a:xfrm>
+          <a:prstGeom prst="rect">
+            <a:avLst/>
+          </a:prstGeom>
+        </p:spPr>
+        <p:txBody>
+          <a:bodyPr vert="horz" lIns="91440" tIns="45720" rIns="91440" bIns="45720" rtlCol="0" anchor="ctr">
+            <a:normAutofit/>
+          </a:bodyPr>
+          <a:lstStyle>
+            <a:lvl1pPr algn="l" defTabSz="914400" rtl="0" eaLnBrk="1" latinLnBrk="0" hangingPunct="1">
+              <a:lnSpc>
+                <a:spcPct val="90000"/>
+              </a:lnSpc>
+              <a:spcBef>
+                <a:spcPct val="0"/>
+              </a:spcBef>
+              <a:buNone/>
+              <a:defRPr sz="4400" kern="1200">
+                <a:solidFill>
+                  <a:schemeClr val="tx1"/>
+                </a:solidFill>
+                <a:latin typeface="+mj-lt"/>
+                <a:ea typeface="+mj-ea"/>
+                <a:cs typeface="+mj-cs"/>
+              </a:defRPr>
+            </a:lvl1pPr>
+          </a:lstStyle>
+          <a:p>
+            <a:r>
+              <a:rPr lang="en-US" sz="2800" u="sng" dirty="0"/>
+              <a:t>Type 1:</a:t>
+            </a:r>
+            <a:r>
+              <a:rPr lang="en-US" sz="2800" dirty="0"/>
+              <a:t>				       </a:t>
+            </a:r>
+            <a:r>
+              <a:rPr lang="en-US" sz="2800" u="sng" dirty="0"/>
+              <a:t>Type 2:</a:t>
+            </a:r>
+          </a:p>
+        </p:txBody>
+      </p:sp>
     </p:spTree>
     <p:extLst>
       <p:ext uri="{BB962C8B-B14F-4D97-AF65-F5344CB8AC3E}">
@@ -3983,6 +4112,68 @@
           </a:prstGeom>
         </p:spPr>
       </p:pic>
+      <p:sp>
+        <p:nvSpPr>
+          <p:cNvPr id="7" name="Title 1">
+            <a:extLst>
+              <a:ext uri="{FF2B5EF4-FFF2-40B4-BE49-F238E27FC236}">
+                <a16:creationId xmlns:a16="http://schemas.microsoft.com/office/drawing/2014/main" id="{C185522C-C5C8-4BD8-91E8-DDD5CE0F7FC7}"/>
+              </a:ext>
+            </a:extLst>
+          </p:cNvPr>
+          <p:cNvSpPr txBox="1">
+            <a:spLocks/>
+          </p:cNvSpPr>
+          <p:nvPr/>
+        </p:nvSpPr>
+        <p:spPr>
+          <a:xfrm>
+            <a:off x="2939988" y="1120953"/>
+            <a:ext cx="8416030" cy="1325563"/>
+          </a:xfrm>
+          <a:prstGeom prst="rect">
+            <a:avLst/>
+          </a:prstGeom>
+        </p:spPr>
+        <p:txBody>
+          <a:bodyPr vert="horz" lIns="91440" tIns="45720" rIns="91440" bIns="45720" rtlCol="0" anchor="ctr">
+            <a:normAutofit/>
+          </a:bodyPr>
+          <a:lstStyle>
+            <a:lvl1pPr algn="l" defTabSz="914400" rtl="0" eaLnBrk="1" latinLnBrk="0" hangingPunct="1">
+              <a:lnSpc>
+                <a:spcPct val="90000"/>
+              </a:lnSpc>
+              <a:spcBef>
+                <a:spcPct val="0"/>
+              </a:spcBef>
+              <a:buNone/>
+              <a:defRPr sz="4400" kern="1200">
+                <a:solidFill>
+                  <a:schemeClr val="tx1"/>
+                </a:solidFill>
+                <a:latin typeface="+mj-lt"/>
+                <a:ea typeface="+mj-ea"/>
+                <a:cs typeface="+mj-cs"/>
+              </a:defRPr>
+            </a:lvl1pPr>
+          </a:lstStyle>
+          <a:p>
+            <a:r>
+              <a:rPr lang="en-US" sz="2800" u="sng" dirty="0"/>
+              <a:t>Type 1:</a:t>
+            </a:r>
+            <a:r>
+              <a:rPr lang="en-US" sz="2800" dirty="0"/>
+              <a:t>				       </a:t>
+            </a:r>
+            <a:r>
+              <a:rPr lang="en-US" sz="2800" u="sng" dirty="0"/>
+              <a:t>Type 2:</a:t>
+            </a:r>
+          </a:p>
+        </p:txBody>
+      </p:sp>
     </p:spTree>
     <p:extLst>
       <p:ext uri="{BB962C8B-B14F-4D97-AF65-F5344CB8AC3E}">
@@ -4190,6 +4381,68 @@
           </a:prstGeom>
         </p:spPr>
       </p:pic>
+      <p:sp>
+        <p:nvSpPr>
+          <p:cNvPr id="7" name="Title 1">
+            <a:extLst>
+              <a:ext uri="{FF2B5EF4-FFF2-40B4-BE49-F238E27FC236}">
+                <a16:creationId xmlns:a16="http://schemas.microsoft.com/office/drawing/2014/main" id="{5DFAF9BD-96A4-4268-A3B8-DE7BDA07E9FB}"/>
+              </a:ext>
+            </a:extLst>
+          </p:cNvPr>
+          <p:cNvSpPr txBox="1">
+            <a:spLocks/>
+          </p:cNvSpPr>
+          <p:nvPr/>
+        </p:nvSpPr>
+        <p:spPr>
+          <a:xfrm>
+            <a:off x="2939988" y="1120953"/>
+            <a:ext cx="8416030" cy="1325563"/>
+          </a:xfrm>
+          <a:prstGeom prst="rect">
+            <a:avLst/>
+          </a:prstGeom>
+        </p:spPr>
+        <p:txBody>
+          <a:bodyPr vert="horz" lIns="91440" tIns="45720" rIns="91440" bIns="45720" rtlCol="0" anchor="ctr">
+            <a:normAutofit/>
+          </a:bodyPr>
+          <a:lstStyle>
+            <a:lvl1pPr algn="l" defTabSz="914400" rtl="0" eaLnBrk="1" latinLnBrk="0" hangingPunct="1">
+              <a:lnSpc>
+                <a:spcPct val="90000"/>
+              </a:lnSpc>
+              <a:spcBef>
+                <a:spcPct val="0"/>
+              </a:spcBef>
+              <a:buNone/>
+              <a:defRPr sz="4400" kern="1200">
+                <a:solidFill>
+                  <a:schemeClr val="tx1"/>
+                </a:solidFill>
+                <a:latin typeface="+mj-lt"/>
+                <a:ea typeface="+mj-ea"/>
+                <a:cs typeface="+mj-cs"/>
+              </a:defRPr>
+            </a:lvl1pPr>
+          </a:lstStyle>
+          <a:p>
+            <a:r>
+              <a:rPr lang="en-US" sz="2800" u="sng" dirty="0"/>
+              <a:t>Type 1:</a:t>
+            </a:r>
+            <a:r>
+              <a:rPr lang="en-US" sz="2800" dirty="0"/>
+              <a:t>				       </a:t>
+            </a:r>
+            <a:r>
+              <a:rPr lang="en-US" sz="2800" u="sng" dirty="0"/>
+              <a:t>Type 2:</a:t>
+            </a:r>
+          </a:p>
+        </p:txBody>
+      </p:sp>
     </p:spTree>
     <p:extLst>
       <p:ext uri="{BB962C8B-B14F-4D97-AF65-F5344CB8AC3E}">
@@ -4397,6 +4650,68 @@
           </a:prstGeom>
         </p:spPr>
       </p:pic>
+      <p:sp>
+        <p:nvSpPr>
+          <p:cNvPr id="7" name="Title 1">
+            <a:extLst>
+              <a:ext uri="{FF2B5EF4-FFF2-40B4-BE49-F238E27FC236}">
+                <a16:creationId xmlns:a16="http://schemas.microsoft.com/office/drawing/2014/main" id="{CCCB17A2-9948-44C5-B1F2-742CF9CC2EC7}"/>
+              </a:ext>
+            </a:extLst>
+          </p:cNvPr>
+          <p:cNvSpPr txBox="1">
+            <a:spLocks/>
+          </p:cNvSpPr>
+          <p:nvPr/>
+        </p:nvSpPr>
+        <p:spPr>
+          <a:xfrm>
+            <a:off x="2939988" y="1120953"/>
+            <a:ext cx="8416030" cy="1325563"/>
+          </a:xfrm>
+          <a:prstGeom prst="rect">
+            <a:avLst/>
+          </a:prstGeom>
+        </p:spPr>
+        <p:txBody>
+          <a:bodyPr vert="horz" lIns="91440" tIns="45720" rIns="91440" bIns="45720" rtlCol="0" anchor="ctr">
+            <a:normAutofit/>
+          </a:bodyPr>
+          <a:lstStyle>
+            <a:lvl1pPr algn="l" defTabSz="914400" rtl="0" eaLnBrk="1" latinLnBrk="0" hangingPunct="1">
+              <a:lnSpc>
+                <a:spcPct val="90000"/>
+              </a:lnSpc>
+              <a:spcBef>
+                <a:spcPct val="0"/>
+              </a:spcBef>
+              <a:buNone/>
+              <a:defRPr sz="4400" kern="1200">
+                <a:solidFill>
+                  <a:schemeClr val="tx1"/>
+                </a:solidFill>
+                <a:latin typeface="+mj-lt"/>
+                <a:ea typeface="+mj-ea"/>
+                <a:cs typeface="+mj-cs"/>
+              </a:defRPr>
+            </a:lvl1pPr>
+          </a:lstStyle>
+          <a:p>
+            <a:r>
+              <a:rPr lang="en-US" sz="2800" u="sng" dirty="0"/>
+              <a:t>Type 1:</a:t>
+            </a:r>
+            <a:r>
+              <a:rPr lang="en-US" sz="2800" dirty="0"/>
+              <a:t>				       </a:t>
+            </a:r>
+            <a:r>
+              <a:rPr lang="en-US" sz="2800" u="sng" dirty="0"/>
+              <a:t>Type 2:</a:t>
+            </a:r>
+          </a:p>
+        </p:txBody>
+      </p:sp>
     </p:spTree>
     <p:extLst>
       <p:ext uri="{BB962C8B-B14F-4D97-AF65-F5344CB8AC3E}">
@@ -4604,6 +4919,68 @@
           </a:prstGeom>
         </p:spPr>
       </p:pic>
+      <p:sp>
+        <p:nvSpPr>
+          <p:cNvPr id="7" name="Title 1">
+            <a:extLst>
+              <a:ext uri="{FF2B5EF4-FFF2-40B4-BE49-F238E27FC236}">
+                <a16:creationId xmlns:a16="http://schemas.microsoft.com/office/drawing/2014/main" id="{3632D850-42E9-446C-9535-3B5BAC8635C2}"/>
+              </a:ext>
+            </a:extLst>
+          </p:cNvPr>
+          <p:cNvSpPr txBox="1">
+            <a:spLocks/>
+          </p:cNvSpPr>
+          <p:nvPr/>
+        </p:nvSpPr>
+        <p:spPr>
+          <a:xfrm>
+            <a:off x="2939988" y="1120953"/>
+            <a:ext cx="8416030" cy="1325563"/>
+          </a:xfrm>
+          <a:prstGeom prst="rect">
+            <a:avLst/>
+          </a:prstGeom>
+        </p:spPr>
+        <p:txBody>
+          <a:bodyPr vert="horz" lIns="91440" tIns="45720" rIns="91440" bIns="45720" rtlCol="0" anchor="ctr">
+            <a:normAutofit/>
+          </a:bodyPr>
+          <a:lstStyle>
+            <a:lvl1pPr algn="l" defTabSz="914400" rtl="0" eaLnBrk="1" latinLnBrk="0" hangingPunct="1">
+              <a:lnSpc>
+                <a:spcPct val="90000"/>
+              </a:lnSpc>
+              <a:spcBef>
+                <a:spcPct val="0"/>
+              </a:spcBef>
+              <a:buNone/>
+              <a:defRPr sz="4400" kern="1200">
+                <a:solidFill>
+                  <a:schemeClr val="tx1"/>
+                </a:solidFill>
+                <a:latin typeface="+mj-lt"/>
+                <a:ea typeface="+mj-ea"/>
+                <a:cs typeface="+mj-cs"/>
+              </a:defRPr>
+            </a:lvl1pPr>
+          </a:lstStyle>
+          <a:p>
+            <a:r>
+              <a:rPr lang="en-US" sz="2800" u="sng" dirty="0"/>
+              <a:t>Type 1:</a:t>
+            </a:r>
+            <a:r>
+              <a:rPr lang="en-US" sz="2800" dirty="0"/>
+              <a:t>				       </a:t>
+            </a:r>
+            <a:r>
+              <a:rPr lang="en-US" sz="2800" u="sng" dirty="0"/>
+              <a:t>Type 2:</a:t>
+            </a:r>
+          </a:p>
+        </p:txBody>
+      </p:sp>
     </p:spTree>
     <p:extLst>
       <p:ext uri="{BB962C8B-B14F-4D97-AF65-F5344CB8AC3E}">

--- a/sampexlib/Concept Summaries/Summary of 4 Storms Selected.pptx
+++ b/sampexlib/Concept Summaries/Summary of 4 Storms Selected.pptx
@@ -6,12 +6,16 @@
   </p:sldMasterIdLst>
   <p:sldIdLst>
     <p:sldId id="256" r:id="rId2"/>
-    <p:sldId id="257" r:id="rId3"/>
-    <p:sldId id="261" r:id="rId4"/>
-    <p:sldId id="258" r:id="rId5"/>
-    <p:sldId id="262" r:id="rId6"/>
-    <p:sldId id="259" r:id="rId7"/>
-    <p:sldId id="260" r:id="rId8"/>
+    <p:sldId id="258" r:id="rId3"/>
+    <p:sldId id="262" r:id="rId4"/>
+    <p:sldId id="259" r:id="rId5"/>
+    <p:sldId id="260" r:id="rId6"/>
+    <p:sldId id="264" r:id="rId7"/>
+    <p:sldId id="266" r:id="rId8"/>
+    <p:sldId id="265" r:id="rId9"/>
+    <p:sldId id="263" r:id="rId10"/>
+    <p:sldId id="257" r:id="rId11"/>
+    <p:sldId id="261" r:id="rId12"/>
   </p:sldIdLst>
   <p:sldSz cx="12192000" cy="6858000"/>
   <p:notesSz cx="6858000" cy="9144000"/>
@@ -265,7 +269,7 @@
           <a:p>
             <a:fld id="{FF91FCBC-9B68-4ACD-8DD1-A95F477831F0}" type="datetimeFigureOut">
               <a:rPr lang="en-US" smtClean="0"/>
-              <a:t>10/14/2021</a:t>
+              <a:t>10/19/2021</a:t>
             </a:fld>
             <a:endParaRPr lang="en-US"/>
           </a:p>
@@ -463,7 +467,7 @@
           <a:p>
             <a:fld id="{FF91FCBC-9B68-4ACD-8DD1-A95F477831F0}" type="datetimeFigureOut">
               <a:rPr lang="en-US" smtClean="0"/>
-              <a:t>10/14/2021</a:t>
+              <a:t>10/19/2021</a:t>
             </a:fld>
             <a:endParaRPr lang="en-US"/>
           </a:p>
@@ -671,7 +675,7 @@
           <a:p>
             <a:fld id="{FF91FCBC-9B68-4ACD-8DD1-A95F477831F0}" type="datetimeFigureOut">
               <a:rPr lang="en-US" smtClean="0"/>
-              <a:t>10/14/2021</a:t>
+              <a:t>10/19/2021</a:t>
             </a:fld>
             <a:endParaRPr lang="en-US"/>
           </a:p>
@@ -869,7 +873,7 @@
           <a:p>
             <a:fld id="{FF91FCBC-9B68-4ACD-8DD1-A95F477831F0}" type="datetimeFigureOut">
               <a:rPr lang="en-US" smtClean="0"/>
-              <a:t>10/14/2021</a:t>
+              <a:t>10/19/2021</a:t>
             </a:fld>
             <a:endParaRPr lang="en-US"/>
           </a:p>
@@ -1144,7 +1148,7 @@
           <a:p>
             <a:fld id="{FF91FCBC-9B68-4ACD-8DD1-A95F477831F0}" type="datetimeFigureOut">
               <a:rPr lang="en-US" smtClean="0"/>
-              <a:t>10/14/2021</a:t>
+              <a:t>10/19/2021</a:t>
             </a:fld>
             <a:endParaRPr lang="en-US"/>
           </a:p>
@@ -1409,7 +1413,7 @@
           <a:p>
             <a:fld id="{FF91FCBC-9B68-4ACD-8DD1-A95F477831F0}" type="datetimeFigureOut">
               <a:rPr lang="en-US" smtClean="0"/>
-              <a:t>10/14/2021</a:t>
+              <a:t>10/19/2021</a:t>
             </a:fld>
             <a:endParaRPr lang="en-US"/>
           </a:p>
@@ -1821,7 +1825,7 @@
           <a:p>
             <a:fld id="{FF91FCBC-9B68-4ACD-8DD1-A95F477831F0}" type="datetimeFigureOut">
               <a:rPr lang="en-US" smtClean="0"/>
-              <a:t>10/14/2021</a:t>
+              <a:t>10/19/2021</a:t>
             </a:fld>
             <a:endParaRPr lang="en-US"/>
           </a:p>
@@ -1962,7 +1966,7 @@
           <a:p>
             <a:fld id="{FF91FCBC-9B68-4ACD-8DD1-A95F477831F0}" type="datetimeFigureOut">
               <a:rPr lang="en-US" smtClean="0"/>
-              <a:t>10/14/2021</a:t>
+              <a:t>10/19/2021</a:t>
             </a:fld>
             <a:endParaRPr lang="en-US"/>
           </a:p>
@@ -2075,7 +2079,7 @@
           <a:p>
             <a:fld id="{FF91FCBC-9B68-4ACD-8DD1-A95F477831F0}" type="datetimeFigureOut">
               <a:rPr lang="en-US" smtClean="0"/>
-              <a:t>10/14/2021</a:t>
+              <a:t>10/19/2021</a:t>
             </a:fld>
             <a:endParaRPr lang="en-US"/>
           </a:p>
@@ -2386,7 +2390,7 @@
           <a:p>
             <a:fld id="{FF91FCBC-9B68-4ACD-8DD1-A95F477831F0}" type="datetimeFigureOut">
               <a:rPr lang="en-US" smtClean="0"/>
-              <a:t>10/14/2021</a:t>
+              <a:t>10/19/2021</a:t>
             </a:fld>
             <a:endParaRPr lang="en-US"/>
           </a:p>
@@ -2674,7 +2678,7 @@
           <a:p>
             <a:fld id="{FF91FCBC-9B68-4ACD-8DD1-A95F477831F0}" type="datetimeFigureOut">
               <a:rPr lang="en-US" smtClean="0"/>
-              <a:t>10/14/2021</a:t>
+              <a:t>10/19/2021</a:t>
             </a:fld>
             <a:endParaRPr lang="en-US"/>
           </a:p>
@@ -2915,7 +2919,7 @@
           <a:p>
             <a:fld id="{FF91FCBC-9B68-4ACD-8DD1-A95F477831F0}" type="datetimeFigureOut">
               <a:rPr lang="en-US" smtClean="0"/>
-              <a:t>10/14/2021</a:t>
+              <a:t>10/19/2021</a:t>
             </a:fld>
             <a:endParaRPr lang="en-US"/>
           </a:p>
@@ -3380,6 +3384,544 @@
 </p:sld>
 </file>
 
+<file path=ppt/slides/slide10.xml><?xml version="1.0" encoding="utf-8"?>
+<p:sld xmlns:a="http://schemas.openxmlformats.org/drawingml/2006/main" xmlns:r="http://schemas.openxmlformats.org/officeDocument/2006/relationships" xmlns:p="http://schemas.openxmlformats.org/presentationml/2006/main">
+  <p:cSld>
+    <p:spTree>
+      <p:nvGrpSpPr>
+        <p:cNvPr id="1" name=""/>
+        <p:cNvGrpSpPr/>
+        <p:nvPr/>
+      </p:nvGrpSpPr>
+      <p:grpSpPr>
+        <a:xfrm>
+          <a:off x="0" y="0"/>
+          <a:ext cx="0" cy="0"/>
+          <a:chOff x="0" y="0"/>
+          <a:chExt cx="0" cy="0"/>
+        </a:xfrm>
+      </p:grpSpPr>
+      <p:sp>
+        <p:nvSpPr>
+          <p:cNvPr id="2" name="Title 1">
+            <a:extLst>
+              <a:ext uri="{FF2B5EF4-FFF2-40B4-BE49-F238E27FC236}">
+                <a16:creationId xmlns:a16="http://schemas.microsoft.com/office/drawing/2014/main" id="{4CA5B810-3076-43BF-9F08-8308D3722239}"/>
+              </a:ext>
+            </a:extLst>
+          </p:cNvPr>
+          <p:cNvSpPr>
+            <a:spLocks noGrp="1"/>
+          </p:cNvSpPr>
+          <p:nvPr>
+            <p:ph type="title"/>
+          </p:nvPr>
+        </p:nvSpPr>
+        <p:spPr>
+          <a:xfrm>
+            <a:off x="275209" y="0"/>
+            <a:ext cx="8416030" cy="1325563"/>
+          </a:xfrm>
+        </p:spPr>
+        <p:txBody>
+          <a:bodyPr/>
+          <a:lstStyle/>
+          <a:p>
+            <a:r>
+              <a:rPr lang="en-US" dirty="0"/>
+              <a:t>MB &amp; BG Isotropy vs Time (3hr bins)</a:t>
+            </a:r>
+          </a:p>
+        </p:txBody>
+      </p:sp>
+      <p:pic>
+        <p:nvPicPr>
+          <p:cNvPr id="5" name="Picture 4">
+            <a:extLst>
+              <a:ext uri="{FF2B5EF4-FFF2-40B4-BE49-F238E27FC236}">
+                <a16:creationId xmlns:a16="http://schemas.microsoft.com/office/drawing/2014/main" id="{455C17EC-8BBF-4D9C-A6AF-8AB35491F2E7}"/>
+              </a:ext>
+            </a:extLst>
+          </p:cNvPr>
+          <p:cNvPicPr>
+            <a:picLocks noChangeAspect="1"/>
+          </p:cNvPicPr>
+          <p:nvPr/>
+        </p:nvPicPr>
+        <p:blipFill>
+          <a:blip r:embed="rId2">
+            <a:extLst>
+              <a:ext uri="{28A0092B-C50C-407E-A947-70E740481C1C}">
+                <a14:useLocalDpi xmlns:a14="http://schemas.microsoft.com/office/drawing/2010/main" val="0"/>
+              </a:ext>
+            </a:extLst>
+          </a:blip>
+          <a:stretch>
+            <a:fillRect/>
+          </a:stretch>
+        </p:blipFill>
+        <p:spPr>
+          <a:xfrm>
+            <a:off x="627356" y="2107412"/>
+            <a:ext cx="5604768" cy="2241908"/>
+          </a:xfrm>
+          <a:prstGeom prst="rect">
+            <a:avLst/>
+          </a:prstGeom>
+        </p:spPr>
+      </p:pic>
+      <p:pic>
+        <p:nvPicPr>
+          <p:cNvPr id="7" name="Picture 6">
+            <a:extLst>
+              <a:ext uri="{FF2B5EF4-FFF2-40B4-BE49-F238E27FC236}">
+                <a16:creationId xmlns:a16="http://schemas.microsoft.com/office/drawing/2014/main" id="{ED5D252C-3CE6-47B8-8EFA-A637086BA109}"/>
+              </a:ext>
+            </a:extLst>
+          </p:cNvPr>
+          <p:cNvPicPr>
+            <a:picLocks noChangeAspect="1"/>
+          </p:cNvPicPr>
+          <p:nvPr/>
+        </p:nvPicPr>
+        <p:blipFill>
+          <a:blip r:embed="rId3">
+            <a:extLst>
+              <a:ext uri="{28A0092B-C50C-407E-A947-70E740481C1C}">
+                <a14:useLocalDpi xmlns:a14="http://schemas.microsoft.com/office/drawing/2010/main" val="0"/>
+              </a:ext>
+            </a:extLst>
+          </a:blip>
+          <a:stretch>
+            <a:fillRect/>
+          </a:stretch>
+        </p:blipFill>
+        <p:spPr>
+          <a:xfrm>
+            <a:off x="5817834" y="2107412"/>
+            <a:ext cx="5604768" cy="2241907"/>
+          </a:xfrm>
+          <a:prstGeom prst="rect">
+            <a:avLst/>
+          </a:prstGeom>
+        </p:spPr>
+      </p:pic>
+      <p:pic>
+        <p:nvPicPr>
+          <p:cNvPr id="9" name="Picture 8">
+            <a:extLst>
+              <a:ext uri="{FF2B5EF4-FFF2-40B4-BE49-F238E27FC236}">
+                <a16:creationId xmlns:a16="http://schemas.microsoft.com/office/drawing/2014/main" id="{7399DCA4-0D05-4F76-829D-23C0997638F9}"/>
+              </a:ext>
+            </a:extLst>
+          </p:cNvPr>
+          <p:cNvPicPr>
+            <a:picLocks noChangeAspect="1"/>
+          </p:cNvPicPr>
+          <p:nvPr/>
+        </p:nvPicPr>
+        <p:blipFill>
+          <a:blip r:embed="rId4">
+            <a:extLst>
+              <a:ext uri="{28A0092B-C50C-407E-A947-70E740481C1C}">
+                <a14:useLocalDpi xmlns:a14="http://schemas.microsoft.com/office/drawing/2010/main" val="0"/>
+              </a:ext>
+            </a:extLst>
+          </a:blip>
+          <a:stretch>
+            <a:fillRect/>
+          </a:stretch>
+        </p:blipFill>
+        <p:spPr>
+          <a:xfrm>
+            <a:off x="627354" y="4349319"/>
+            <a:ext cx="5604770" cy="2241908"/>
+          </a:xfrm>
+          <a:prstGeom prst="rect">
+            <a:avLst/>
+          </a:prstGeom>
+        </p:spPr>
+      </p:pic>
+      <p:pic>
+        <p:nvPicPr>
+          <p:cNvPr id="11" name="Picture 10">
+            <a:extLst>
+              <a:ext uri="{FF2B5EF4-FFF2-40B4-BE49-F238E27FC236}">
+                <a16:creationId xmlns:a16="http://schemas.microsoft.com/office/drawing/2014/main" id="{9FC1EB53-59DD-4FF7-BDC7-06D866F65D40}"/>
+              </a:ext>
+            </a:extLst>
+          </p:cNvPr>
+          <p:cNvPicPr>
+            <a:picLocks noChangeAspect="1"/>
+          </p:cNvPicPr>
+          <p:nvPr/>
+        </p:nvPicPr>
+        <p:blipFill>
+          <a:blip r:embed="rId5">
+            <a:extLst>
+              <a:ext uri="{28A0092B-C50C-407E-A947-70E740481C1C}">
+                <a14:useLocalDpi xmlns:a14="http://schemas.microsoft.com/office/drawing/2010/main" val="0"/>
+              </a:ext>
+            </a:extLst>
+          </a:blip>
+          <a:stretch>
+            <a:fillRect/>
+          </a:stretch>
+        </p:blipFill>
+        <p:spPr>
+          <a:xfrm>
+            <a:off x="5817832" y="4349319"/>
+            <a:ext cx="5604770" cy="2241908"/>
+          </a:xfrm>
+          <a:prstGeom prst="rect">
+            <a:avLst/>
+          </a:prstGeom>
+        </p:spPr>
+      </p:pic>
+      <p:sp>
+        <p:nvSpPr>
+          <p:cNvPr id="8" name="Title 1">
+            <a:extLst>
+              <a:ext uri="{FF2B5EF4-FFF2-40B4-BE49-F238E27FC236}">
+                <a16:creationId xmlns:a16="http://schemas.microsoft.com/office/drawing/2014/main" id="{D1400D06-3B90-41CA-AFE3-4B9D66007025}"/>
+              </a:ext>
+            </a:extLst>
+          </p:cNvPr>
+          <p:cNvSpPr txBox="1">
+            <a:spLocks/>
+          </p:cNvSpPr>
+          <p:nvPr/>
+        </p:nvSpPr>
+        <p:spPr>
+          <a:xfrm>
+            <a:off x="2939988" y="1120953"/>
+            <a:ext cx="8416030" cy="1325563"/>
+          </a:xfrm>
+          <a:prstGeom prst="rect">
+            <a:avLst/>
+          </a:prstGeom>
+        </p:spPr>
+        <p:txBody>
+          <a:bodyPr vert="horz" lIns="91440" tIns="45720" rIns="91440" bIns="45720" rtlCol="0" anchor="ctr">
+            <a:normAutofit/>
+          </a:bodyPr>
+          <a:lstStyle>
+            <a:lvl1pPr algn="l" defTabSz="914400" rtl="0" eaLnBrk="1" latinLnBrk="0" hangingPunct="1">
+              <a:lnSpc>
+                <a:spcPct val="90000"/>
+              </a:lnSpc>
+              <a:spcBef>
+                <a:spcPct val="0"/>
+              </a:spcBef>
+              <a:buNone/>
+              <a:defRPr sz="4400" kern="1200">
+                <a:solidFill>
+                  <a:schemeClr val="tx1"/>
+                </a:solidFill>
+                <a:latin typeface="+mj-lt"/>
+                <a:ea typeface="+mj-ea"/>
+                <a:cs typeface="+mj-cs"/>
+              </a:defRPr>
+            </a:lvl1pPr>
+          </a:lstStyle>
+          <a:p>
+            <a:r>
+              <a:rPr lang="en-US" sz="2800" u="sng" dirty="0"/>
+              <a:t>Type 1:</a:t>
+            </a:r>
+            <a:r>
+              <a:rPr lang="en-US" sz="2800" dirty="0"/>
+              <a:t>				       </a:t>
+            </a:r>
+            <a:r>
+              <a:rPr lang="en-US" sz="2800" u="sng" dirty="0"/>
+              <a:t>Type 2:</a:t>
+            </a:r>
+          </a:p>
+        </p:txBody>
+      </p:sp>
+    </p:spTree>
+    <p:extLst>
+      <p:ext uri="{BB962C8B-B14F-4D97-AF65-F5344CB8AC3E}">
+        <p14:creationId xmlns:p14="http://schemas.microsoft.com/office/powerpoint/2010/main" val="4268624469"/>
+      </p:ext>
+    </p:extLst>
+  </p:cSld>
+  <p:clrMapOvr>
+    <a:masterClrMapping/>
+  </p:clrMapOvr>
+</p:sld>
+</file>
+
+<file path=ppt/slides/slide11.xml><?xml version="1.0" encoding="utf-8"?>
+<p:sld xmlns:a="http://schemas.openxmlformats.org/drawingml/2006/main" xmlns:r="http://schemas.openxmlformats.org/officeDocument/2006/relationships" xmlns:p="http://schemas.openxmlformats.org/presentationml/2006/main">
+  <p:cSld>
+    <p:spTree>
+      <p:nvGrpSpPr>
+        <p:cNvPr id="1" name=""/>
+        <p:cNvGrpSpPr/>
+        <p:nvPr/>
+      </p:nvGrpSpPr>
+      <p:grpSpPr>
+        <a:xfrm>
+          <a:off x="0" y="0"/>
+          <a:ext cx="0" cy="0"/>
+          <a:chOff x="0" y="0"/>
+          <a:chExt cx="0" cy="0"/>
+        </a:xfrm>
+      </p:grpSpPr>
+      <p:sp>
+        <p:nvSpPr>
+          <p:cNvPr id="2" name="Title 1">
+            <a:extLst>
+              <a:ext uri="{FF2B5EF4-FFF2-40B4-BE49-F238E27FC236}">
+                <a16:creationId xmlns:a16="http://schemas.microsoft.com/office/drawing/2014/main" id="{4CA5B810-3076-43BF-9F08-8308D3722239}"/>
+              </a:ext>
+            </a:extLst>
+          </p:cNvPr>
+          <p:cNvSpPr>
+            <a:spLocks noGrp="1"/>
+          </p:cNvSpPr>
+          <p:nvPr>
+            <p:ph type="title"/>
+          </p:nvPr>
+        </p:nvSpPr>
+        <p:spPr>
+          <a:xfrm>
+            <a:off x="275208" y="0"/>
+            <a:ext cx="11567603" cy="1325563"/>
+          </a:xfrm>
+        </p:spPr>
+        <p:txBody>
+          <a:bodyPr/>
+          <a:lstStyle/>
+          <a:p>
+            <a:r>
+              <a:rPr lang="en-US" dirty="0"/>
+              <a:t>MB &amp; BG Isotropy Difference vs Time (3hr bins)</a:t>
+            </a:r>
+          </a:p>
+        </p:txBody>
+      </p:sp>
+      <p:pic>
+        <p:nvPicPr>
+          <p:cNvPr id="4" name="Picture 3">
+            <a:extLst>
+              <a:ext uri="{FF2B5EF4-FFF2-40B4-BE49-F238E27FC236}">
+                <a16:creationId xmlns:a16="http://schemas.microsoft.com/office/drawing/2014/main" id="{10256093-41C2-47FE-8410-A42066F0DAB9}"/>
+              </a:ext>
+            </a:extLst>
+          </p:cNvPr>
+          <p:cNvPicPr>
+            <a:picLocks noChangeAspect="1"/>
+          </p:cNvPicPr>
+          <p:nvPr/>
+        </p:nvPicPr>
+        <p:blipFill>
+          <a:blip r:embed="rId2">
+            <a:extLst>
+              <a:ext uri="{28A0092B-C50C-407E-A947-70E740481C1C}">
+                <a14:useLocalDpi xmlns:a14="http://schemas.microsoft.com/office/drawing/2010/main" val="0"/>
+              </a:ext>
+            </a:extLst>
+          </a:blip>
+          <a:stretch>
+            <a:fillRect/>
+          </a:stretch>
+        </p:blipFill>
+        <p:spPr>
+          <a:xfrm>
+            <a:off x="627354" y="2107411"/>
+            <a:ext cx="5604771" cy="2241908"/>
+          </a:xfrm>
+          <a:prstGeom prst="rect">
+            <a:avLst/>
+          </a:prstGeom>
+        </p:spPr>
+      </p:pic>
+      <p:pic>
+        <p:nvPicPr>
+          <p:cNvPr id="8" name="Picture 7">
+            <a:extLst>
+              <a:ext uri="{FF2B5EF4-FFF2-40B4-BE49-F238E27FC236}">
+                <a16:creationId xmlns:a16="http://schemas.microsoft.com/office/drawing/2014/main" id="{CE01A49F-47DB-4E6D-A8CF-7B9D130E0976}"/>
+              </a:ext>
+            </a:extLst>
+          </p:cNvPr>
+          <p:cNvPicPr>
+            <a:picLocks noChangeAspect="1"/>
+          </p:cNvPicPr>
+          <p:nvPr/>
+        </p:nvPicPr>
+        <p:blipFill>
+          <a:blip r:embed="rId3">
+            <a:extLst>
+              <a:ext uri="{28A0092B-C50C-407E-A947-70E740481C1C}">
+                <a14:useLocalDpi xmlns:a14="http://schemas.microsoft.com/office/drawing/2010/main" val="0"/>
+              </a:ext>
+            </a:extLst>
+          </a:blip>
+          <a:stretch>
+            <a:fillRect/>
+          </a:stretch>
+        </p:blipFill>
+        <p:spPr>
+          <a:xfrm>
+            <a:off x="5816328" y="2106810"/>
+            <a:ext cx="5606274" cy="2242509"/>
+          </a:xfrm>
+          <a:prstGeom prst="rect">
+            <a:avLst/>
+          </a:prstGeom>
+        </p:spPr>
+      </p:pic>
+      <p:pic>
+        <p:nvPicPr>
+          <p:cNvPr id="12" name="Picture 11">
+            <a:extLst>
+              <a:ext uri="{FF2B5EF4-FFF2-40B4-BE49-F238E27FC236}">
+                <a16:creationId xmlns:a16="http://schemas.microsoft.com/office/drawing/2014/main" id="{6E9299AF-8EAA-4F99-98E0-65A82DEEBC7B}"/>
+              </a:ext>
+            </a:extLst>
+          </p:cNvPr>
+          <p:cNvPicPr>
+            <a:picLocks noChangeAspect="1"/>
+          </p:cNvPicPr>
+          <p:nvPr/>
+        </p:nvPicPr>
+        <p:blipFill>
+          <a:blip r:embed="rId4">
+            <a:extLst>
+              <a:ext uri="{28A0092B-C50C-407E-A947-70E740481C1C}">
+                <a14:useLocalDpi xmlns:a14="http://schemas.microsoft.com/office/drawing/2010/main" val="0"/>
+              </a:ext>
+            </a:extLst>
+          </a:blip>
+          <a:stretch>
+            <a:fillRect/>
+          </a:stretch>
+        </p:blipFill>
+        <p:spPr>
+          <a:xfrm>
+            <a:off x="627354" y="4349018"/>
+            <a:ext cx="5606274" cy="2242510"/>
+          </a:xfrm>
+          <a:prstGeom prst="rect">
+            <a:avLst/>
+          </a:prstGeom>
+        </p:spPr>
+      </p:pic>
+      <p:pic>
+        <p:nvPicPr>
+          <p:cNvPr id="14" name="Picture 13">
+            <a:extLst>
+              <a:ext uri="{FF2B5EF4-FFF2-40B4-BE49-F238E27FC236}">
+                <a16:creationId xmlns:a16="http://schemas.microsoft.com/office/drawing/2014/main" id="{CA2E560C-30B0-4006-9A3D-E9E6DD91A64E}"/>
+              </a:ext>
+            </a:extLst>
+          </p:cNvPr>
+          <p:cNvPicPr>
+            <a:picLocks noChangeAspect="1"/>
+          </p:cNvPicPr>
+          <p:nvPr/>
+        </p:nvPicPr>
+        <p:blipFill>
+          <a:blip r:embed="rId5">
+            <a:extLst>
+              <a:ext uri="{28A0092B-C50C-407E-A947-70E740481C1C}">
+                <a14:useLocalDpi xmlns:a14="http://schemas.microsoft.com/office/drawing/2010/main" val="0"/>
+              </a:ext>
+            </a:extLst>
+          </a:blip>
+          <a:stretch>
+            <a:fillRect/>
+          </a:stretch>
+        </p:blipFill>
+        <p:spPr>
+          <a:xfrm>
+            <a:off x="5816328" y="4349018"/>
+            <a:ext cx="5606274" cy="2242510"/>
+          </a:xfrm>
+          <a:prstGeom prst="rect">
+            <a:avLst/>
+          </a:prstGeom>
+        </p:spPr>
+      </p:pic>
+      <p:sp>
+        <p:nvSpPr>
+          <p:cNvPr id="7" name="Title 1">
+            <a:extLst>
+              <a:ext uri="{FF2B5EF4-FFF2-40B4-BE49-F238E27FC236}">
+                <a16:creationId xmlns:a16="http://schemas.microsoft.com/office/drawing/2014/main" id="{1C120CFC-03D1-4F7A-92E3-61836EE6F28C}"/>
+              </a:ext>
+            </a:extLst>
+          </p:cNvPr>
+          <p:cNvSpPr txBox="1">
+            <a:spLocks/>
+          </p:cNvSpPr>
+          <p:nvPr/>
+        </p:nvSpPr>
+        <p:spPr>
+          <a:xfrm>
+            <a:off x="2939988" y="1120953"/>
+            <a:ext cx="8416030" cy="1325563"/>
+          </a:xfrm>
+          <a:prstGeom prst="rect">
+            <a:avLst/>
+          </a:prstGeom>
+        </p:spPr>
+        <p:txBody>
+          <a:bodyPr vert="horz" lIns="91440" tIns="45720" rIns="91440" bIns="45720" rtlCol="0" anchor="ctr">
+            <a:normAutofit/>
+          </a:bodyPr>
+          <a:lstStyle>
+            <a:lvl1pPr algn="l" defTabSz="914400" rtl="0" eaLnBrk="1" latinLnBrk="0" hangingPunct="1">
+              <a:lnSpc>
+                <a:spcPct val="90000"/>
+              </a:lnSpc>
+              <a:spcBef>
+                <a:spcPct val="0"/>
+              </a:spcBef>
+              <a:buNone/>
+              <a:defRPr sz="4400" kern="1200">
+                <a:solidFill>
+                  <a:schemeClr val="tx1"/>
+                </a:solidFill>
+                <a:latin typeface="+mj-lt"/>
+                <a:ea typeface="+mj-ea"/>
+                <a:cs typeface="+mj-cs"/>
+              </a:defRPr>
+            </a:lvl1pPr>
+          </a:lstStyle>
+          <a:p>
+            <a:r>
+              <a:rPr lang="en-US" sz="2800" u="sng" dirty="0"/>
+              <a:t>Type 1:</a:t>
+            </a:r>
+            <a:r>
+              <a:rPr lang="en-US" sz="2800" dirty="0"/>
+              <a:t>				       </a:t>
+            </a:r>
+            <a:r>
+              <a:rPr lang="en-US" sz="2800" u="sng" dirty="0"/>
+              <a:t>Type 2:</a:t>
+            </a:r>
+          </a:p>
+        </p:txBody>
+      </p:sp>
+    </p:spTree>
+    <p:extLst>
+      <p:ext uri="{BB962C8B-B14F-4D97-AF65-F5344CB8AC3E}">
+        <p14:creationId xmlns:p14="http://schemas.microsoft.com/office/powerpoint/2010/main" val="520013403"/>
+      </p:ext>
+    </p:extLst>
+  </p:cSld>
+  <p:clrMapOvr>
+    <a:masterClrMapping/>
+  </p:clrMapOvr>
+</p:sld>
+</file>
+
 <file path=ppt/slides/slide2.xml><?xml version="1.0" encoding="utf-8"?>
 <p:sld xmlns:a="http://schemas.openxmlformats.org/drawingml/2006/main" xmlns:r="http://schemas.openxmlformats.org/officeDocument/2006/relationships" xmlns:p="http://schemas.openxmlformats.org/presentationml/2006/main">
   <p:cSld>
@@ -3399,10 +3941,10 @@
       </p:grpSpPr>
       <p:sp>
         <p:nvSpPr>
-          <p:cNvPr id="2" name="Title 1">
-            <a:extLst>
-              <a:ext uri="{FF2B5EF4-FFF2-40B4-BE49-F238E27FC236}">
-                <a16:creationId xmlns:a16="http://schemas.microsoft.com/office/drawing/2014/main" id="{4CA5B810-3076-43BF-9F08-8308D3722239}"/>
+          <p:cNvPr id="4" name="Title 1">
+            <a:extLst>
+              <a:ext uri="{FF2B5EF4-FFF2-40B4-BE49-F238E27FC236}">
+                <a16:creationId xmlns:a16="http://schemas.microsoft.com/office/drawing/2014/main" id="{D74A28E2-E414-48E2-BC42-43A59A354C6D}"/>
               </a:ext>
             </a:extLst>
           </p:cNvPr>
@@ -3416,7 +3958,7 @@
         <p:spPr>
           <a:xfrm>
             <a:off x="275209" y="0"/>
-            <a:ext cx="8416030" cy="1325563"/>
+            <a:ext cx="8735626" cy="1325563"/>
           </a:xfrm>
         </p:spPr>
         <p:txBody>
@@ -3425,17 +3967,17 @@
           <a:p>
             <a:r>
               <a:rPr lang="en-US" dirty="0"/>
-              <a:t>MB &amp; BG Isotropy vs Time (3hr bins)</a:t>
+              <a:t>MB &amp; BG Isotropy vs Time (12hr bins)</a:t>
             </a:r>
           </a:p>
         </p:txBody>
       </p:sp>
       <p:pic>
         <p:nvPicPr>
-          <p:cNvPr id="5" name="Picture 4">
-            <a:extLst>
-              <a:ext uri="{FF2B5EF4-FFF2-40B4-BE49-F238E27FC236}">
-                <a16:creationId xmlns:a16="http://schemas.microsoft.com/office/drawing/2014/main" id="{455C17EC-8BBF-4D9C-A6AF-8AB35491F2E7}"/>
+          <p:cNvPr id="15" name="Picture 14">
+            <a:extLst>
+              <a:ext uri="{FF2B5EF4-FFF2-40B4-BE49-F238E27FC236}">
+                <a16:creationId xmlns:a16="http://schemas.microsoft.com/office/drawing/2014/main" id="{25ADEF26-7806-498B-9EA0-137E3AAF7E1B}"/>
               </a:ext>
             </a:extLst>
           </p:cNvPr>
@@ -3458,8 +4000,8 @@
         </p:blipFill>
         <p:spPr>
           <a:xfrm>
-            <a:off x="627356" y="2107412"/>
-            <a:ext cx="5604768" cy="2241908"/>
+            <a:off x="627353" y="2107411"/>
+            <a:ext cx="5604771" cy="2241908"/>
           </a:xfrm>
           <a:prstGeom prst="rect">
             <a:avLst/>
@@ -3468,10 +4010,10 @@
       </p:pic>
       <p:pic>
         <p:nvPicPr>
-          <p:cNvPr id="7" name="Picture 6">
-            <a:extLst>
-              <a:ext uri="{FF2B5EF4-FFF2-40B4-BE49-F238E27FC236}">
-                <a16:creationId xmlns:a16="http://schemas.microsoft.com/office/drawing/2014/main" id="{ED5D252C-3CE6-47B8-8EFA-A637086BA109}"/>
+          <p:cNvPr id="17" name="Picture 16">
+            <a:extLst>
+              <a:ext uri="{FF2B5EF4-FFF2-40B4-BE49-F238E27FC236}">
+                <a16:creationId xmlns:a16="http://schemas.microsoft.com/office/drawing/2014/main" id="{A0CA133B-291D-480F-8EC1-B718004AEDDA}"/>
               </a:ext>
             </a:extLst>
           </p:cNvPr>
@@ -3494,8 +4036,8 @@
         </p:blipFill>
         <p:spPr>
           <a:xfrm>
-            <a:off x="5817834" y="2107412"/>
-            <a:ext cx="5604768" cy="2241907"/>
+            <a:off x="5817830" y="2107411"/>
+            <a:ext cx="5604772" cy="2241909"/>
           </a:xfrm>
           <a:prstGeom prst="rect">
             <a:avLst/>
@@ -3504,10 +4046,10 @@
       </p:pic>
       <p:pic>
         <p:nvPicPr>
-          <p:cNvPr id="9" name="Picture 8">
-            <a:extLst>
-              <a:ext uri="{FF2B5EF4-FFF2-40B4-BE49-F238E27FC236}">
-                <a16:creationId xmlns:a16="http://schemas.microsoft.com/office/drawing/2014/main" id="{7399DCA4-0D05-4F76-829D-23C0997638F9}"/>
+          <p:cNvPr id="19" name="Picture 18">
+            <a:extLst>
+              <a:ext uri="{FF2B5EF4-FFF2-40B4-BE49-F238E27FC236}">
+                <a16:creationId xmlns:a16="http://schemas.microsoft.com/office/drawing/2014/main" id="{06AD2B50-C0C6-426B-9EEF-055E9655F0C3}"/>
               </a:ext>
             </a:extLst>
           </p:cNvPr>
@@ -3530,8 +4072,8 @@
         </p:blipFill>
         <p:spPr>
           <a:xfrm>
-            <a:off x="627354" y="4349319"/>
-            <a:ext cx="5604770" cy="2241908"/>
+            <a:off x="627351" y="4349318"/>
+            <a:ext cx="5604773" cy="2241909"/>
           </a:xfrm>
           <a:prstGeom prst="rect">
             <a:avLst/>
@@ -3540,10 +4082,10 @@
       </p:pic>
       <p:pic>
         <p:nvPicPr>
-          <p:cNvPr id="11" name="Picture 10">
-            <a:extLst>
-              <a:ext uri="{FF2B5EF4-FFF2-40B4-BE49-F238E27FC236}">
-                <a16:creationId xmlns:a16="http://schemas.microsoft.com/office/drawing/2014/main" id="{9FC1EB53-59DD-4FF7-BDC7-06D866F65D40}"/>
+          <p:cNvPr id="21" name="Picture 20">
+            <a:extLst>
+              <a:ext uri="{FF2B5EF4-FFF2-40B4-BE49-F238E27FC236}">
+                <a16:creationId xmlns:a16="http://schemas.microsoft.com/office/drawing/2014/main" id="{208BC5B2-965E-4F8B-8BBB-8539B4565305}"/>
               </a:ext>
             </a:extLst>
           </p:cNvPr>
@@ -3566,8 +4108,8 @@
         </p:blipFill>
         <p:spPr>
           <a:xfrm>
-            <a:off x="5817832" y="4349319"/>
-            <a:ext cx="5604770" cy="2241908"/>
+            <a:off x="5817830" y="4349318"/>
+            <a:ext cx="5604773" cy="2241909"/>
           </a:xfrm>
           <a:prstGeom prst="rect">
             <a:avLst/>
@@ -3576,10 +4118,10 @@
       </p:pic>
       <p:sp>
         <p:nvSpPr>
-          <p:cNvPr id="8" name="Title 1">
-            <a:extLst>
-              <a:ext uri="{FF2B5EF4-FFF2-40B4-BE49-F238E27FC236}">
-                <a16:creationId xmlns:a16="http://schemas.microsoft.com/office/drawing/2014/main" id="{D1400D06-3B90-41CA-AFE3-4B9D66007025}"/>
+          <p:cNvPr id="7" name="Title 1">
+            <a:extLst>
+              <a:ext uri="{FF2B5EF4-FFF2-40B4-BE49-F238E27FC236}">
+                <a16:creationId xmlns:a16="http://schemas.microsoft.com/office/drawing/2014/main" id="{C185522C-C5C8-4BD8-91E8-DDD5CE0F7FC7}"/>
               </a:ext>
             </a:extLst>
           </p:cNvPr>
@@ -3639,7 +4181,7 @@
     </p:spTree>
     <p:extLst>
       <p:ext uri="{BB962C8B-B14F-4D97-AF65-F5344CB8AC3E}">
-        <p14:creationId xmlns:p14="http://schemas.microsoft.com/office/powerpoint/2010/main" val="4268624469"/>
+        <p14:creationId xmlns:p14="http://schemas.microsoft.com/office/powerpoint/2010/main" val="1222799421"/>
       </p:ext>
     </p:extLst>
   </p:cSld>
@@ -3668,10 +4210,10 @@
       </p:grpSpPr>
       <p:sp>
         <p:nvSpPr>
-          <p:cNvPr id="2" name="Title 1">
-            <a:extLst>
-              <a:ext uri="{FF2B5EF4-FFF2-40B4-BE49-F238E27FC236}">
-                <a16:creationId xmlns:a16="http://schemas.microsoft.com/office/drawing/2014/main" id="{4CA5B810-3076-43BF-9F08-8308D3722239}"/>
+          <p:cNvPr id="4" name="Title 1">
+            <a:extLst>
+              <a:ext uri="{FF2B5EF4-FFF2-40B4-BE49-F238E27FC236}">
+                <a16:creationId xmlns:a16="http://schemas.microsoft.com/office/drawing/2014/main" id="{D74A28E2-E414-48E2-BC42-43A59A354C6D}"/>
               </a:ext>
             </a:extLst>
           </p:cNvPr>
@@ -3685,7 +4227,7 @@
         <p:spPr>
           <a:xfrm>
             <a:off x="275208" y="0"/>
-            <a:ext cx="11567603" cy="1325563"/>
+            <a:ext cx="11505459" cy="1325563"/>
           </a:xfrm>
         </p:spPr>
         <p:txBody>
@@ -3694,161 +4236,17 @@
           <a:p>
             <a:r>
               <a:rPr lang="en-US" dirty="0"/>
-              <a:t>MB &amp; BG Isotropy Difference vs Time (3hr bins)</a:t>
-            </a:r>
-          </a:p>
-        </p:txBody>
-      </p:sp>
-      <p:pic>
-        <p:nvPicPr>
-          <p:cNvPr id="4" name="Picture 3">
-            <a:extLst>
-              <a:ext uri="{FF2B5EF4-FFF2-40B4-BE49-F238E27FC236}">
-                <a16:creationId xmlns:a16="http://schemas.microsoft.com/office/drawing/2014/main" id="{10256093-41C2-47FE-8410-A42066F0DAB9}"/>
-              </a:ext>
-            </a:extLst>
-          </p:cNvPr>
-          <p:cNvPicPr>
-            <a:picLocks noChangeAspect="1"/>
-          </p:cNvPicPr>
-          <p:nvPr/>
-        </p:nvPicPr>
-        <p:blipFill>
-          <a:blip r:embed="rId2">
-            <a:extLst>
-              <a:ext uri="{28A0092B-C50C-407E-A947-70E740481C1C}">
-                <a14:useLocalDpi xmlns:a14="http://schemas.microsoft.com/office/drawing/2010/main" val="0"/>
-              </a:ext>
-            </a:extLst>
-          </a:blip>
-          <a:stretch>
-            <a:fillRect/>
-          </a:stretch>
-        </p:blipFill>
-        <p:spPr>
-          <a:xfrm>
-            <a:off x="627354" y="2107411"/>
-            <a:ext cx="5604771" cy="2241908"/>
-          </a:xfrm>
-          <a:prstGeom prst="rect">
-            <a:avLst/>
-          </a:prstGeom>
-        </p:spPr>
-      </p:pic>
-      <p:pic>
-        <p:nvPicPr>
-          <p:cNvPr id="8" name="Picture 7">
-            <a:extLst>
-              <a:ext uri="{FF2B5EF4-FFF2-40B4-BE49-F238E27FC236}">
-                <a16:creationId xmlns:a16="http://schemas.microsoft.com/office/drawing/2014/main" id="{CE01A49F-47DB-4E6D-A8CF-7B9D130E0976}"/>
-              </a:ext>
-            </a:extLst>
-          </p:cNvPr>
-          <p:cNvPicPr>
-            <a:picLocks noChangeAspect="1"/>
-          </p:cNvPicPr>
-          <p:nvPr/>
-        </p:nvPicPr>
-        <p:blipFill>
-          <a:blip r:embed="rId3">
-            <a:extLst>
-              <a:ext uri="{28A0092B-C50C-407E-A947-70E740481C1C}">
-                <a14:useLocalDpi xmlns:a14="http://schemas.microsoft.com/office/drawing/2010/main" val="0"/>
-              </a:ext>
-            </a:extLst>
-          </a:blip>
-          <a:stretch>
-            <a:fillRect/>
-          </a:stretch>
-        </p:blipFill>
-        <p:spPr>
-          <a:xfrm>
-            <a:off x="5816328" y="2106810"/>
-            <a:ext cx="5606274" cy="2242509"/>
-          </a:xfrm>
-          <a:prstGeom prst="rect">
-            <a:avLst/>
-          </a:prstGeom>
-        </p:spPr>
-      </p:pic>
-      <p:pic>
-        <p:nvPicPr>
-          <p:cNvPr id="12" name="Picture 11">
-            <a:extLst>
-              <a:ext uri="{FF2B5EF4-FFF2-40B4-BE49-F238E27FC236}">
-                <a16:creationId xmlns:a16="http://schemas.microsoft.com/office/drawing/2014/main" id="{6E9299AF-8EAA-4F99-98E0-65A82DEEBC7B}"/>
-              </a:ext>
-            </a:extLst>
-          </p:cNvPr>
-          <p:cNvPicPr>
-            <a:picLocks noChangeAspect="1"/>
-          </p:cNvPicPr>
-          <p:nvPr/>
-        </p:nvPicPr>
-        <p:blipFill>
-          <a:blip r:embed="rId4">
-            <a:extLst>
-              <a:ext uri="{28A0092B-C50C-407E-A947-70E740481C1C}">
-                <a14:useLocalDpi xmlns:a14="http://schemas.microsoft.com/office/drawing/2010/main" val="0"/>
-              </a:ext>
-            </a:extLst>
-          </a:blip>
-          <a:stretch>
-            <a:fillRect/>
-          </a:stretch>
-        </p:blipFill>
-        <p:spPr>
-          <a:xfrm>
-            <a:off x="627354" y="4349018"/>
-            <a:ext cx="5606274" cy="2242510"/>
-          </a:xfrm>
-          <a:prstGeom prst="rect">
-            <a:avLst/>
-          </a:prstGeom>
-        </p:spPr>
-      </p:pic>
-      <p:pic>
-        <p:nvPicPr>
-          <p:cNvPr id="14" name="Picture 13">
-            <a:extLst>
-              <a:ext uri="{FF2B5EF4-FFF2-40B4-BE49-F238E27FC236}">
-                <a16:creationId xmlns:a16="http://schemas.microsoft.com/office/drawing/2014/main" id="{CA2E560C-30B0-4006-9A3D-E9E6DD91A64E}"/>
-              </a:ext>
-            </a:extLst>
-          </p:cNvPr>
-          <p:cNvPicPr>
-            <a:picLocks noChangeAspect="1"/>
-          </p:cNvPicPr>
-          <p:nvPr/>
-        </p:nvPicPr>
-        <p:blipFill>
-          <a:blip r:embed="rId5">
-            <a:extLst>
-              <a:ext uri="{28A0092B-C50C-407E-A947-70E740481C1C}">
-                <a14:useLocalDpi xmlns:a14="http://schemas.microsoft.com/office/drawing/2010/main" val="0"/>
-              </a:ext>
-            </a:extLst>
-          </a:blip>
-          <a:stretch>
-            <a:fillRect/>
-          </a:stretch>
-        </p:blipFill>
-        <p:spPr>
-          <a:xfrm>
-            <a:off x="5816328" y="4349018"/>
-            <a:ext cx="5606274" cy="2242510"/>
-          </a:xfrm>
-          <a:prstGeom prst="rect">
-            <a:avLst/>
-          </a:prstGeom>
-        </p:spPr>
-      </p:pic>
+              <a:t>MB &amp; BG Isotropy Difference vs Time (12hr bins)</a:t>
+            </a:r>
+          </a:p>
+        </p:txBody>
+      </p:sp>
       <p:sp>
         <p:nvSpPr>
           <p:cNvPr id="7" name="Title 1">
             <a:extLst>
               <a:ext uri="{FF2B5EF4-FFF2-40B4-BE49-F238E27FC236}">
-                <a16:creationId xmlns:a16="http://schemas.microsoft.com/office/drawing/2014/main" id="{1C120CFC-03D1-4F7A-92E3-61836EE6F28C}"/>
+                <a16:creationId xmlns:a16="http://schemas.microsoft.com/office/drawing/2014/main" id="{5DFAF9BD-96A4-4268-A3B8-DE7BDA07E9FB}"/>
               </a:ext>
             </a:extLst>
           </p:cNvPr>
@@ -3905,10 +4303,154 @@
           </a:p>
         </p:txBody>
       </p:sp>
+      <p:pic>
+        <p:nvPicPr>
+          <p:cNvPr id="5" name="Picture 4">
+            <a:extLst>
+              <a:ext uri="{FF2B5EF4-FFF2-40B4-BE49-F238E27FC236}">
+                <a16:creationId xmlns:a16="http://schemas.microsoft.com/office/drawing/2014/main" id="{0B83EB46-64E5-410A-96E5-11AC2E80E8C5}"/>
+              </a:ext>
+            </a:extLst>
+          </p:cNvPr>
+          <p:cNvPicPr>
+            <a:picLocks noChangeAspect="1"/>
+          </p:cNvPicPr>
+          <p:nvPr/>
+        </p:nvPicPr>
+        <p:blipFill>
+          <a:blip r:embed="rId2">
+            <a:extLst>
+              <a:ext uri="{28A0092B-C50C-407E-A947-70E740481C1C}">
+                <a14:useLocalDpi xmlns:a14="http://schemas.microsoft.com/office/drawing/2010/main" val="0"/>
+              </a:ext>
+            </a:extLst>
+          </a:blip>
+          <a:stretch>
+            <a:fillRect/>
+          </a:stretch>
+        </p:blipFill>
+        <p:spPr>
+          <a:xfrm>
+            <a:off x="627352" y="2106508"/>
+            <a:ext cx="5606276" cy="2242510"/>
+          </a:xfrm>
+          <a:prstGeom prst="rect">
+            <a:avLst/>
+          </a:prstGeom>
+        </p:spPr>
+      </p:pic>
+      <p:pic>
+        <p:nvPicPr>
+          <p:cNvPr id="8" name="Picture 7">
+            <a:extLst>
+              <a:ext uri="{FF2B5EF4-FFF2-40B4-BE49-F238E27FC236}">
+                <a16:creationId xmlns:a16="http://schemas.microsoft.com/office/drawing/2014/main" id="{0161923B-81CD-48B4-BF18-7B5246954DE0}"/>
+              </a:ext>
+            </a:extLst>
+          </p:cNvPr>
+          <p:cNvPicPr>
+            <a:picLocks noChangeAspect="1"/>
+          </p:cNvPicPr>
+          <p:nvPr/>
+        </p:nvPicPr>
+        <p:blipFill>
+          <a:blip r:embed="rId3">
+            <a:extLst>
+              <a:ext uri="{28A0092B-C50C-407E-A947-70E740481C1C}">
+                <a14:useLocalDpi xmlns:a14="http://schemas.microsoft.com/office/drawing/2010/main" val="0"/>
+              </a:ext>
+            </a:extLst>
+          </a:blip>
+          <a:stretch>
+            <a:fillRect/>
+          </a:stretch>
+        </p:blipFill>
+        <p:spPr>
+          <a:xfrm>
+            <a:off x="5816325" y="2106205"/>
+            <a:ext cx="5606277" cy="2242511"/>
+          </a:xfrm>
+          <a:prstGeom prst="rect">
+            <a:avLst/>
+          </a:prstGeom>
+        </p:spPr>
+      </p:pic>
+      <p:pic>
+        <p:nvPicPr>
+          <p:cNvPr id="11" name="Picture 10">
+            <a:extLst>
+              <a:ext uri="{FF2B5EF4-FFF2-40B4-BE49-F238E27FC236}">
+                <a16:creationId xmlns:a16="http://schemas.microsoft.com/office/drawing/2014/main" id="{3114D2BA-7075-48DE-BE35-98F1784675BB}"/>
+              </a:ext>
+            </a:extLst>
+          </p:cNvPr>
+          <p:cNvPicPr>
+            <a:picLocks noChangeAspect="1"/>
+          </p:cNvPicPr>
+          <p:nvPr/>
+        </p:nvPicPr>
+        <p:blipFill>
+          <a:blip r:embed="rId4">
+            <a:extLst>
+              <a:ext uri="{28A0092B-C50C-407E-A947-70E740481C1C}">
+                <a14:useLocalDpi xmlns:a14="http://schemas.microsoft.com/office/drawing/2010/main" val="0"/>
+              </a:ext>
+            </a:extLst>
+          </a:blip>
+          <a:stretch>
+            <a:fillRect/>
+          </a:stretch>
+        </p:blipFill>
+        <p:spPr>
+          <a:xfrm>
+            <a:off x="627352" y="4348715"/>
+            <a:ext cx="5606277" cy="2242511"/>
+          </a:xfrm>
+          <a:prstGeom prst="rect">
+            <a:avLst/>
+          </a:prstGeom>
+        </p:spPr>
+      </p:pic>
+      <p:pic>
+        <p:nvPicPr>
+          <p:cNvPr id="15" name="Picture 14">
+            <a:extLst>
+              <a:ext uri="{FF2B5EF4-FFF2-40B4-BE49-F238E27FC236}">
+                <a16:creationId xmlns:a16="http://schemas.microsoft.com/office/drawing/2014/main" id="{40BE09F9-B554-4B25-BF5E-2A4BD8B6D89D}"/>
+              </a:ext>
+            </a:extLst>
+          </p:cNvPr>
+          <p:cNvPicPr>
+            <a:picLocks noChangeAspect="1"/>
+          </p:cNvPicPr>
+          <p:nvPr/>
+        </p:nvPicPr>
+        <p:blipFill>
+          <a:blip r:embed="rId5">
+            <a:extLst>
+              <a:ext uri="{28A0092B-C50C-407E-A947-70E740481C1C}">
+                <a14:useLocalDpi xmlns:a14="http://schemas.microsoft.com/office/drawing/2010/main" val="0"/>
+              </a:ext>
+            </a:extLst>
+          </a:blip>
+          <a:stretch>
+            <a:fillRect/>
+          </a:stretch>
+        </p:blipFill>
+        <p:spPr>
+          <a:xfrm>
+            <a:off x="5816323" y="4348412"/>
+            <a:ext cx="5606278" cy="2242511"/>
+          </a:xfrm>
+          <a:prstGeom prst="rect">
+            <a:avLst/>
+          </a:prstGeom>
+        </p:spPr>
+      </p:pic>
     </p:spTree>
     <p:extLst>
       <p:ext uri="{BB962C8B-B14F-4D97-AF65-F5344CB8AC3E}">
-        <p14:creationId xmlns:p14="http://schemas.microsoft.com/office/powerpoint/2010/main" val="520013403"/>
+        <p14:creationId xmlns:p14="http://schemas.microsoft.com/office/powerpoint/2010/main" val="2290548772"/>
       </p:ext>
     </p:extLst>
   </p:cSld>
@@ -3940,7 +4482,7 @@
           <p:cNvPr id="4" name="Title 1">
             <a:extLst>
               <a:ext uri="{FF2B5EF4-FFF2-40B4-BE49-F238E27FC236}">
-                <a16:creationId xmlns:a16="http://schemas.microsoft.com/office/drawing/2014/main" id="{D74A28E2-E414-48E2-BC42-43A59A354C6D}"/>
+                <a16:creationId xmlns:a16="http://schemas.microsoft.com/office/drawing/2014/main" id="{95850083-A72F-43C3-A1E2-354B3FEF6E84}"/>
               </a:ext>
             </a:extLst>
           </p:cNvPr>
@@ -3954,7 +4496,7 @@
         <p:spPr>
           <a:xfrm>
             <a:off x="275209" y="0"/>
-            <a:ext cx="8735626" cy="1325563"/>
+            <a:ext cx="10999432" cy="1325563"/>
           </a:xfrm>
         </p:spPr>
         <p:txBody>
@@ -3963,17 +4505,17 @@
           <a:p>
             <a:r>
               <a:rPr lang="en-US" dirty="0"/>
-              <a:t>MB &amp; BG Isotropy vs Time (12hr bins)</a:t>
+              <a:t>MB &amp; BG Isotropy vs MLT</a:t>
             </a:r>
           </a:p>
         </p:txBody>
       </p:sp>
       <p:pic>
         <p:nvPicPr>
-          <p:cNvPr id="15" name="Picture 14">
-            <a:extLst>
-              <a:ext uri="{FF2B5EF4-FFF2-40B4-BE49-F238E27FC236}">
-                <a16:creationId xmlns:a16="http://schemas.microsoft.com/office/drawing/2014/main" id="{25ADEF26-7806-498B-9EA0-137E3AAF7E1B}"/>
+          <p:cNvPr id="14" name="Picture 13">
+            <a:extLst>
+              <a:ext uri="{FF2B5EF4-FFF2-40B4-BE49-F238E27FC236}">
+                <a16:creationId xmlns:a16="http://schemas.microsoft.com/office/drawing/2014/main" id="{F716D24E-FD59-4173-9C3B-5BEF7D98921E}"/>
               </a:ext>
             </a:extLst>
           </p:cNvPr>
@@ -3996,8 +4538,8 @@
         </p:blipFill>
         <p:spPr>
           <a:xfrm>
-            <a:off x="627353" y="2107411"/>
-            <a:ext cx="5604771" cy="2241908"/>
+            <a:off x="627353" y="2106508"/>
+            <a:ext cx="5606277" cy="2242511"/>
           </a:xfrm>
           <a:prstGeom prst="rect">
             <a:avLst/>
@@ -4006,10 +4548,10 @@
       </p:pic>
       <p:pic>
         <p:nvPicPr>
-          <p:cNvPr id="17" name="Picture 16">
-            <a:extLst>
-              <a:ext uri="{FF2B5EF4-FFF2-40B4-BE49-F238E27FC236}">
-                <a16:creationId xmlns:a16="http://schemas.microsoft.com/office/drawing/2014/main" id="{A0CA133B-291D-480F-8EC1-B718004AEDDA}"/>
+          <p:cNvPr id="16" name="Picture 15">
+            <a:extLst>
+              <a:ext uri="{FF2B5EF4-FFF2-40B4-BE49-F238E27FC236}">
+                <a16:creationId xmlns:a16="http://schemas.microsoft.com/office/drawing/2014/main" id="{A8FB1D1A-8D23-4DF9-8D09-1E5F9BF5FEE2}"/>
               </a:ext>
             </a:extLst>
           </p:cNvPr>
@@ -4032,8 +4574,8 @@
         </p:blipFill>
         <p:spPr>
           <a:xfrm>
-            <a:off x="5817830" y="2107411"/>
-            <a:ext cx="5604772" cy="2241909"/>
+            <a:off x="5816326" y="2106508"/>
+            <a:ext cx="5606277" cy="2242511"/>
           </a:xfrm>
           <a:prstGeom prst="rect">
             <a:avLst/>
@@ -4042,10 +4584,10 @@
       </p:pic>
       <p:pic>
         <p:nvPicPr>
-          <p:cNvPr id="19" name="Picture 18">
-            <a:extLst>
-              <a:ext uri="{FF2B5EF4-FFF2-40B4-BE49-F238E27FC236}">
-                <a16:creationId xmlns:a16="http://schemas.microsoft.com/office/drawing/2014/main" id="{06AD2B50-C0C6-426B-9EEF-055E9655F0C3}"/>
+          <p:cNvPr id="18" name="Picture 17">
+            <a:extLst>
+              <a:ext uri="{FF2B5EF4-FFF2-40B4-BE49-F238E27FC236}">
+                <a16:creationId xmlns:a16="http://schemas.microsoft.com/office/drawing/2014/main" id="{979839AE-0D6D-4C34-A9EE-34BBE612EB11}"/>
               </a:ext>
             </a:extLst>
           </p:cNvPr>
@@ -4068,8 +4610,8 @@
         </p:blipFill>
         <p:spPr>
           <a:xfrm>
-            <a:off x="627351" y="4349318"/>
-            <a:ext cx="5604773" cy="2241909"/>
+            <a:off x="627352" y="4349017"/>
+            <a:ext cx="5606278" cy="2242511"/>
           </a:xfrm>
           <a:prstGeom prst="rect">
             <a:avLst/>
@@ -4078,10 +4620,10 @@
       </p:pic>
       <p:pic>
         <p:nvPicPr>
-          <p:cNvPr id="21" name="Picture 20">
-            <a:extLst>
-              <a:ext uri="{FF2B5EF4-FFF2-40B4-BE49-F238E27FC236}">
-                <a16:creationId xmlns:a16="http://schemas.microsoft.com/office/drawing/2014/main" id="{208BC5B2-965E-4F8B-8BBB-8539B4565305}"/>
+          <p:cNvPr id="20" name="Picture 19">
+            <a:extLst>
+              <a:ext uri="{FF2B5EF4-FFF2-40B4-BE49-F238E27FC236}">
+                <a16:creationId xmlns:a16="http://schemas.microsoft.com/office/drawing/2014/main" id="{06191B75-0B01-4960-8DCC-03AD7E97A277}"/>
               </a:ext>
             </a:extLst>
           </p:cNvPr>
@@ -4104,8 +4646,8 @@
         </p:blipFill>
         <p:spPr>
           <a:xfrm>
-            <a:off x="5817830" y="4349318"/>
-            <a:ext cx="5604773" cy="2241909"/>
+            <a:off x="5816324" y="4349017"/>
+            <a:ext cx="5606279" cy="2242512"/>
           </a:xfrm>
           <a:prstGeom prst="rect">
             <a:avLst/>
@@ -4117,7 +4659,7 @@
           <p:cNvPr id="7" name="Title 1">
             <a:extLst>
               <a:ext uri="{FF2B5EF4-FFF2-40B4-BE49-F238E27FC236}">
-                <a16:creationId xmlns:a16="http://schemas.microsoft.com/office/drawing/2014/main" id="{C185522C-C5C8-4BD8-91E8-DDD5CE0F7FC7}"/>
+                <a16:creationId xmlns:a16="http://schemas.microsoft.com/office/drawing/2014/main" id="{CCCB17A2-9948-44C5-B1F2-742CF9CC2EC7}"/>
               </a:ext>
             </a:extLst>
           </p:cNvPr>
@@ -4177,7 +4719,7 @@
     </p:spTree>
     <p:extLst>
       <p:ext uri="{BB962C8B-B14F-4D97-AF65-F5344CB8AC3E}">
-        <p14:creationId xmlns:p14="http://schemas.microsoft.com/office/powerpoint/2010/main" val="1222799421"/>
+        <p14:creationId xmlns:p14="http://schemas.microsoft.com/office/powerpoint/2010/main" val="4017298481"/>
       </p:ext>
     </p:extLst>
   </p:cSld>
@@ -4209,7 +4751,7 @@
           <p:cNvPr id="4" name="Title 1">
             <a:extLst>
               <a:ext uri="{FF2B5EF4-FFF2-40B4-BE49-F238E27FC236}">
-                <a16:creationId xmlns:a16="http://schemas.microsoft.com/office/drawing/2014/main" id="{D74A28E2-E414-48E2-BC42-43A59A354C6D}"/>
+                <a16:creationId xmlns:a16="http://schemas.microsoft.com/office/drawing/2014/main" id="{FF4190FA-77FC-4020-BD29-708F23FA71DB}"/>
               </a:ext>
             </a:extLst>
           </p:cNvPr>
@@ -4222,8 +4764,8 @@
         </p:nvSpPr>
         <p:spPr>
           <a:xfrm>
-            <a:off x="275209" y="0"/>
-            <a:ext cx="8735626" cy="1325563"/>
+            <a:off x="275208" y="0"/>
+            <a:ext cx="9028589" cy="1325563"/>
           </a:xfrm>
         </p:spPr>
         <p:txBody>
@@ -4232,161 +4774,17 @@
           <a:p>
             <a:r>
               <a:rPr lang="en-US" dirty="0"/>
-              <a:t>MB &amp; BG Isotropy vs Time (12hr bins)</a:t>
-            </a:r>
-          </a:p>
-        </p:txBody>
-      </p:sp>
-      <p:pic>
-        <p:nvPicPr>
-          <p:cNvPr id="3" name="Picture 2">
-            <a:extLst>
-              <a:ext uri="{FF2B5EF4-FFF2-40B4-BE49-F238E27FC236}">
-                <a16:creationId xmlns:a16="http://schemas.microsoft.com/office/drawing/2014/main" id="{22F408F3-7CFB-4CDF-92DC-6B69BB7A5E61}"/>
-              </a:ext>
-            </a:extLst>
-          </p:cNvPr>
-          <p:cNvPicPr>
-            <a:picLocks noChangeAspect="1"/>
-          </p:cNvPicPr>
-          <p:nvPr/>
-        </p:nvPicPr>
-        <p:blipFill>
-          <a:blip r:embed="rId2">
-            <a:extLst>
-              <a:ext uri="{28A0092B-C50C-407E-A947-70E740481C1C}">
-                <a14:useLocalDpi xmlns:a14="http://schemas.microsoft.com/office/drawing/2010/main" val="0"/>
-              </a:ext>
-            </a:extLst>
-          </a:blip>
-          <a:stretch>
-            <a:fillRect/>
-          </a:stretch>
-        </p:blipFill>
-        <p:spPr>
-          <a:xfrm>
-            <a:off x="627354" y="2106508"/>
-            <a:ext cx="5606274" cy="2242510"/>
-          </a:xfrm>
-          <a:prstGeom prst="rect">
-            <a:avLst/>
-          </a:prstGeom>
-        </p:spPr>
-      </p:pic>
-      <p:pic>
-        <p:nvPicPr>
-          <p:cNvPr id="10" name="Picture 9">
-            <a:extLst>
-              <a:ext uri="{FF2B5EF4-FFF2-40B4-BE49-F238E27FC236}">
-                <a16:creationId xmlns:a16="http://schemas.microsoft.com/office/drawing/2014/main" id="{B67B58AC-DCA9-4F56-8251-42112E73E799}"/>
-              </a:ext>
-            </a:extLst>
-          </p:cNvPr>
-          <p:cNvPicPr>
-            <a:picLocks noChangeAspect="1"/>
-          </p:cNvPicPr>
-          <p:nvPr/>
-        </p:nvPicPr>
-        <p:blipFill>
-          <a:blip r:embed="rId3">
-            <a:extLst>
-              <a:ext uri="{28A0092B-C50C-407E-A947-70E740481C1C}">
-                <a14:useLocalDpi xmlns:a14="http://schemas.microsoft.com/office/drawing/2010/main" val="0"/>
-              </a:ext>
-            </a:extLst>
-          </a:blip>
-          <a:stretch>
-            <a:fillRect/>
-          </a:stretch>
-        </p:blipFill>
-        <p:spPr>
-          <a:xfrm>
-            <a:off x="5816327" y="2106508"/>
-            <a:ext cx="5606275" cy="2242510"/>
-          </a:xfrm>
-          <a:prstGeom prst="rect">
-            <a:avLst/>
-          </a:prstGeom>
-        </p:spPr>
-      </p:pic>
-      <p:pic>
-        <p:nvPicPr>
-          <p:cNvPr id="12" name="Picture 11">
-            <a:extLst>
-              <a:ext uri="{FF2B5EF4-FFF2-40B4-BE49-F238E27FC236}">
-                <a16:creationId xmlns:a16="http://schemas.microsoft.com/office/drawing/2014/main" id="{648F69D7-E78B-4536-8E63-69BD6CF965E8}"/>
-              </a:ext>
-            </a:extLst>
-          </p:cNvPr>
-          <p:cNvPicPr>
-            <a:picLocks noChangeAspect="1"/>
-          </p:cNvPicPr>
-          <p:nvPr/>
-        </p:nvPicPr>
-        <p:blipFill>
-          <a:blip r:embed="rId4">
-            <a:extLst>
-              <a:ext uri="{28A0092B-C50C-407E-A947-70E740481C1C}">
-                <a14:useLocalDpi xmlns:a14="http://schemas.microsoft.com/office/drawing/2010/main" val="0"/>
-              </a:ext>
-            </a:extLst>
-          </a:blip>
-          <a:stretch>
-            <a:fillRect/>
-          </a:stretch>
-        </p:blipFill>
-        <p:spPr>
-          <a:xfrm>
-            <a:off x="627353" y="4349018"/>
-            <a:ext cx="5606276" cy="2242510"/>
-          </a:xfrm>
-          <a:prstGeom prst="rect">
-            <a:avLst/>
-          </a:prstGeom>
-        </p:spPr>
-      </p:pic>
-      <p:pic>
-        <p:nvPicPr>
-          <p:cNvPr id="14" name="Picture 13">
-            <a:extLst>
-              <a:ext uri="{FF2B5EF4-FFF2-40B4-BE49-F238E27FC236}">
-                <a16:creationId xmlns:a16="http://schemas.microsoft.com/office/drawing/2014/main" id="{D1CFBE19-A0B1-4D16-9D0F-871A9218B79B}"/>
-              </a:ext>
-            </a:extLst>
-          </p:cNvPr>
-          <p:cNvPicPr>
-            <a:picLocks noChangeAspect="1"/>
-          </p:cNvPicPr>
-          <p:nvPr/>
-        </p:nvPicPr>
-        <p:blipFill>
-          <a:blip r:embed="rId5">
-            <a:extLst>
-              <a:ext uri="{28A0092B-C50C-407E-A947-70E740481C1C}">
-                <a14:useLocalDpi xmlns:a14="http://schemas.microsoft.com/office/drawing/2010/main" val="0"/>
-              </a:ext>
-            </a:extLst>
-          </a:blip>
-          <a:stretch>
-            <a:fillRect/>
-          </a:stretch>
-        </p:blipFill>
-        <p:spPr>
-          <a:xfrm>
-            <a:off x="5816327" y="4349018"/>
-            <a:ext cx="5606276" cy="2242510"/>
-          </a:xfrm>
-          <a:prstGeom prst="rect">
-            <a:avLst/>
-          </a:prstGeom>
-        </p:spPr>
-      </p:pic>
+              <a:t>MB &amp; BG Isotropy Difference vs MLT</a:t>
+            </a:r>
+          </a:p>
+        </p:txBody>
+      </p:sp>
       <p:sp>
         <p:nvSpPr>
           <p:cNvPr id="7" name="Title 1">
             <a:extLst>
               <a:ext uri="{FF2B5EF4-FFF2-40B4-BE49-F238E27FC236}">
-                <a16:creationId xmlns:a16="http://schemas.microsoft.com/office/drawing/2014/main" id="{5DFAF9BD-96A4-4268-A3B8-DE7BDA07E9FB}"/>
+                <a16:creationId xmlns:a16="http://schemas.microsoft.com/office/drawing/2014/main" id="{3632D850-42E9-446C-9535-3B5BAC8635C2}"/>
               </a:ext>
             </a:extLst>
           </p:cNvPr>
@@ -4443,10 +4841,154 @@
           </a:p>
         </p:txBody>
       </p:sp>
+      <p:pic>
+        <p:nvPicPr>
+          <p:cNvPr id="3" name="Picture 2">
+            <a:extLst>
+              <a:ext uri="{FF2B5EF4-FFF2-40B4-BE49-F238E27FC236}">
+                <a16:creationId xmlns:a16="http://schemas.microsoft.com/office/drawing/2014/main" id="{9CBB3179-0E4E-4C77-BD4A-C6F789511F81}"/>
+              </a:ext>
+            </a:extLst>
+          </p:cNvPr>
+          <p:cNvPicPr>
+            <a:picLocks noChangeAspect="1"/>
+          </p:cNvPicPr>
+          <p:nvPr/>
+        </p:nvPicPr>
+        <p:blipFill>
+          <a:blip r:embed="rId2">
+            <a:extLst>
+              <a:ext uri="{28A0092B-C50C-407E-A947-70E740481C1C}">
+                <a14:useLocalDpi xmlns:a14="http://schemas.microsoft.com/office/drawing/2010/main" val="0"/>
+              </a:ext>
+            </a:extLst>
+          </a:blip>
+          <a:stretch>
+            <a:fillRect/>
+          </a:stretch>
+        </p:blipFill>
+        <p:spPr>
+          <a:xfrm>
+            <a:off x="627351" y="2106507"/>
+            <a:ext cx="5606281" cy="2242512"/>
+          </a:xfrm>
+          <a:prstGeom prst="rect">
+            <a:avLst/>
+          </a:prstGeom>
+        </p:spPr>
+      </p:pic>
+      <p:pic>
+        <p:nvPicPr>
+          <p:cNvPr id="6" name="Picture 5">
+            <a:extLst>
+              <a:ext uri="{FF2B5EF4-FFF2-40B4-BE49-F238E27FC236}">
+                <a16:creationId xmlns:a16="http://schemas.microsoft.com/office/drawing/2014/main" id="{5F505934-8571-4631-B865-9C92C9984969}"/>
+              </a:ext>
+            </a:extLst>
+          </p:cNvPr>
+          <p:cNvPicPr>
+            <a:picLocks noChangeAspect="1"/>
+          </p:cNvPicPr>
+          <p:nvPr/>
+        </p:nvPicPr>
+        <p:blipFill>
+          <a:blip r:embed="rId3">
+            <a:extLst>
+              <a:ext uri="{28A0092B-C50C-407E-A947-70E740481C1C}">
+                <a14:useLocalDpi xmlns:a14="http://schemas.microsoft.com/office/drawing/2010/main" val="0"/>
+              </a:ext>
+            </a:extLst>
+          </a:blip>
+          <a:stretch>
+            <a:fillRect/>
+          </a:stretch>
+        </p:blipFill>
+        <p:spPr>
+          <a:xfrm>
+            <a:off x="5816325" y="2106506"/>
+            <a:ext cx="5606281" cy="2242512"/>
+          </a:xfrm>
+          <a:prstGeom prst="rect">
+            <a:avLst/>
+          </a:prstGeom>
+        </p:spPr>
+      </p:pic>
+      <p:pic>
+        <p:nvPicPr>
+          <p:cNvPr id="9" name="Picture 8">
+            <a:extLst>
+              <a:ext uri="{FF2B5EF4-FFF2-40B4-BE49-F238E27FC236}">
+                <a16:creationId xmlns:a16="http://schemas.microsoft.com/office/drawing/2014/main" id="{22DBD72E-EACD-4284-83ED-8509F436FDBB}"/>
+              </a:ext>
+            </a:extLst>
+          </p:cNvPr>
+          <p:cNvPicPr>
+            <a:picLocks noChangeAspect="1"/>
+          </p:cNvPicPr>
+          <p:nvPr/>
+        </p:nvPicPr>
+        <p:blipFill>
+          <a:blip r:embed="rId4">
+            <a:extLst>
+              <a:ext uri="{28A0092B-C50C-407E-A947-70E740481C1C}">
+                <a14:useLocalDpi xmlns:a14="http://schemas.microsoft.com/office/drawing/2010/main" val="0"/>
+              </a:ext>
+            </a:extLst>
+          </a:blip>
+          <a:stretch>
+            <a:fillRect/>
+          </a:stretch>
+        </p:blipFill>
+        <p:spPr>
+          <a:xfrm>
+            <a:off x="627351" y="4349017"/>
+            <a:ext cx="5606281" cy="2242512"/>
+          </a:xfrm>
+          <a:prstGeom prst="rect">
+            <a:avLst/>
+          </a:prstGeom>
+        </p:spPr>
+      </p:pic>
+      <p:pic>
+        <p:nvPicPr>
+          <p:cNvPr id="13" name="Picture 12">
+            <a:extLst>
+              <a:ext uri="{FF2B5EF4-FFF2-40B4-BE49-F238E27FC236}">
+                <a16:creationId xmlns:a16="http://schemas.microsoft.com/office/drawing/2014/main" id="{12BB73B4-F20C-485C-8305-F7F2F5F28389}"/>
+              </a:ext>
+            </a:extLst>
+          </p:cNvPr>
+          <p:cNvPicPr>
+            <a:picLocks noChangeAspect="1"/>
+          </p:cNvPicPr>
+          <p:nvPr/>
+        </p:nvPicPr>
+        <p:blipFill>
+          <a:blip r:embed="rId5">
+            <a:extLst>
+              <a:ext uri="{28A0092B-C50C-407E-A947-70E740481C1C}">
+                <a14:useLocalDpi xmlns:a14="http://schemas.microsoft.com/office/drawing/2010/main" val="0"/>
+              </a:ext>
+            </a:extLst>
+          </a:blip>
+          <a:stretch>
+            <a:fillRect/>
+          </a:stretch>
+        </p:blipFill>
+        <p:spPr>
+          <a:xfrm>
+            <a:off x="5816323" y="4349015"/>
+            <a:ext cx="5606283" cy="2242513"/>
+          </a:xfrm>
+          <a:prstGeom prst="rect">
+            <a:avLst/>
+          </a:prstGeom>
+        </p:spPr>
+      </p:pic>
     </p:spTree>
     <p:extLst>
       <p:ext uri="{BB962C8B-B14F-4D97-AF65-F5344CB8AC3E}">
-        <p14:creationId xmlns:p14="http://schemas.microsoft.com/office/powerpoint/2010/main" val="2290548772"/>
+        <p14:creationId xmlns:p14="http://schemas.microsoft.com/office/powerpoint/2010/main" val="2778310829"/>
       </p:ext>
     </p:extLst>
   </p:cSld>
@@ -4475,10 +5017,10 @@
       </p:grpSpPr>
       <p:sp>
         <p:nvSpPr>
-          <p:cNvPr id="4" name="Title 1">
-            <a:extLst>
-              <a:ext uri="{FF2B5EF4-FFF2-40B4-BE49-F238E27FC236}">
-                <a16:creationId xmlns:a16="http://schemas.microsoft.com/office/drawing/2014/main" id="{95850083-A72F-43C3-A1E2-354B3FEF6E84}"/>
+          <p:cNvPr id="2" name="Title 1">
+            <a:extLst>
+              <a:ext uri="{FF2B5EF4-FFF2-40B4-BE49-F238E27FC236}">
+                <a16:creationId xmlns:a16="http://schemas.microsoft.com/office/drawing/2014/main" id="{5B8E09C6-CA4F-4FB8-AD8C-944BE46C4A38}"/>
               </a:ext>
             </a:extLst>
           </p:cNvPr>
@@ -4489,29 +5031,60 @@
             <p:ph type="title"/>
           </p:nvPr>
         </p:nvSpPr>
-        <p:spPr>
-          <a:xfrm>
-            <a:off x="275209" y="0"/>
-            <a:ext cx="10999432" cy="1325563"/>
-          </a:xfrm>
-        </p:spPr>
+        <p:spPr/>
         <p:txBody>
           <a:bodyPr/>
           <a:lstStyle/>
           <a:p>
             <a:r>
               <a:rPr lang="en-US" dirty="0"/>
-              <a:t>MB &amp; BG Isotropy vs MLT</a:t>
+              <a:t>Remaining Questions:</a:t>
+            </a:r>
+          </a:p>
+        </p:txBody>
+      </p:sp>
+      <p:sp>
+        <p:nvSpPr>
+          <p:cNvPr id="3" name="Content Placeholder 2">
+            <a:extLst>
+              <a:ext uri="{FF2B5EF4-FFF2-40B4-BE49-F238E27FC236}">
+                <a16:creationId xmlns:a16="http://schemas.microsoft.com/office/drawing/2014/main" id="{C83AC447-4B09-4AAD-BE9C-84DFD1057AE0}"/>
+              </a:ext>
+            </a:extLst>
+          </p:cNvPr>
+          <p:cNvSpPr>
+            <a:spLocks noGrp="1"/>
+          </p:cNvSpPr>
+          <p:nvPr>
+            <p:ph idx="1"/>
+          </p:nvPr>
+        </p:nvSpPr>
+        <p:spPr>
+          <a:xfrm>
+            <a:off x="838200" y="1825625"/>
+            <a:ext cx="4026763" cy="1077373"/>
+          </a:xfrm>
+        </p:spPr>
+        <p:txBody>
+          <a:bodyPr/>
+          <a:lstStyle/>
+          <a:p>
+            <a:pPr marL="0" indent="0">
+              <a:buNone/>
+            </a:pPr>
+            <a:r>
+              <a:rPr lang="en-US" dirty="0"/>
+              <a:t>1) Weird pattern in SSD1 and SSD4 counts. Why?</a:t>
             </a:r>
           </a:p>
         </p:txBody>
       </p:sp>
       <p:pic>
         <p:nvPicPr>
-          <p:cNvPr id="14" name="Picture 13">
-            <a:extLst>
-              <a:ext uri="{FF2B5EF4-FFF2-40B4-BE49-F238E27FC236}">
-                <a16:creationId xmlns:a16="http://schemas.microsoft.com/office/drawing/2014/main" id="{F716D24E-FD59-4173-9C3B-5BEF7D98921E}"/>
+          <p:cNvPr id="5" name="Picture 4">
+            <a:extLst>
+              <a:ext uri="{FF2B5EF4-FFF2-40B4-BE49-F238E27FC236}">
+                <a16:creationId xmlns:a16="http://schemas.microsoft.com/office/drawing/2014/main" id="{1B20A606-FADF-42A4-9FC9-5B6C4DF82549}"/>
               </a:ext>
             </a:extLst>
           </p:cNvPr>
@@ -4534,8 +5107,8 @@
         </p:blipFill>
         <p:spPr>
           <a:xfrm>
-            <a:off x="627353" y="2106508"/>
-            <a:ext cx="5606277" cy="2242511"/>
+            <a:off x="408372" y="2973679"/>
+            <a:ext cx="3313906" cy="1325562"/>
           </a:xfrm>
           <a:prstGeom prst="rect">
             <a:avLst/>
@@ -4544,10 +5117,10 @@
       </p:pic>
       <p:pic>
         <p:nvPicPr>
-          <p:cNvPr id="16" name="Picture 15">
-            <a:extLst>
-              <a:ext uri="{FF2B5EF4-FFF2-40B4-BE49-F238E27FC236}">
-                <a16:creationId xmlns:a16="http://schemas.microsoft.com/office/drawing/2014/main" id="{A8FB1D1A-8D23-4DF9-8D09-1E5F9BF5FEE2}"/>
+          <p:cNvPr id="7" name="Picture 6">
+            <a:extLst>
+              <a:ext uri="{FF2B5EF4-FFF2-40B4-BE49-F238E27FC236}">
+                <a16:creationId xmlns:a16="http://schemas.microsoft.com/office/drawing/2014/main" id="{D0C17F0D-9262-49AB-B880-6485E624E86A}"/>
               </a:ext>
             </a:extLst>
           </p:cNvPr>
@@ -4570,8 +5143,8 @@
         </p:blipFill>
         <p:spPr>
           <a:xfrm>
-            <a:off x="5816326" y="2106508"/>
-            <a:ext cx="5606277" cy="2242511"/>
+            <a:off x="3207377" y="2973678"/>
+            <a:ext cx="3313908" cy="1325563"/>
           </a:xfrm>
           <a:prstGeom prst="rect">
             <a:avLst/>
@@ -4580,10 +5153,10 @@
       </p:pic>
       <p:pic>
         <p:nvPicPr>
-          <p:cNvPr id="18" name="Picture 17">
-            <a:extLst>
-              <a:ext uri="{FF2B5EF4-FFF2-40B4-BE49-F238E27FC236}">
-                <a16:creationId xmlns:a16="http://schemas.microsoft.com/office/drawing/2014/main" id="{979839AE-0D6D-4C34-A9EE-34BBE612EB11}"/>
+          <p:cNvPr id="9" name="Picture 8">
+            <a:extLst>
+              <a:ext uri="{FF2B5EF4-FFF2-40B4-BE49-F238E27FC236}">
+                <a16:creationId xmlns:a16="http://schemas.microsoft.com/office/drawing/2014/main" id="{B83EAE4D-44A3-4543-99D3-7D89240DA7F3}"/>
               </a:ext>
             </a:extLst>
           </p:cNvPr>
@@ -4606,8 +5179,8 @@
         </p:blipFill>
         <p:spPr>
           <a:xfrm>
-            <a:off x="627352" y="4349017"/>
-            <a:ext cx="5606278" cy="2242511"/>
+            <a:off x="408373" y="4084795"/>
+            <a:ext cx="3313903" cy="1325562"/>
           </a:xfrm>
           <a:prstGeom prst="rect">
             <a:avLst/>
@@ -4616,10 +5189,10 @@
       </p:pic>
       <p:pic>
         <p:nvPicPr>
-          <p:cNvPr id="20" name="Picture 19">
-            <a:extLst>
-              <a:ext uri="{FF2B5EF4-FFF2-40B4-BE49-F238E27FC236}">
-                <a16:creationId xmlns:a16="http://schemas.microsoft.com/office/drawing/2014/main" id="{06191B75-0B01-4960-8DCC-03AD7E97A277}"/>
+          <p:cNvPr id="11" name="Picture 10">
+            <a:extLst>
+              <a:ext uri="{FF2B5EF4-FFF2-40B4-BE49-F238E27FC236}">
+                <a16:creationId xmlns:a16="http://schemas.microsoft.com/office/drawing/2014/main" id="{27C12D69-714B-42C5-AEDD-E5C200E44600}"/>
               </a:ext>
             </a:extLst>
           </p:cNvPr>
@@ -4642,80 +5215,596 @@
         </p:blipFill>
         <p:spPr>
           <a:xfrm>
-            <a:off x="5816324" y="4349017"/>
-            <a:ext cx="5606279" cy="2242512"/>
+            <a:off x="3207377" y="4082431"/>
+            <a:ext cx="3313908" cy="1325563"/>
           </a:xfrm>
           <a:prstGeom prst="rect">
             <a:avLst/>
           </a:prstGeom>
         </p:spPr>
       </p:pic>
-      <p:sp>
-        <p:nvSpPr>
-          <p:cNvPr id="7" name="Title 1">
-            <a:extLst>
-              <a:ext uri="{FF2B5EF4-FFF2-40B4-BE49-F238E27FC236}">
-                <a16:creationId xmlns:a16="http://schemas.microsoft.com/office/drawing/2014/main" id="{CCCB17A2-9948-44C5-B1F2-742CF9CC2EC7}"/>
-              </a:ext>
-            </a:extLst>
-          </p:cNvPr>
-          <p:cNvSpPr txBox="1">
-            <a:spLocks/>
-          </p:cNvSpPr>
+      <p:pic>
+        <p:nvPicPr>
+          <p:cNvPr id="13" name="Picture 12">
+            <a:extLst>
+              <a:ext uri="{FF2B5EF4-FFF2-40B4-BE49-F238E27FC236}">
+                <a16:creationId xmlns:a16="http://schemas.microsoft.com/office/drawing/2014/main" id="{060CD8A3-F064-4612-A896-022C2AA3948F}"/>
+              </a:ext>
+            </a:extLst>
+          </p:cNvPr>
+          <p:cNvPicPr>
+            <a:picLocks noChangeAspect="1"/>
+          </p:cNvPicPr>
           <p:nvPr/>
-        </p:nvSpPr>
-        <p:spPr>
-          <a:xfrm>
-            <a:off x="2939988" y="1120953"/>
-            <a:ext cx="8416030" cy="1325563"/>
+        </p:nvPicPr>
+        <p:blipFill rotWithShape="1">
+          <a:blip r:embed="rId6">
+            <a:extLst>
+              <a:ext uri="{28A0092B-C50C-407E-A947-70E740481C1C}">
+                <a14:useLocalDpi xmlns:a14="http://schemas.microsoft.com/office/drawing/2010/main" val="0"/>
+              </a:ext>
+            </a:extLst>
+          </a:blip>
+          <a:srcRect l="49033" t="50044"/>
+          <a:stretch/>
+        </p:blipFill>
+        <p:spPr>
+          <a:xfrm>
+            <a:off x="7199789" y="1147652"/>
+            <a:ext cx="2988527" cy="2433317"/>
           </a:xfrm>
           <a:prstGeom prst="rect">
             <a:avLst/>
           </a:prstGeom>
         </p:spPr>
+      </p:pic>
+      <p:pic>
+        <p:nvPicPr>
+          <p:cNvPr id="15" name="Picture 14">
+            <a:extLst>
+              <a:ext uri="{FF2B5EF4-FFF2-40B4-BE49-F238E27FC236}">
+                <a16:creationId xmlns:a16="http://schemas.microsoft.com/office/drawing/2014/main" id="{78DB1739-CEE0-4422-B9CB-6A6EE14A8ACB}"/>
+              </a:ext>
+            </a:extLst>
+          </p:cNvPr>
+          <p:cNvPicPr>
+            <a:picLocks noChangeAspect="1"/>
+          </p:cNvPicPr>
+          <p:nvPr/>
+        </p:nvPicPr>
+        <p:blipFill rotWithShape="1">
+          <a:blip r:embed="rId7">
+            <a:extLst>
+              <a:ext uri="{28A0092B-C50C-407E-A947-70E740481C1C}">
+                <a14:useLocalDpi xmlns:a14="http://schemas.microsoft.com/office/drawing/2010/main" val="0"/>
+              </a:ext>
+            </a:extLst>
+          </a:blip>
+          <a:srcRect l="50000" t="50000"/>
+          <a:stretch/>
+        </p:blipFill>
+        <p:spPr>
+          <a:xfrm>
+            <a:off x="7383288" y="3791774"/>
+            <a:ext cx="2988527" cy="2457894"/>
+          </a:xfrm>
+          <a:prstGeom prst="rect">
+            <a:avLst/>
+          </a:prstGeom>
+        </p:spPr>
+      </p:pic>
+      <p:sp>
+        <p:nvSpPr>
+          <p:cNvPr id="10" name="Content Placeholder 2">
+            <a:extLst>
+              <a:ext uri="{FF2B5EF4-FFF2-40B4-BE49-F238E27FC236}">
+                <a16:creationId xmlns:a16="http://schemas.microsoft.com/office/drawing/2014/main" id="{57BC6703-7770-4C4F-8099-464FEB17CCCF}"/>
+              </a:ext>
+            </a:extLst>
+          </p:cNvPr>
+          <p:cNvSpPr txBox="1">
+            <a:spLocks/>
+          </p:cNvSpPr>
+          <p:nvPr/>
+        </p:nvSpPr>
+        <p:spPr>
+          <a:xfrm>
+            <a:off x="5236242" y="6135610"/>
+            <a:ext cx="1848138" cy="472074"/>
+          </a:xfrm>
+          <a:prstGeom prst="rect">
+            <a:avLst/>
+          </a:prstGeom>
+          <a:solidFill>
+            <a:schemeClr val="bg2"/>
+          </a:solidFill>
+          <a:ln w="19050">
+            <a:solidFill>
+              <a:schemeClr val="tx1"/>
+            </a:solidFill>
+          </a:ln>
+        </p:spPr>
         <p:txBody>
           <a:bodyPr vert="horz" lIns="91440" tIns="45720" rIns="91440" bIns="45720" rtlCol="0" anchor="ctr">
-            <a:normAutofit/>
+            <a:normAutofit lnSpcReduction="10000"/>
           </a:bodyPr>
           <a:lstStyle>
-            <a:lvl1pPr algn="l" defTabSz="914400" rtl="0" eaLnBrk="1" latinLnBrk="0" hangingPunct="1">
+            <a:lvl1pPr marL="228600" indent="-228600" algn="l" defTabSz="914400" rtl="0" eaLnBrk="1" latinLnBrk="0" hangingPunct="1">
               <a:lnSpc>
                 <a:spcPct val="90000"/>
               </a:lnSpc>
               <a:spcBef>
-                <a:spcPct val="0"/>
+                <a:spcPts val="1000"/>
               </a:spcBef>
-              <a:buNone/>
-              <a:defRPr sz="4400" kern="1200">
+              <a:buFont typeface="Arial" panose="020B0604020202020204" pitchFamily="34" charset="0"/>
+              <a:buChar char="•"/>
+              <a:defRPr sz="2800" kern="1200">
                 <a:solidFill>
                   <a:schemeClr val="tx1"/>
                 </a:solidFill>
-                <a:latin typeface="+mj-lt"/>
-                <a:ea typeface="+mj-ea"/>
-                <a:cs typeface="+mj-cs"/>
+                <a:latin typeface="+mn-lt"/>
+                <a:ea typeface="+mn-ea"/>
+                <a:cs typeface="+mn-cs"/>
               </a:defRPr>
             </a:lvl1pPr>
+            <a:lvl2pPr marL="685800" indent="-228600" algn="l" defTabSz="914400" rtl="0" eaLnBrk="1" latinLnBrk="0" hangingPunct="1">
+              <a:lnSpc>
+                <a:spcPct val="90000"/>
+              </a:lnSpc>
+              <a:spcBef>
+                <a:spcPts val="500"/>
+              </a:spcBef>
+              <a:buFont typeface="Arial" panose="020B0604020202020204" pitchFamily="34" charset="0"/>
+              <a:buChar char="•"/>
+              <a:defRPr sz="2400" kern="1200">
+                <a:solidFill>
+                  <a:schemeClr val="tx1"/>
+                </a:solidFill>
+                <a:latin typeface="+mn-lt"/>
+                <a:ea typeface="+mn-ea"/>
+                <a:cs typeface="+mn-cs"/>
+              </a:defRPr>
+            </a:lvl2pPr>
+            <a:lvl3pPr marL="1143000" indent="-228600" algn="l" defTabSz="914400" rtl="0" eaLnBrk="1" latinLnBrk="0" hangingPunct="1">
+              <a:lnSpc>
+                <a:spcPct val="90000"/>
+              </a:lnSpc>
+              <a:spcBef>
+                <a:spcPts val="500"/>
+              </a:spcBef>
+              <a:buFont typeface="Arial" panose="020B0604020202020204" pitchFamily="34" charset="0"/>
+              <a:buChar char="•"/>
+              <a:defRPr sz="2000" kern="1200">
+                <a:solidFill>
+                  <a:schemeClr val="tx1"/>
+                </a:solidFill>
+                <a:latin typeface="+mn-lt"/>
+                <a:ea typeface="+mn-ea"/>
+                <a:cs typeface="+mn-cs"/>
+              </a:defRPr>
+            </a:lvl3pPr>
+            <a:lvl4pPr marL="1600200" indent="-228600" algn="l" defTabSz="914400" rtl="0" eaLnBrk="1" latinLnBrk="0" hangingPunct="1">
+              <a:lnSpc>
+                <a:spcPct val="90000"/>
+              </a:lnSpc>
+              <a:spcBef>
+                <a:spcPts val="500"/>
+              </a:spcBef>
+              <a:buFont typeface="Arial" panose="020B0604020202020204" pitchFamily="34" charset="0"/>
+              <a:buChar char="•"/>
+              <a:defRPr sz="1800" kern="1200">
+                <a:solidFill>
+                  <a:schemeClr val="tx1"/>
+                </a:solidFill>
+                <a:latin typeface="+mn-lt"/>
+                <a:ea typeface="+mn-ea"/>
+                <a:cs typeface="+mn-cs"/>
+              </a:defRPr>
+            </a:lvl4pPr>
+            <a:lvl5pPr marL="2057400" indent="-228600" algn="l" defTabSz="914400" rtl="0" eaLnBrk="1" latinLnBrk="0" hangingPunct="1">
+              <a:lnSpc>
+                <a:spcPct val="90000"/>
+              </a:lnSpc>
+              <a:spcBef>
+                <a:spcPts val="500"/>
+              </a:spcBef>
+              <a:buFont typeface="Arial" panose="020B0604020202020204" pitchFamily="34" charset="0"/>
+              <a:buChar char="•"/>
+              <a:defRPr sz="1800" kern="1200">
+                <a:solidFill>
+                  <a:schemeClr val="tx1"/>
+                </a:solidFill>
+                <a:latin typeface="+mn-lt"/>
+                <a:ea typeface="+mn-ea"/>
+                <a:cs typeface="+mn-cs"/>
+              </a:defRPr>
+            </a:lvl5pPr>
+            <a:lvl6pPr marL="2514600" indent="-228600" algn="l" defTabSz="914400" rtl="0" eaLnBrk="1" latinLnBrk="0" hangingPunct="1">
+              <a:lnSpc>
+                <a:spcPct val="90000"/>
+              </a:lnSpc>
+              <a:spcBef>
+                <a:spcPts val="500"/>
+              </a:spcBef>
+              <a:buFont typeface="Arial" panose="020B0604020202020204" pitchFamily="34" charset="0"/>
+              <a:buChar char="•"/>
+              <a:defRPr sz="1800" kern="1200">
+                <a:solidFill>
+                  <a:schemeClr val="tx1"/>
+                </a:solidFill>
+                <a:latin typeface="+mn-lt"/>
+                <a:ea typeface="+mn-ea"/>
+                <a:cs typeface="+mn-cs"/>
+              </a:defRPr>
+            </a:lvl6pPr>
+            <a:lvl7pPr marL="2971800" indent="-228600" algn="l" defTabSz="914400" rtl="0" eaLnBrk="1" latinLnBrk="0" hangingPunct="1">
+              <a:lnSpc>
+                <a:spcPct val="90000"/>
+              </a:lnSpc>
+              <a:spcBef>
+                <a:spcPts val="500"/>
+              </a:spcBef>
+              <a:buFont typeface="Arial" panose="020B0604020202020204" pitchFamily="34" charset="0"/>
+              <a:buChar char="•"/>
+              <a:defRPr sz="1800" kern="1200">
+                <a:solidFill>
+                  <a:schemeClr val="tx1"/>
+                </a:solidFill>
+                <a:latin typeface="+mn-lt"/>
+                <a:ea typeface="+mn-ea"/>
+                <a:cs typeface="+mn-cs"/>
+              </a:defRPr>
+            </a:lvl7pPr>
+            <a:lvl8pPr marL="3429000" indent="-228600" algn="l" defTabSz="914400" rtl="0" eaLnBrk="1" latinLnBrk="0" hangingPunct="1">
+              <a:lnSpc>
+                <a:spcPct val="90000"/>
+              </a:lnSpc>
+              <a:spcBef>
+                <a:spcPts val="500"/>
+              </a:spcBef>
+              <a:buFont typeface="Arial" panose="020B0604020202020204" pitchFamily="34" charset="0"/>
+              <a:buChar char="•"/>
+              <a:defRPr sz="1800" kern="1200">
+                <a:solidFill>
+                  <a:schemeClr val="tx1"/>
+                </a:solidFill>
+                <a:latin typeface="+mn-lt"/>
+                <a:ea typeface="+mn-ea"/>
+                <a:cs typeface="+mn-cs"/>
+              </a:defRPr>
+            </a:lvl8pPr>
+            <a:lvl9pPr marL="3886200" indent="-228600" algn="l" defTabSz="914400" rtl="0" eaLnBrk="1" latinLnBrk="0" hangingPunct="1">
+              <a:lnSpc>
+                <a:spcPct val="90000"/>
+              </a:lnSpc>
+              <a:spcBef>
+                <a:spcPts val="500"/>
+              </a:spcBef>
+              <a:buFont typeface="Arial" panose="020B0604020202020204" pitchFamily="34" charset="0"/>
+              <a:buChar char="•"/>
+              <a:defRPr sz="1800" kern="1200">
+                <a:solidFill>
+                  <a:schemeClr val="tx1"/>
+                </a:solidFill>
+                <a:latin typeface="+mn-lt"/>
+                <a:ea typeface="+mn-ea"/>
+                <a:cs typeface="+mn-cs"/>
+              </a:defRPr>
+            </a:lvl9pPr>
           </a:lstStyle>
           <a:p>
-            <a:r>
-              <a:rPr lang="en-US" sz="2800" u="sng" dirty="0"/>
-              <a:t>Type 1:</a:t>
-            </a:r>
-            <a:r>
-              <a:rPr lang="en-US" sz="2800" dirty="0"/>
-              <a:t>				       </a:t>
-            </a:r>
-            <a:r>
-              <a:rPr lang="en-US" sz="2800" u="sng" dirty="0"/>
-              <a:t>Type 2:</a:t>
-            </a:r>
-          </a:p>
-        </p:txBody>
-      </p:sp>
+            <a:pPr marL="0" indent="0" algn="ctr">
+              <a:buFont typeface="Arial" panose="020B0604020202020204" pitchFamily="34" charset="0"/>
+              <a:buNone/>
+            </a:pPr>
+            <a:r>
+              <a:rPr lang="en-US" dirty="0"/>
+              <a:t>Symmetric</a:t>
+            </a:r>
+          </a:p>
+        </p:txBody>
+      </p:sp>
+      <p:cxnSp>
+        <p:nvCxnSpPr>
+          <p:cNvPr id="6" name="Straight Arrow Connector 5">
+            <a:extLst>
+              <a:ext uri="{FF2B5EF4-FFF2-40B4-BE49-F238E27FC236}">
+                <a16:creationId xmlns:a16="http://schemas.microsoft.com/office/drawing/2014/main" id="{56F50504-E167-48D9-A981-633507D3557A}"/>
+              </a:ext>
+            </a:extLst>
+          </p:cNvPr>
+          <p:cNvCxnSpPr/>
+          <p:nvPr/>
+        </p:nvCxnSpPr>
+        <p:spPr>
+          <a:xfrm flipV="1">
+            <a:off x="7111014" y="5672831"/>
+            <a:ext cx="577048" cy="417251"/>
+          </a:xfrm>
+          <a:prstGeom prst="straightConnector1">
+            <a:avLst/>
+          </a:prstGeom>
+          <a:ln w="19050">
+            <a:solidFill>
+              <a:schemeClr val="tx1"/>
+            </a:solidFill>
+            <a:tailEnd type="triangle"/>
+          </a:ln>
+        </p:spPr>
+        <p:style>
+          <a:lnRef idx="1">
+            <a:schemeClr val="accent1"/>
+          </a:lnRef>
+          <a:fillRef idx="0">
+            <a:schemeClr val="accent1"/>
+          </a:fillRef>
+          <a:effectRef idx="0">
+            <a:schemeClr val="accent1"/>
+          </a:effectRef>
+          <a:fontRef idx="minor">
+            <a:schemeClr val="tx1"/>
+          </a:fontRef>
+        </p:style>
+      </p:cxnSp>
+      <p:sp>
+        <p:nvSpPr>
+          <p:cNvPr id="14" name="Content Placeholder 2">
+            <a:extLst>
+              <a:ext uri="{FF2B5EF4-FFF2-40B4-BE49-F238E27FC236}">
+                <a16:creationId xmlns:a16="http://schemas.microsoft.com/office/drawing/2014/main" id="{CE18A593-FE6B-4DD9-A809-5FFE17BA8FBB}"/>
+              </a:ext>
+            </a:extLst>
+          </p:cNvPr>
+          <p:cNvSpPr txBox="1">
+            <a:spLocks/>
+          </p:cNvSpPr>
+          <p:nvPr/>
+        </p:nvSpPr>
+        <p:spPr>
+          <a:xfrm>
+            <a:off x="5012399" y="1690688"/>
+            <a:ext cx="1848138" cy="472074"/>
+          </a:xfrm>
+          <a:prstGeom prst="rect">
+            <a:avLst/>
+          </a:prstGeom>
+          <a:solidFill>
+            <a:schemeClr val="bg2"/>
+          </a:solidFill>
+          <a:ln w="19050">
+            <a:solidFill>
+              <a:schemeClr val="tx1"/>
+            </a:solidFill>
+          </a:ln>
+        </p:spPr>
+        <p:txBody>
+          <a:bodyPr vert="horz" lIns="91440" tIns="45720" rIns="91440" bIns="45720" rtlCol="0" anchor="ctr">
+            <a:normAutofit fontScale="92500"/>
+          </a:bodyPr>
+          <a:lstStyle>
+            <a:lvl1pPr marL="228600" indent="-228600" algn="l" defTabSz="914400" rtl="0" eaLnBrk="1" latinLnBrk="0" hangingPunct="1">
+              <a:lnSpc>
+                <a:spcPct val="90000"/>
+              </a:lnSpc>
+              <a:spcBef>
+                <a:spcPts val="1000"/>
+              </a:spcBef>
+              <a:buFont typeface="Arial" panose="020B0604020202020204" pitchFamily="34" charset="0"/>
+              <a:buChar char="•"/>
+              <a:defRPr sz="2800" kern="1200">
+                <a:solidFill>
+                  <a:schemeClr val="tx1"/>
+                </a:solidFill>
+                <a:latin typeface="+mn-lt"/>
+                <a:ea typeface="+mn-ea"/>
+                <a:cs typeface="+mn-cs"/>
+              </a:defRPr>
+            </a:lvl1pPr>
+            <a:lvl2pPr marL="685800" indent="-228600" algn="l" defTabSz="914400" rtl="0" eaLnBrk="1" latinLnBrk="0" hangingPunct="1">
+              <a:lnSpc>
+                <a:spcPct val="90000"/>
+              </a:lnSpc>
+              <a:spcBef>
+                <a:spcPts val="500"/>
+              </a:spcBef>
+              <a:buFont typeface="Arial" panose="020B0604020202020204" pitchFamily="34" charset="0"/>
+              <a:buChar char="•"/>
+              <a:defRPr sz="2400" kern="1200">
+                <a:solidFill>
+                  <a:schemeClr val="tx1"/>
+                </a:solidFill>
+                <a:latin typeface="+mn-lt"/>
+                <a:ea typeface="+mn-ea"/>
+                <a:cs typeface="+mn-cs"/>
+              </a:defRPr>
+            </a:lvl2pPr>
+            <a:lvl3pPr marL="1143000" indent="-228600" algn="l" defTabSz="914400" rtl="0" eaLnBrk="1" latinLnBrk="0" hangingPunct="1">
+              <a:lnSpc>
+                <a:spcPct val="90000"/>
+              </a:lnSpc>
+              <a:spcBef>
+                <a:spcPts val="500"/>
+              </a:spcBef>
+              <a:buFont typeface="Arial" panose="020B0604020202020204" pitchFamily="34" charset="0"/>
+              <a:buChar char="•"/>
+              <a:defRPr sz="2000" kern="1200">
+                <a:solidFill>
+                  <a:schemeClr val="tx1"/>
+                </a:solidFill>
+                <a:latin typeface="+mn-lt"/>
+                <a:ea typeface="+mn-ea"/>
+                <a:cs typeface="+mn-cs"/>
+              </a:defRPr>
+            </a:lvl3pPr>
+            <a:lvl4pPr marL="1600200" indent="-228600" algn="l" defTabSz="914400" rtl="0" eaLnBrk="1" latinLnBrk="0" hangingPunct="1">
+              <a:lnSpc>
+                <a:spcPct val="90000"/>
+              </a:lnSpc>
+              <a:spcBef>
+                <a:spcPts val="500"/>
+              </a:spcBef>
+              <a:buFont typeface="Arial" panose="020B0604020202020204" pitchFamily="34" charset="0"/>
+              <a:buChar char="•"/>
+              <a:defRPr sz="1800" kern="1200">
+                <a:solidFill>
+                  <a:schemeClr val="tx1"/>
+                </a:solidFill>
+                <a:latin typeface="+mn-lt"/>
+                <a:ea typeface="+mn-ea"/>
+                <a:cs typeface="+mn-cs"/>
+              </a:defRPr>
+            </a:lvl4pPr>
+            <a:lvl5pPr marL="2057400" indent="-228600" algn="l" defTabSz="914400" rtl="0" eaLnBrk="1" latinLnBrk="0" hangingPunct="1">
+              <a:lnSpc>
+                <a:spcPct val="90000"/>
+              </a:lnSpc>
+              <a:spcBef>
+                <a:spcPts val="500"/>
+              </a:spcBef>
+              <a:buFont typeface="Arial" panose="020B0604020202020204" pitchFamily="34" charset="0"/>
+              <a:buChar char="•"/>
+              <a:defRPr sz="1800" kern="1200">
+                <a:solidFill>
+                  <a:schemeClr val="tx1"/>
+                </a:solidFill>
+                <a:latin typeface="+mn-lt"/>
+                <a:ea typeface="+mn-ea"/>
+                <a:cs typeface="+mn-cs"/>
+              </a:defRPr>
+            </a:lvl5pPr>
+            <a:lvl6pPr marL="2514600" indent="-228600" algn="l" defTabSz="914400" rtl="0" eaLnBrk="1" latinLnBrk="0" hangingPunct="1">
+              <a:lnSpc>
+                <a:spcPct val="90000"/>
+              </a:lnSpc>
+              <a:spcBef>
+                <a:spcPts val="500"/>
+              </a:spcBef>
+              <a:buFont typeface="Arial" panose="020B0604020202020204" pitchFamily="34" charset="0"/>
+              <a:buChar char="•"/>
+              <a:defRPr sz="1800" kern="1200">
+                <a:solidFill>
+                  <a:schemeClr val="tx1"/>
+                </a:solidFill>
+                <a:latin typeface="+mn-lt"/>
+                <a:ea typeface="+mn-ea"/>
+                <a:cs typeface="+mn-cs"/>
+              </a:defRPr>
+            </a:lvl6pPr>
+            <a:lvl7pPr marL="2971800" indent="-228600" algn="l" defTabSz="914400" rtl="0" eaLnBrk="1" latinLnBrk="0" hangingPunct="1">
+              <a:lnSpc>
+                <a:spcPct val="90000"/>
+              </a:lnSpc>
+              <a:spcBef>
+                <a:spcPts val="500"/>
+              </a:spcBef>
+              <a:buFont typeface="Arial" panose="020B0604020202020204" pitchFamily="34" charset="0"/>
+              <a:buChar char="•"/>
+              <a:defRPr sz="1800" kern="1200">
+                <a:solidFill>
+                  <a:schemeClr val="tx1"/>
+                </a:solidFill>
+                <a:latin typeface="+mn-lt"/>
+                <a:ea typeface="+mn-ea"/>
+                <a:cs typeface="+mn-cs"/>
+              </a:defRPr>
+            </a:lvl7pPr>
+            <a:lvl8pPr marL="3429000" indent="-228600" algn="l" defTabSz="914400" rtl="0" eaLnBrk="1" latinLnBrk="0" hangingPunct="1">
+              <a:lnSpc>
+                <a:spcPct val="90000"/>
+              </a:lnSpc>
+              <a:spcBef>
+                <a:spcPts val="500"/>
+              </a:spcBef>
+              <a:buFont typeface="Arial" panose="020B0604020202020204" pitchFamily="34" charset="0"/>
+              <a:buChar char="•"/>
+              <a:defRPr sz="1800" kern="1200">
+                <a:solidFill>
+                  <a:schemeClr val="tx1"/>
+                </a:solidFill>
+                <a:latin typeface="+mn-lt"/>
+                <a:ea typeface="+mn-ea"/>
+                <a:cs typeface="+mn-cs"/>
+              </a:defRPr>
+            </a:lvl8pPr>
+            <a:lvl9pPr marL="3886200" indent="-228600" algn="l" defTabSz="914400" rtl="0" eaLnBrk="1" latinLnBrk="0" hangingPunct="1">
+              <a:lnSpc>
+                <a:spcPct val="90000"/>
+              </a:lnSpc>
+              <a:spcBef>
+                <a:spcPts val="500"/>
+              </a:spcBef>
+              <a:buFont typeface="Arial" panose="020B0604020202020204" pitchFamily="34" charset="0"/>
+              <a:buChar char="•"/>
+              <a:defRPr sz="1800" kern="1200">
+                <a:solidFill>
+                  <a:schemeClr val="tx1"/>
+                </a:solidFill>
+                <a:latin typeface="+mn-lt"/>
+                <a:ea typeface="+mn-ea"/>
+                <a:cs typeface="+mn-cs"/>
+              </a:defRPr>
+            </a:lvl9pPr>
+          </a:lstStyle>
+          <a:p>
+            <a:pPr marL="0" indent="0" algn="ctr">
+              <a:buFont typeface="Arial" panose="020B0604020202020204" pitchFamily="34" charset="0"/>
+              <a:buNone/>
+            </a:pPr>
+            <a:r>
+              <a:rPr lang="en-US" dirty="0"/>
+              <a:t>Asymmetric</a:t>
+            </a:r>
+          </a:p>
+        </p:txBody>
+      </p:sp>
+      <p:cxnSp>
+        <p:nvCxnSpPr>
+          <p:cNvPr id="16" name="Straight Arrow Connector 15">
+            <a:extLst>
+              <a:ext uri="{FF2B5EF4-FFF2-40B4-BE49-F238E27FC236}">
+                <a16:creationId xmlns:a16="http://schemas.microsoft.com/office/drawing/2014/main" id="{9DC99640-60D3-4175-B1E7-830643C2B64B}"/>
+              </a:ext>
+            </a:extLst>
+          </p:cNvPr>
+          <p:cNvCxnSpPr>
+            <a:cxnSpLocks/>
+          </p:cNvCxnSpPr>
+          <p:nvPr/>
+        </p:nvCxnSpPr>
+        <p:spPr>
+          <a:xfrm>
+            <a:off x="6961993" y="1926726"/>
+            <a:ext cx="655048" cy="115138"/>
+          </a:xfrm>
+          <a:prstGeom prst="straightConnector1">
+            <a:avLst/>
+          </a:prstGeom>
+          <a:ln w="19050">
+            <a:solidFill>
+              <a:schemeClr val="tx1"/>
+            </a:solidFill>
+            <a:tailEnd type="triangle"/>
+          </a:ln>
+        </p:spPr>
+        <p:style>
+          <a:lnRef idx="1">
+            <a:schemeClr val="accent1"/>
+          </a:lnRef>
+          <a:fillRef idx="0">
+            <a:schemeClr val="accent1"/>
+          </a:fillRef>
+          <a:effectRef idx="0">
+            <a:schemeClr val="accent1"/>
+          </a:effectRef>
+          <a:fontRef idx="minor">
+            <a:schemeClr val="tx1"/>
+          </a:fontRef>
+        </p:style>
+      </p:cxnSp>
     </p:spTree>
     <p:extLst>
       <p:ext uri="{BB962C8B-B14F-4D97-AF65-F5344CB8AC3E}">
-        <p14:creationId xmlns:p14="http://schemas.microsoft.com/office/powerpoint/2010/main" val="4017298481"/>
+        <p14:creationId xmlns:p14="http://schemas.microsoft.com/office/powerpoint/2010/main" val="368950867"/>
       </p:ext>
     </p:extLst>
   </p:cSld>
@@ -4744,48 +5833,53 @@
       </p:grpSpPr>
       <p:sp>
         <p:nvSpPr>
-          <p:cNvPr id="4" name="Title 1">
-            <a:extLst>
-              <a:ext uri="{FF2B5EF4-FFF2-40B4-BE49-F238E27FC236}">
-                <a16:creationId xmlns:a16="http://schemas.microsoft.com/office/drawing/2014/main" id="{FF4190FA-77FC-4020-BD29-708F23FA71DB}"/>
-              </a:ext>
-            </a:extLst>
-          </p:cNvPr>
-          <p:cNvSpPr>
-            <a:spLocks noGrp="1"/>
-          </p:cNvSpPr>
-          <p:nvPr>
-            <p:ph type="title"/>
-          </p:nvPr>
-        </p:nvSpPr>
-        <p:spPr>
-          <a:xfrm>
-            <a:off x="275208" y="0"/>
-            <a:ext cx="9028589" cy="1325563"/>
-          </a:xfrm>
-        </p:spPr>
-        <p:txBody>
-          <a:bodyPr/>
+          <p:cNvPr id="3" name="Content Placeholder 2">
+            <a:extLst>
+              <a:ext uri="{FF2B5EF4-FFF2-40B4-BE49-F238E27FC236}">
+                <a16:creationId xmlns:a16="http://schemas.microsoft.com/office/drawing/2014/main" id="{89F8E7D2-F550-4614-B76A-442576C25175}"/>
+              </a:ext>
+            </a:extLst>
+          </p:cNvPr>
+          <p:cNvSpPr>
+            <a:spLocks noGrp="1"/>
+          </p:cNvSpPr>
+          <p:nvPr>
+            <p:ph idx="1"/>
+          </p:nvPr>
+        </p:nvSpPr>
+        <p:spPr>
+          <a:xfrm>
+            <a:off x="820445" y="982246"/>
+            <a:ext cx="7835283" cy="917575"/>
+          </a:xfrm>
+        </p:spPr>
+        <p:txBody>
+          <a:bodyPr>
+            <a:normAutofit fontScale="85000" lnSpcReduction="10000"/>
+          </a:bodyPr>
           <a:lstStyle/>
           <a:p>
+            <a:pPr marL="0" indent="0">
+              <a:buNone/>
+            </a:pPr>
             <a:r>
               <a:rPr lang="en-US" dirty="0"/>
-              <a:t>MB &amp; BG Isotropy Difference vs MLT</a:t>
+              <a:t>2) Why are there quick spikes in Type 1 storms and wide bands (reminiscent of precipitation bands) in Type 2 storms? </a:t>
             </a:r>
           </a:p>
         </p:txBody>
       </p:sp>
       <p:pic>
         <p:nvPicPr>
-          <p:cNvPr id="10" name="Picture 9">
-            <a:extLst>
-              <a:ext uri="{FF2B5EF4-FFF2-40B4-BE49-F238E27FC236}">
-                <a16:creationId xmlns:a16="http://schemas.microsoft.com/office/drawing/2014/main" id="{F19BDF36-34CA-40D1-85D9-E367BB84D3DC}"/>
+          <p:cNvPr id="1026" name="Picture 2">
+            <a:extLst>
+              <a:ext uri="{FF2B5EF4-FFF2-40B4-BE49-F238E27FC236}">
+                <a16:creationId xmlns:a16="http://schemas.microsoft.com/office/drawing/2014/main" id="{603FB0C5-0D0B-455C-BA07-E54E9AF7FB12}"/>
               </a:ext>
             </a:extLst>
           </p:cNvPr>
           <p:cNvPicPr>
-            <a:picLocks noChangeAspect="1"/>
+            <a:picLocks noChangeAspect="1" noChangeArrowheads="1"/>
           </p:cNvPicPr>
           <p:nvPr/>
         </p:nvPicPr>
@@ -4797,31 +5891,42 @@
               </a:ext>
             </a:extLst>
           </a:blip>
+          <a:srcRect/>
           <a:stretch>
             <a:fillRect/>
           </a:stretch>
         </p:blipFill>
-        <p:spPr>
-          <a:xfrm>
-            <a:off x="627352" y="2106508"/>
-            <a:ext cx="5606277" cy="2242511"/>
+        <p:spPr bwMode="auto">
+          <a:xfrm>
+            <a:off x="2782034" y="3091649"/>
+            <a:ext cx="4612482" cy="3429000"/>
           </a:xfrm>
           <a:prstGeom prst="rect">
             <a:avLst/>
           </a:prstGeom>
+          <a:noFill/>
+          <a:extLst>
+            <a:ext uri="{909E8E84-426E-40DD-AFC4-6F175D3DCCD1}">
+              <a14:hiddenFill xmlns:a14="http://schemas.microsoft.com/office/drawing/2010/main">
+                <a:solidFill>
+                  <a:srgbClr val="FFFFFF"/>
+                </a:solidFill>
+              </a14:hiddenFill>
+            </a:ext>
+          </a:extLst>
         </p:spPr>
       </p:pic>
       <p:pic>
         <p:nvPicPr>
-          <p:cNvPr id="12" name="Picture 11">
-            <a:extLst>
-              <a:ext uri="{FF2B5EF4-FFF2-40B4-BE49-F238E27FC236}">
-                <a16:creationId xmlns:a16="http://schemas.microsoft.com/office/drawing/2014/main" id="{3843BE2F-866B-4876-83EB-09951CC8D4F4}"/>
+          <p:cNvPr id="1028" name="Picture 4">
+            <a:extLst>
+              <a:ext uri="{FF2B5EF4-FFF2-40B4-BE49-F238E27FC236}">
+                <a16:creationId xmlns:a16="http://schemas.microsoft.com/office/drawing/2014/main" id="{17EC71E8-C7C7-477F-9137-3EFC849F7C0C}"/>
               </a:ext>
             </a:extLst>
           </p:cNvPr>
           <p:cNvPicPr>
-            <a:picLocks noChangeAspect="1"/>
+            <a:picLocks noChangeAspect="1" noChangeArrowheads="1"/>
           </p:cNvPicPr>
           <p:nvPr/>
         </p:nvPicPr>
@@ -4833,150 +5938,230 @@
               </a:ext>
             </a:extLst>
           </a:blip>
+          <a:srcRect/>
           <a:stretch>
             <a:fillRect/>
           </a:stretch>
         </p:blipFill>
-        <p:spPr>
-          <a:xfrm>
-            <a:off x="5816326" y="2106508"/>
-            <a:ext cx="5606277" cy="2242511"/>
+        <p:spPr bwMode="auto">
+          <a:xfrm>
+            <a:off x="7579518" y="3091649"/>
+            <a:ext cx="4612482" cy="3429000"/>
           </a:xfrm>
           <a:prstGeom prst="rect">
             <a:avLst/>
           </a:prstGeom>
+          <a:noFill/>
+          <a:extLst>
+            <a:ext uri="{909E8E84-426E-40DD-AFC4-6F175D3DCCD1}">
+              <a14:hiddenFill xmlns:a14="http://schemas.microsoft.com/office/drawing/2010/main">
+                <a:solidFill>
+                  <a:srgbClr val="FFFFFF"/>
+                </a:solidFill>
+              </a14:hiddenFill>
+            </a:ext>
+          </a:extLst>
         </p:spPr>
       </p:pic>
-      <p:pic>
-        <p:nvPicPr>
-          <p:cNvPr id="14" name="Picture 13">
-            <a:extLst>
-              <a:ext uri="{FF2B5EF4-FFF2-40B4-BE49-F238E27FC236}">
-                <a16:creationId xmlns:a16="http://schemas.microsoft.com/office/drawing/2014/main" id="{1FA5AA35-5A6B-46DF-A9C5-11463F9BF85F}"/>
-              </a:ext>
-            </a:extLst>
-          </p:cNvPr>
-          <p:cNvPicPr>
-            <a:picLocks noChangeAspect="1"/>
-          </p:cNvPicPr>
+      <p:sp>
+        <p:nvSpPr>
+          <p:cNvPr id="6" name="Content Placeholder 2">
+            <a:extLst>
+              <a:ext uri="{FF2B5EF4-FFF2-40B4-BE49-F238E27FC236}">
+                <a16:creationId xmlns:a16="http://schemas.microsoft.com/office/drawing/2014/main" id="{A428EFD9-0271-4D24-B9B4-79D8D9AFCA68}"/>
+              </a:ext>
+            </a:extLst>
+          </p:cNvPr>
+          <p:cNvSpPr txBox="1">
+            <a:spLocks/>
+          </p:cNvSpPr>
           <p:nvPr/>
-        </p:nvPicPr>
-        <p:blipFill>
-          <a:blip r:embed="rId4">
-            <a:extLst>
-              <a:ext uri="{28A0092B-C50C-407E-A947-70E740481C1C}">
-                <a14:useLocalDpi xmlns:a14="http://schemas.microsoft.com/office/drawing/2010/main" val="0"/>
-              </a:ext>
-            </a:extLst>
-          </a:blip>
-          <a:stretch>
-            <a:fillRect/>
-          </a:stretch>
-        </p:blipFill>
-        <p:spPr>
-          <a:xfrm>
-            <a:off x="627352" y="4349017"/>
-            <a:ext cx="5606280" cy="2242512"/>
+        </p:nvSpPr>
+        <p:spPr>
+          <a:xfrm>
+            <a:off x="4612483" y="2421908"/>
+            <a:ext cx="7835283" cy="917575"/>
           </a:xfrm>
           <a:prstGeom prst="rect">
             <a:avLst/>
           </a:prstGeom>
         </p:spPr>
-      </p:pic>
-      <p:pic>
-        <p:nvPicPr>
-          <p:cNvPr id="16" name="Picture 15">
-            <a:extLst>
-              <a:ext uri="{FF2B5EF4-FFF2-40B4-BE49-F238E27FC236}">
-                <a16:creationId xmlns:a16="http://schemas.microsoft.com/office/drawing/2014/main" id="{7F0C7BEB-194D-423D-A68B-C04A5FEF6EE1}"/>
-              </a:ext>
-            </a:extLst>
-          </p:cNvPr>
-          <p:cNvPicPr>
-            <a:picLocks noChangeAspect="1"/>
-          </p:cNvPicPr>
-          <p:nvPr/>
-        </p:nvPicPr>
-        <p:blipFill>
-          <a:blip r:embed="rId5">
-            <a:extLst>
-              <a:ext uri="{28A0092B-C50C-407E-A947-70E740481C1C}">
-                <a14:useLocalDpi xmlns:a14="http://schemas.microsoft.com/office/drawing/2010/main" val="0"/>
-              </a:ext>
-            </a:extLst>
-          </a:blip>
-          <a:stretch>
-            <a:fillRect/>
-          </a:stretch>
-        </p:blipFill>
-        <p:spPr>
-          <a:xfrm>
-            <a:off x="5816326" y="4349017"/>
-            <a:ext cx="5606280" cy="2242512"/>
-          </a:xfrm>
-          <a:prstGeom prst="rect">
-            <a:avLst/>
-          </a:prstGeom>
-        </p:spPr>
-      </p:pic>
-      <p:sp>
-        <p:nvSpPr>
-          <p:cNvPr id="7" name="Title 1">
-            <a:extLst>
-              <a:ext uri="{FF2B5EF4-FFF2-40B4-BE49-F238E27FC236}">
-                <a16:creationId xmlns:a16="http://schemas.microsoft.com/office/drawing/2014/main" id="{3632D850-42E9-446C-9535-3B5BAC8635C2}"/>
-              </a:ext>
-            </a:extLst>
-          </p:cNvPr>
-          <p:cNvSpPr txBox="1">
-            <a:spLocks/>
-          </p:cNvSpPr>
-          <p:nvPr/>
-        </p:nvSpPr>
-        <p:spPr>
-          <a:xfrm>
-            <a:off x="2939988" y="1120953"/>
-            <a:ext cx="8416030" cy="1325563"/>
-          </a:xfrm>
-          <a:prstGeom prst="rect">
-            <a:avLst/>
-          </a:prstGeom>
-        </p:spPr>
-        <p:txBody>
-          <a:bodyPr vert="horz" lIns="91440" tIns="45720" rIns="91440" bIns="45720" rtlCol="0" anchor="ctr">
+        <p:txBody>
+          <a:bodyPr vert="horz" lIns="91440" tIns="45720" rIns="91440" bIns="45720" rtlCol="0">
             <a:normAutofit/>
           </a:bodyPr>
           <a:lstStyle>
-            <a:lvl1pPr algn="l" defTabSz="914400" rtl="0" eaLnBrk="1" latinLnBrk="0" hangingPunct="1">
+            <a:lvl1pPr marL="228600" indent="-228600" algn="l" defTabSz="914400" rtl="0" eaLnBrk="1" latinLnBrk="0" hangingPunct="1">
               <a:lnSpc>
                 <a:spcPct val="90000"/>
               </a:lnSpc>
               <a:spcBef>
-                <a:spcPct val="0"/>
+                <a:spcPts val="1000"/>
               </a:spcBef>
-              <a:buNone/>
-              <a:defRPr sz="4400" kern="1200">
+              <a:buFont typeface="Arial" panose="020B0604020202020204" pitchFamily="34" charset="0"/>
+              <a:buChar char="•"/>
+              <a:defRPr sz="2800" kern="1200">
                 <a:solidFill>
                   <a:schemeClr val="tx1"/>
                 </a:solidFill>
-                <a:latin typeface="+mj-lt"/>
-                <a:ea typeface="+mj-ea"/>
-                <a:cs typeface="+mj-cs"/>
+                <a:latin typeface="+mn-lt"/>
+                <a:ea typeface="+mn-ea"/>
+                <a:cs typeface="+mn-cs"/>
               </a:defRPr>
             </a:lvl1pPr>
+            <a:lvl2pPr marL="685800" indent="-228600" algn="l" defTabSz="914400" rtl="0" eaLnBrk="1" latinLnBrk="0" hangingPunct="1">
+              <a:lnSpc>
+                <a:spcPct val="90000"/>
+              </a:lnSpc>
+              <a:spcBef>
+                <a:spcPts val="500"/>
+              </a:spcBef>
+              <a:buFont typeface="Arial" panose="020B0604020202020204" pitchFamily="34" charset="0"/>
+              <a:buChar char="•"/>
+              <a:defRPr sz="2400" kern="1200">
+                <a:solidFill>
+                  <a:schemeClr val="tx1"/>
+                </a:solidFill>
+                <a:latin typeface="+mn-lt"/>
+                <a:ea typeface="+mn-ea"/>
+                <a:cs typeface="+mn-cs"/>
+              </a:defRPr>
+            </a:lvl2pPr>
+            <a:lvl3pPr marL="1143000" indent="-228600" algn="l" defTabSz="914400" rtl="0" eaLnBrk="1" latinLnBrk="0" hangingPunct="1">
+              <a:lnSpc>
+                <a:spcPct val="90000"/>
+              </a:lnSpc>
+              <a:spcBef>
+                <a:spcPts val="500"/>
+              </a:spcBef>
+              <a:buFont typeface="Arial" panose="020B0604020202020204" pitchFamily="34" charset="0"/>
+              <a:buChar char="•"/>
+              <a:defRPr sz="2000" kern="1200">
+                <a:solidFill>
+                  <a:schemeClr val="tx1"/>
+                </a:solidFill>
+                <a:latin typeface="+mn-lt"/>
+                <a:ea typeface="+mn-ea"/>
+                <a:cs typeface="+mn-cs"/>
+              </a:defRPr>
+            </a:lvl3pPr>
+            <a:lvl4pPr marL="1600200" indent="-228600" algn="l" defTabSz="914400" rtl="0" eaLnBrk="1" latinLnBrk="0" hangingPunct="1">
+              <a:lnSpc>
+                <a:spcPct val="90000"/>
+              </a:lnSpc>
+              <a:spcBef>
+                <a:spcPts val="500"/>
+              </a:spcBef>
+              <a:buFont typeface="Arial" panose="020B0604020202020204" pitchFamily="34" charset="0"/>
+              <a:buChar char="•"/>
+              <a:defRPr sz="1800" kern="1200">
+                <a:solidFill>
+                  <a:schemeClr val="tx1"/>
+                </a:solidFill>
+                <a:latin typeface="+mn-lt"/>
+                <a:ea typeface="+mn-ea"/>
+                <a:cs typeface="+mn-cs"/>
+              </a:defRPr>
+            </a:lvl4pPr>
+            <a:lvl5pPr marL="2057400" indent="-228600" algn="l" defTabSz="914400" rtl="0" eaLnBrk="1" latinLnBrk="0" hangingPunct="1">
+              <a:lnSpc>
+                <a:spcPct val="90000"/>
+              </a:lnSpc>
+              <a:spcBef>
+                <a:spcPts val="500"/>
+              </a:spcBef>
+              <a:buFont typeface="Arial" panose="020B0604020202020204" pitchFamily="34" charset="0"/>
+              <a:buChar char="•"/>
+              <a:defRPr sz="1800" kern="1200">
+                <a:solidFill>
+                  <a:schemeClr val="tx1"/>
+                </a:solidFill>
+                <a:latin typeface="+mn-lt"/>
+                <a:ea typeface="+mn-ea"/>
+                <a:cs typeface="+mn-cs"/>
+              </a:defRPr>
+            </a:lvl5pPr>
+            <a:lvl6pPr marL="2514600" indent="-228600" algn="l" defTabSz="914400" rtl="0" eaLnBrk="1" latinLnBrk="0" hangingPunct="1">
+              <a:lnSpc>
+                <a:spcPct val="90000"/>
+              </a:lnSpc>
+              <a:spcBef>
+                <a:spcPts val="500"/>
+              </a:spcBef>
+              <a:buFont typeface="Arial" panose="020B0604020202020204" pitchFamily="34" charset="0"/>
+              <a:buChar char="•"/>
+              <a:defRPr sz="1800" kern="1200">
+                <a:solidFill>
+                  <a:schemeClr val="tx1"/>
+                </a:solidFill>
+                <a:latin typeface="+mn-lt"/>
+                <a:ea typeface="+mn-ea"/>
+                <a:cs typeface="+mn-cs"/>
+              </a:defRPr>
+            </a:lvl6pPr>
+            <a:lvl7pPr marL="2971800" indent="-228600" algn="l" defTabSz="914400" rtl="0" eaLnBrk="1" latinLnBrk="0" hangingPunct="1">
+              <a:lnSpc>
+                <a:spcPct val="90000"/>
+              </a:lnSpc>
+              <a:spcBef>
+                <a:spcPts val="500"/>
+              </a:spcBef>
+              <a:buFont typeface="Arial" panose="020B0604020202020204" pitchFamily="34" charset="0"/>
+              <a:buChar char="•"/>
+              <a:defRPr sz="1800" kern="1200">
+                <a:solidFill>
+                  <a:schemeClr val="tx1"/>
+                </a:solidFill>
+                <a:latin typeface="+mn-lt"/>
+                <a:ea typeface="+mn-ea"/>
+                <a:cs typeface="+mn-cs"/>
+              </a:defRPr>
+            </a:lvl7pPr>
+            <a:lvl8pPr marL="3429000" indent="-228600" algn="l" defTabSz="914400" rtl="0" eaLnBrk="1" latinLnBrk="0" hangingPunct="1">
+              <a:lnSpc>
+                <a:spcPct val="90000"/>
+              </a:lnSpc>
+              <a:spcBef>
+                <a:spcPts val="500"/>
+              </a:spcBef>
+              <a:buFont typeface="Arial" panose="020B0604020202020204" pitchFamily="34" charset="0"/>
+              <a:buChar char="•"/>
+              <a:defRPr sz="1800" kern="1200">
+                <a:solidFill>
+                  <a:schemeClr val="tx1"/>
+                </a:solidFill>
+                <a:latin typeface="+mn-lt"/>
+                <a:ea typeface="+mn-ea"/>
+                <a:cs typeface="+mn-cs"/>
+              </a:defRPr>
+            </a:lvl8pPr>
+            <a:lvl9pPr marL="3886200" indent="-228600" algn="l" defTabSz="914400" rtl="0" eaLnBrk="1" latinLnBrk="0" hangingPunct="1">
+              <a:lnSpc>
+                <a:spcPct val="90000"/>
+              </a:lnSpc>
+              <a:spcBef>
+                <a:spcPts val="500"/>
+              </a:spcBef>
+              <a:buFont typeface="Arial" panose="020B0604020202020204" pitchFamily="34" charset="0"/>
+              <a:buChar char="•"/>
+              <a:defRPr sz="1800" kern="1200">
+                <a:solidFill>
+                  <a:schemeClr val="tx1"/>
+                </a:solidFill>
+                <a:latin typeface="+mn-lt"/>
+                <a:ea typeface="+mn-ea"/>
+                <a:cs typeface="+mn-cs"/>
+              </a:defRPr>
+            </a:lvl9pPr>
           </a:lstStyle>
           <a:p>
-            <a:r>
-              <a:rPr lang="en-US" sz="2800" u="sng" dirty="0"/>
-              <a:t>Type 1:</a:t>
-            </a:r>
-            <a:r>
-              <a:rPr lang="en-US" sz="2800" dirty="0"/>
-              <a:t>				       </a:t>
-            </a:r>
-            <a:r>
-              <a:rPr lang="en-US" sz="2800" u="sng" dirty="0"/>
-              <a:t>Type 2:</a:t>
+            <a:pPr marL="0" indent="0">
+              <a:buFont typeface="Arial" panose="020B0604020202020204" pitchFamily="34" charset="0"/>
+              <a:buNone/>
+            </a:pPr>
+            <a:r>
+              <a:rPr lang="en-US" dirty="0"/>
+              <a:t>Type 1				Type 2</a:t>
             </a:r>
           </a:p>
         </p:txBody>
@@ -4984,7 +6169,153 @@
     </p:spTree>
     <p:extLst>
       <p:ext uri="{BB962C8B-B14F-4D97-AF65-F5344CB8AC3E}">
-        <p14:creationId xmlns:p14="http://schemas.microsoft.com/office/powerpoint/2010/main" val="2778310829"/>
+        <p14:creationId xmlns:p14="http://schemas.microsoft.com/office/powerpoint/2010/main" val="2479336917"/>
+      </p:ext>
+    </p:extLst>
+  </p:cSld>
+  <p:clrMapOvr>
+    <a:masterClrMapping/>
+  </p:clrMapOvr>
+</p:sld>
+</file>
+
+<file path=ppt/slides/slide8.xml><?xml version="1.0" encoding="utf-8"?>
+<p:sld xmlns:a="http://schemas.openxmlformats.org/drawingml/2006/main" xmlns:r="http://schemas.openxmlformats.org/officeDocument/2006/relationships" xmlns:p="http://schemas.openxmlformats.org/presentationml/2006/main">
+  <p:cSld>
+    <p:spTree>
+      <p:nvGrpSpPr>
+        <p:cNvPr id="1" name=""/>
+        <p:cNvGrpSpPr/>
+        <p:nvPr/>
+      </p:nvGrpSpPr>
+      <p:grpSpPr>
+        <a:xfrm>
+          <a:off x="0" y="0"/>
+          <a:ext cx="0" cy="0"/>
+          <a:chOff x="0" y="0"/>
+          <a:chExt cx="0" cy="0"/>
+        </a:xfrm>
+      </p:grpSpPr>
+      <p:sp>
+        <p:nvSpPr>
+          <p:cNvPr id="3" name="Content Placeholder 2">
+            <a:extLst>
+              <a:ext uri="{FF2B5EF4-FFF2-40B4-BE49-F238E27FC236}">
+                <a16:creationId xmlns:a16="http://schemas.microsoft.com/office/drawing/2014/main" id="{3EB95AB7-8198-483F-B035-FF9674BFD085}"/>
+              </a:ext>
+            </a:extLst>
+          </p:cNvPr>
+          <p:cNvSpPr>
+            <a:spLocks noGrp="1"/>
+          </p:cNvSpPr>
+          <p:nvPr>
+            <p:ph idx="1"/>
+          </p:nvPr>
+        </p:nvSpPr>
+        <p:spPr>
+          <a:xfrm>
+            <a:off x="838199" y="1825625"/>
+            <a:ext cx="6237303" cy="4211191"/>
+          </a:xfrm>
+        </p:spPr>
+        <p:txBody>
+          <a:bodyPr/>
+          <a:lstStyle/>
+          <a:p>
+            <a:pPr marL="0" indent="0">
+              <a:buNone/>
+            </a:pPr>
+            <a:r>
+              <a:rPr lang="en-US" dirty="0"/>
+              <a:t>3) How do these results fit into the </a:t>
+            </a:r>
+            <a:r>
+              <a:rPr lang="en-US" dirty="0" err="1"/>
+              <a:t>epoc</a:t>
+            </a:r>
+            <a:r>
+              <a:rPr lang="en-US" dirty="0"/>
+              <a:t> study (2D histograms and dial plots)?</a:t>
+            </a:r>
+          </a:p>
+          <a:p>
+            <a:pPr marL="0" indent="0">
+              <a:buNone/>
+            </a:pPr>
+            <a:r>
+              <a:rPr lang="en-US" dirty="0"/>
+              <a:t>4) Any questions?</a:t>
+            </a:r>
+          </a:p>
+        </p:txBody>
+      </p:sp>
+    </p:spTree>
+    <p:extLst>
+      <p:ext uri="{BB962C8B-B14F-4D97-AF65-F5344CB8AC3E}">
+        <p14:creationId xmlns:p14="http://schemas.microsoft.com/office/powerpoint/2010/main" val="1941345181"/>
+      </p:ext>
+    </p:extLst>
+  </p:cSld>
+  <p:clrMapOvr>
+    <a:masterClrMapping/>
+  </p:clrMapOvr>
+</p:sld>
+</file>
+
+<file path=ppt/slides/slide9.xml><?xml version="1.0" encoding="utf-8"?>
+<p:sld xmlns:a="http://schemas.openxmlformats.org/drawingml/2006/main" xmlns:r="http://schemas.openxmlformats.org/officeDocument/2006/relationships" xmlns:p="http://schemas.openxmlformats.org/presentationml/2006/main">
+  <p:cSld>
+    <p:spTree>
+      <p:nvGrpSpPr>
+        <p:cNvPr id="1" name=""/>
+        <p:cNvGrpSpPr/>
+        <p:nvPr/>
+      </p:nvGrpSpPr>
+      <p:grpSpPr>
+        <a:xfrm>
+          <a:off x="0" y="0"/>
+          <a:ext cx="0" cy="0"/>
+          <a:chOff x="0" y="0"/>
+          <a:chExt cx="0" cy="0"/>
+        </a:xfrm>
+      </p:grpSpPr>
+      <p:sp>
+        <p:nvSpPr>
+          <p:cNvPr id="2" name="Title 1">
+            <a:extLst>
+              <a:ext uri="{FF2B5EF4-FFF2-40B4-BE49-F238E27FC236}">
+                <a16:creationId xmlns:a16="http://schemas.microsoft.com/office/drawing/2014/main" id="{C5714A7B-6078-4F07-9635-F64A568E9839}"/>
+              </a:ext>
+            </a:extLst>
+          </p:cNvPr>
+          <p:cNvSpPr>
+            <a:spLocks noGrp="1"/>
+          </p:cNvSpPr>
+          <p:nvPr>
+            <p:ph type="title"/>
+          </p:nvPr>
+        </p:nvSpPr>
+        <p:spPr>
+          <a:xfrm>
+            <a:off x="687279" y="1905084"/>
+            <a:ext cx="10515600" cy="1325563"/>
+          </a:xfrm>
+        </p:spPr>
+        <p:txBody>
+          <a:bodyPr/>
+          <a:lstStyle/>
+          <a:p>
+            <a:r>
+              <a:rPr lang="en-US" dirty="0"/>
+              <a:t>Extra slides of 3hr bins</a:t>
+            </a:r>
+          </a:p>
+        </p:txBody>
+      </p:sp>
+    </p:spTree>
+    <p:extLst>
+      <p:ext uri="{BB962C8B-B14F-4D97-AF65-F5344CB8AC3E}">
+        <p14:creationId xmlns:p14="http://schemas.microsoft.com/office/powerpoint/2010/main" val="3588641514"/>
       </p:ext>
     </p:extLst>
   </p:cSld>

--- a/sampexlib/Concept Summaries/Summary of 4 Storms Selected.pptx
+++ b/sampexlib/Concept Summaries/Summary of 4 Storms Selected.pptx
@@ -16,6 +16,7 @@
     <p:sldId id="263" r:id="rId10"/>
     <p:sldId id="257" r:id="rId11"/>
     <p:sldId id="261" r:id="rId12"/>
+    <p:sldId id="267" r:id="rId13"/>
   </p:sldIdLst>
   <p:sldSz cx="12192000" cy="6858000"/>
   <p:notesSz cx="6858000" cy="9144000"/>
@@ -269,7 +270,7 @@
           <a:p>
             <a:fld id="{FF91FCBC-9B68-4ACD-8DD1-A95F477831F0}" type="datetimeFigureOut">
               <a:rPr lang="en-US" smtClean="0"/>
-              <a:t>10/19/2021</a:t>
+              <a:t>10/20/2021</a:t>
             </a:fld>
             <a:endParaRPr lang="en-US"/>
           </a:p>
@@ -467,7 +468,7 @@
           <a:p>
             <a:fld id="{FF91FCBC-9B68-4ACD-8DD1-A95F477831F0}" type="datetimeFigureOut">
               <a:rPr lang="en-US" smtClean="0"/>
-              <a:t>10/19/2021</a:t>
+              <a:t>10/20/2021</a:t>
             </a:fld>
             <a:endParaRPr lang="en-US"/>
           </a:p>
@@ -675,7 +676,7 @@
           <a:p>
             <a:fld id="{FF91FCBC-9B68-4ACD-8DD1-A95F477831F0}" type="datetimeFigureOut">
               <a:rPr lang="en-US" smtClean="0"/>
-              <a:t>10/19/2021</a:t>
+              <a:t>10/20/2021</a:t>
             </a:fld>
             <a:endParaRPr lang="en-US"/>
           </a:p>
@@ -873,7 +874,7 @@
           <a:p>
             <a:fld id="{FF91FCBC-9B68-4ACD-8DD1-A95F477831F0}" type="datetimeFigureOut">
               <a:rPr lang="en-US" smtClean="0"/>
-              <a:t>10/19/2021</a:t>
+              <a:t>10/20/2021</a:t>
             </a:fld>
             <a:endParaRPr lang="en-US"/>
           </a:p>
@@ -1148,7 +1149,7 @@
           <a:p>
             <a:fld id="{FF91FCBC-9B68-4ACD-8DD1-A95F477831F0}" type="datetimeFigureOut">
               <a:rPr lang="en-US" smtClean="0"/>
-              <a:t>10/19/2021</a:t>
+              <a:t>10/20/2021</a:t>
             </a:fld>
             <a:endParaRPr lang="en-US"/>
           </a:p>
@@ -1413,7 +1414,7 @@
           <a:p>
             <a:fld id="{FF91FCBC-9B68-4ACD-8DD1-A95F477831F0}" type="datetimeFigureOut">
               <a:rPr lang="en-US" smtClean="0"/>
-              <a:t>10/19/2021</a:t>
+              <a:t>10/20/2021</a:t>
             </a:fld>
             <a:endParaRPr lang="en-US"/>
           </a:p>
@@ -1825,7 +1826,7 @@
           <a:p>
             <a:fld id="{FF91FCBC-9B68-4ACD-8DD1-A95F477831F0}" type="datetimeFigureOut">
               <a:rPr lang="en-US" smtClean="0"/>
-              <a:t>10/19/2021</a:t>
+              <a:t>10/20/2021</a:t>
             </a:fld>
             <a:endParaRPr lang="en-US"/>
           </a:p>
@@ -1966,7 +1967,7 @@
           <a:p>
             <a:fld id="{FF91FCBC-9B68-4ACD-8DD1-A95F477831F0}" type="datetimeFigureOut">
               <a:rPr lang="en-US" smtClean="0"/>
-              <a:t>10/19/2021</a:t>
+              <a:t>10/20/2021</a:t>
             </a:fld>
             <a:endParaRPr lang="en-US"/>
           </a:p>
@@ -2079,7 +2080,7 @@
           <a:p>
             <a:fld id="{FF91FCBC-9B68-4ACD-8DD1-A95F477831F0}" type="datetimeFigureOut">
               <a:rPr lang="en-US" smtClean="0"/>
-              <a:t>10/19/2021</a:t>
+              <a:t>10/20/2021</a:t>
             </a:fld>
             <a:endParaRPr lang="en-US"/>
           </a:p>
@@ -2390,7 +2391,7 @@
           <a:p>
             <a:fld id="{FF91FCBC-9B68-4ACD-8DD1-A95F477831F0}" type="datetimeFigureOut">
               <a:rPr lang="en-US" smtClean="0"/>
-              <a:t>10/19/2021</a:t>
+              <a:t>10/20/2021</a:t>
             </a:fld>
             <a:endParaRPr lang="en-US"/>
           </a:p>
@@ -2678,7 +2679,7 @@
           <a:p>
             <a:fld id="{FF91FCBC-9B68-4ACD-8DD1-A95F477831F0}" type="datetimeFigureOut">
               <a:rPr lang="en-US" smtClean="0"/>
-              <a:t>10/19/2021</a:t>
+              <a:t>10/20/2021</a:t>
             </a:fld>
             <a:endParaRPr lang="en-US"/>
           </a:p>
@@ -2919,7 +2920,7 @@
           <a:p>
             <a:fld id="{FF91FCBC-9B68-4ACD-8DD1-A95F477831F0}" type="datetimeFigureOut">
               <a:rPr lang="en-US" smtClean="0"/>
-              <a:t>10/19/2021</a:t>
+              <a:t>10/20/2021</a:t>
             </a:fld>
             <a:endParaRPr lang="en-US"/>
           </a:p>
@@ -3922,6 +3923,129 @@
 </p:sld>
 </file>
 
+<file path=ppt/slides/slide12.xml><?xml version="1.0" encoding="utf-8"?>
+<p:sld xmlns:a="http://schemas.openxmlformats.org/drawingml/2006/main" xmlns:r="http://schemas.openxmlformats.org/officeDocument/2006/relationships" xmlns:p="http://schemas.openxmlformats.org/presentationml/2006/main">
+  <p:cSld>
+    <p:spTree>
+      <p:nvGrpSpPr>
+        <p:cNvPr id="1" name=""/>
+        <p:cNvGrpSpPr/>
+        <p:nvPr/>
+      </p:nvGrpSpPr>
+      <p:grpSpPr>
+        <a:xfrm>
+          <a:off x="0" y="0"/>
+          <a:ext cx="0" cy="0"/>
+          <a:chOff x="0" y="0"/>
+          <a:chExt cx="0" cy="0"/>
+        </a:xfrm>
+      </p:grpSpPr>
+      <p:sp>
+        <p:nvSpPr>
+          <p:cNvPr id="2" name="Title 1">
+            <a:extLst>
+              <a:ext uri="{FF2B5EF4-FFF2-40B4-BE49-F238E27FC236}">
+                <a16:creationId xmlns:a16="http://schemas.microsoft.com/office/drawing/2014/main" id="{BE961A47-8D80-47CD-BB09-589D9680BA4C}"/>
+              </a:ext>
+            </a:extLst>
+          </p:cNvPr>
+          <p:cNvSpPr>
+            <a:spLocks noGrp="1"/>
+          </p:cNvSpPr>
+          <p:nvPr>
+            <p:ph type="title"/>
+          </p:nvPr>
+        </p:nvSpPr>
+        <p:spPr>
+          <a:xfrm>
+            <a:off x="446314" y="122529"/>
+            <a:ext cx="10515600" cy="1325563"/>
+          </a:xfrm>
+        </p:spPr>
+        <p:txBody>
+          <a:bodyPr/>
+          <a:lstStyle/>
+          <a:p>
+            <a:r>
+              <a:rPr lang="en-US" dirty="0"/>
+              <a:t>Beginning research paper</a:t>
+            </a:r>
+          </a:p>
+        </p:txBody>
+      </p:sp>
+      <p:pic>
+        <p:nvPicPr>
+          <p:cNvPr id="5" name="Picture 4">
+            <a:extLst>
+              <a:ext uri="{FF2B5EF4-FFF2-40B4-BE49-F238E27FC236}">
+                <a16:creationId xmlns:a16="http://schemas.microsoft.com/office/drawing/2014/main" id="{1E917293-F170-47B0-93FB-34FB3C7261AF}"/>
+              </a:ext>
+            </a:extLst>
+          </p:cNvPr>
+          <p:cNvPicPr>
+            <a:picLocks noChangeAspect="1"/>
+          </p:cNvPicPr>
+          <p:nvPr/>
+        </p:nvPicPr>
+        <p:blipFill>
+          <a:blip r:embed="rId2"/>
+          <a:stretch>
+            <a:fillRect/>
+          </a:stretch>
+        </p:blipFill>
+        <p:spPr>
+          <a:xfrm>
+            <a:off x="886408" y="1248162"/>
+            <a:ext cx="5349551" cy="5178365"/>
+          </a:xfrm>
+          <a:prstGeom prst="rect">
+            <a:avLst/>
+          </a:prstGeom>
+        </p:spPr>
+      </p:pic>
+      <p:pic>
+        <p:nvPicPr>
+          <p:cNvPr id="7" name="Picture 6">
+            <a:extLst>
+              <a:ext uri="{FF2B5EF4-FFF2-40B4-BE49-F238E27FC236}">
+                <a16:creationId xmlns:a16="http://schemas.microsoft.com/office/drawing/2014/main" id="{DCD8C72A-AD83-4351-82E2-E38049AEDE73}"/>
+              </a:ext>
+            </a:extLst>
+          </p:cNvPr>
+          <p:cNvPicPr>
+            <a:picLocks noChangeAspect="1"/>
+          </p:cNvPicPr>
+          <p:nvPr/>
+        </p:nvPicPr>
+        <p:blipFill>
+          <a:blip r:embed="rId3"/>
+          <a:stretch>
+            <a:fillRect/>
+          </a:stretch>
+        </p:blipFill>
+        <p:spPr>
+          <a:xfrm>
+            <a:off x="6176042" y="1248162"/>
+            <a:ext cx="5459598" cy="5178365"/>
+          </a:xfrm>
+          <a:prstGeom prst="rect">
+            <a:avLst/>
+          </a:prstGeom>
+        </p:spPr>
+      </p:pic>
+    </p:spTree>
+    <p:extLst>
+      <p:ext uri="{BB962C8B-B14F-4D97-AF65-F5344CB8AC3E}">
+        <p14:creationId xmlns:p14="http://schemas.microsoft.com/office/powerpoint/2010/main" val="1025813922"/>
+      </p:ext>
+    </p:extLst>
+  </p:cSld>
+  <p:clrMapOvr>
+    <a:masterClrMapping/>
+  </p:clrMapOvr>
+</p:sld>
+</file>
+
 <file path=ppt/slides/slide2.xml><?xml version="1.0" encoding="utf-8"?>
 <p:sld xmlns:a="http://schemas.openxmlformats.org/drawingml/2006/main" xmlns:r="http://schemas.openxmlformats.org/officeDocument/2006/relationships" xmlns:p="http://schemas.openxmlformats.org/presentationml/2006/main">
   <p:cSld>
@@ -5107,7 +5231,7 @@
         </p:blipFill>
         <p:spPr>
           <a:xfrm>
-            <a:off x="408372" y="2973679"/>
+            <a:off x="346731" y="3488325"/>
             <a:ext cx="3313906" cy="1325562"/>
           </a:xfrm>
           <a:prstGeom prst="rect">
@@ -5143,7 +5267,7 @@
         </p:blipFill>
         <p:spPr>
           <a:xfrm>
-            <a:off x="3207377" y="2973678"/>
+            <a:off x="3145736" y="3488324"/>
             <a:ext cx="3313908" cy="1325563"/>
           </a:xfrm>
           <a:prstGeom prst="rect">
@@ -5179,7 +5303,7 @@
         </p:blipFill>
         <p:spPr>
           <a:xfrm>
-            <a:off x="408373" y="4084795"/>
+            <a:off x="346732" y="4599441"/>
             <a:ext cx="3313903" cy="1325562"/>
           </a:xfrm>
           <a:prstGeom prst="rect">
@@ -5215,7 +5339,7 @@
         </p:blipFill>
         <p:spPr>
           <a:xfrm>
-            <a:off x="3207377" y="4082431"/>
+            <a:off x="3145736" y="4597077"/>
             <a:ext cx="3313908" cy="1325563"/>
           </a:xfrm>
           <a:prstGeom prst="rect">
@@ -5801,174 +5925,12 @@
           </a:fontRef>
         </p:style>
       </p:cxnSp>
-    </p:spTree>
-    <p:extLst>
-      <p:ext uri="{BB962C8B-B14F-4D97-AF65-F5344CB8AC3E}">
-        <p14:creationId xmlns:p14="http://schemas.microsoft.com/office/powerpoint/2010/main" val="368950867"/>
-      </p:ext>
-    </p:extLst>
-  </p:cSld>
-  <p:clrMapOvr>
-    <a:masterClrMapping/>
-  </p:clrMapOvr>
-</p:sld>
-</file>
-
-<file path=ppt/slides/slide7.xml><?xml version="1.0" encoding="utf-8"?>
-<p:sld xmlns:a="http://schemas.openxmlformats.org/drawingml/2006/main" xmlns:r="http://schemas.openxmlformats.org/officeDocument/2006/relationships" xmlns:p="http://schemas.openxmlformats.org/presentationml/2006/main">
-  <p:cSld>
-    <p:spTree>
-      <p:nvGrpSpPr>
-        <p:cNvPr id="1" name=""/>
-        <p:cNvGrpSpPr/>
-        <p:nvPr/>
-      </p:nvGrpSpPr>
-      <p:grpSpPr>
-        <a:xfrm>
-          <a:off x="0" y="0"/>
-          <a:ext cx="0" cy="0"/>
-          <a:chOff x="0" y="0"/>
-          <a:chExt cx="0" cy="0"/>
-        </a:xfrm>
-      </p:grpSpPr>
-      <p:sp>
-        <p:nvSpPr>
-          <p:cNvPr id="3" name="Content Placeholder 2">
-            <a:extLst>
-              <a:ext uri="{FF2B5EF4-FFF2-40B4-BE49-F238E27FC236}">
-                <a16:creationId xmlns:a16="http://schemas.microsoft.com/office/drawing/2014/main" id="{89F8E7D2-F550-4614-B76A-442576C25175}"/>
-              </a:ext>
-            </a:extLst>
-          </p:cNvPr>
-          <p:cNvSpPr>
-            <a:spLocks noGrp="1"/>
-          </p:cNvSpPr>
-          <p:nvPr>
-            <p:ph idx="1"/>
-          </p:nvPr>
-        </p:nvSpPr>
-        <p:spPr>
-          <a:xfrm>
-            <a:off x="820445" y="982246"/>
-            <a:ext cx="7835283" cy="917575"/>
-          </a:xfrm>
-        </p:spPr>
-        <p:txBody>
-          <a:bodyPr>
-            <a:normAutofit fontScale="85000" lnSpcReduction="10000"/>
-          </a:bodyPr>
-          <a:lstStyle/>
-          <a:p>
-            <a:pPr marL="0" indent="0">
-              <a:buNone/>
-            </a:pPr>
-            <a:r>
-              <a:rPr lang="en-US" dirty="0"/>
-              <a:t>2) Why are there quick spikes in Type 1 storms and wide bands (reminiscent of precipitation bands) in Type 2 storms? </a:t>
-            </a:r>
-          </a:p>
-        </p:txBody>
-      </p:sp>
-      <p:pic>
-        <p:nvPicPr>
-          <p:cNvPr id="1026" name="Picture 2">
-            <a:extLst>
-              <a:ext uri="{FF2B5EF4-FFF2-40B4-BE49-F238E27FC236}">
-                <a16:creationId xmlns:a16="http://schemas.microsoft.com/office/drawing/2014/main" id="{603FB0C5-0D0B-455C-BA07-E54E9AF7FB12}"/>
-              </a:ext>
-            </a:extLst>
-          </p:cNvPr>
-          <p:cNvPicPr>
-            <a:picLocks noChangeAspect="1" noChangeArrowheads="1"/>
-          </p:cNvPicPr>
-          <p:nvPr/>
-        </p:nvPicPr>
-        <p:blipFill>
-          <a:blip r:embed="rId2">
-            <a:extLst>
-              <a:ext uri="{28A0092B-C50C-407E-A947-70E740481C1C}">
-                <a14:useLocalDpi xmlns:a14="http://schemas.microsoft.com/office/drawing/2010/main" val="0"/>
-              </a:ext>
-            </a:extLst>
-          </a:blip>
-          <a:srcRect/>
-          <a:stretch>
-            <a:fillRect/>
-          </a:stretch>
-        </p:blipFill>
-        <p:spPr bwMode="auto">
-          <a:xfrm>
-            <a:off x="2782034" y="3091649"/>
-            <a:ext cx="4612482" cy="3429000"/>
-          </a:xfrm>
-          <a:prstGeom prst="rect">
-            <a:avLst/>
-          </a:prstGeom>
-          <a:noFill/>
-          <a:extLst>
-            <a:ext uri="{909E8E84-426E-40DD-AFC4-6F175D3DCCD1}">
-              <a14:hiddenFill xmlns:a14="http://schemas.microsoft.com/office/drawing/2010/main">
-                <a:solidFill>
-                  <a:srgbClr val="FFFFFF"/>
-                </a:solidFill>
-              </a14:hiddenFill>
-            </a:ext>
-          </a:extLst>
-        </p:spPr>
-      </p:pic>
-      <p:pic>
-        <p:nvPicPr>
-          <p:cNvPr id="1028" name="Picture 4">
-            <a:extLst>
-              <a:ext uri="{FF2B5EF4-FFF2-40B4-BE49-F238E27FC236}">
-                <a16:creationId xmlns:a16="http://schemas.microsoft.com/office/drawing/2014/main" id="{17EC71E8-C7C7-477F-9137-3EFC849F7C0C}"/>
-              </a:ext>
-            </a:extLst>
-          </p:cNvPr>
-          <p:cNvPicPr>
-            <a:picLocks noChangeAspect="1" noChangeArrowheads="1"/>
-          </p:cNvPicPr>
-          <p:nvPr/>
-        </p:nvPicPr>
-        <p:blipFill>
-          <a:blip r:embed="rId3">
-            <a:extLst>
-              <a:ext uri="{28A0092B-C50C-407E-A947-70E740481C1C}">
-                <a14:useLocalDpi xmlns:a14="http://schemas.microsoft.com/office/drawing/2010/main" val="0"/>
-              </a:ext>
-            </a:extLst>
-          </a:blip>
-          <a:srcRect/>
-          <a:stretch>
-            <a:fillRect/>
-          </a:stretch>
-        </p:blipFill>
-        <p:spPr bwMode="auto">
-          <a:xfrm>
-            <a:off x="7579518" y="3091649"/>
-            <a:ext cx="4612482" cy="3429000"/>
-          </a:xfrm>
-          <a:prstGeom prst="rect">
-            <a:avLst/>
-          </a:prstGeom>
-          <a:noFill/>
-          <a:extLst>
-            <a:ext uri="{909E8E84-426E-40DD-AFC4-6F175D3DCCD1}">
-              <a14:hiddenFill xmlns:a14="http://schemas.microsoft.com/office/drawing/2010/main">
-                <a:solidFill>
-                  <a:srgbClr val="FFFFFF"/>
-                </a:solidFill>
-              </a14:hiddenFill>
-            </a:ext>
-          </a:extLst>
-        </p:spPr>
-      </p:pic>
-      <p:sp>
-        <p:nvSpPr>
-          <p:cNvPr id="6" name="Content Placeholder 2">
-            <a:extLst>
-              <a:ext uri="{FF2B5EF4-FFF2-40B4-BE49-F238E27FC236}">
-                <a16:creationId xmlns:a16="http://schemas.microsoft.com/office/drawing/2014/main" id="{A428EFD9-0271-4D24-B9B4-79D8D9AFCA68}"/>
+      <p:sp>
+        <p:nvSpPr>
+          <p:cNvPr id="17" name="Content Placeholder 2">
+            <a:extLst>
+              <a:ext uri="{FF2B5EF4-FFF2-40B4-BE49-F238E27FC236}">
+                <a16:creationId xmlns:a16="http://schemas.microsoft.com/office/drawing/2014/main" id="{C742145B-4CE7-4819-AE8E-84067BF19546}"/>
               </a:ext>
             </a:extLst>
           </p:cNvPr>
@@ -5979,8 +5941,8 @@
         </p:nvSpPr>
         <p:spPr>
           <a:xfrm>
-            <a:off x="4612483" y="2421908"/>
-            <a:ext cx="7835283" cy="917575"/>
+            <a:off x="1571706" y="3027086"/>
+            <a:ext cx="5539308" cy="803827"/>
           </a:xfrm>
           <a:prstGeom prst="rect">
             <a:avLst/>
@@ -6161,6 +6123,618 @@
             </a:pPr>
             <a:r>
               <a:rPr lang="en-US" dirty="0"/>
+              <a:t>Type 1		Type 2</a:t>
+            </a:r>
+          </a:p>
+        </p:txBody>
+      </p:sp>
+      <p:sp>
+        <p:nvSpPr>
+          <p:cNvPr id="18" name="Content Placeholder 2">
+            <a:extLst>
+              <a:ext uri="{FF2B5EF4-FFF2-40B4-BE49-F238E27FC236}">
+                <a16:creationId xmlns:a16="http://schemas.microsoft.com/office/drawing/2014/main" id="{8CBE732A-F039-4954-A0D3-3CD75C79F163}"/>
+              </a:ext>
+            </a:extLst>
+          </p:cNvPr>
+          <p:cNvSpPr txBox="1">
+            <a:spLocks/>
+          </p:cNvSpPr>
+          <p:nvPr/>
+        </p:nvSpPr>
+        <p:spPr>
+          <a:xfrm>
+            <a:off x="276712" y="6216730"/>
+            <a:ext cx="3086946" cy="472074"/>
+          </a:xfrm>
+          <a:prstGeom prst="rect">
+            <a:avLst/>
+          </a:prstGeom>
+        </p:spPr>
+        <p:txBody>
+          <a:bodyPr vert="horz" lIns="91440" tIns="45720" rIns="91440" bIns="45720" rtlCol="0">
+            <a:normAutofit lnSpcReduction="10000"/>
+          </a:bodyPr>
+          <a:lstStyle>
+            <a:lvl1pPr marL="228600" indent="-228600" algn="l" defTabSz="914400" rtl="0" eaLnBrk="1" latinLnBrk="0" hangingPunct="1">
+              <a:lnSpc>
+                <a:spcPct val="90000"/>
+              </a:lnSpc>
+              <a:spcBef>
+                <a:spcPts val="1000"/>
+              </a:spcBef>
+              <a:buFont typeface="Arial" panose="020B0604020202020204" pitchFamily="34" charset="0"/>
+              <a:buChar char="•"/>
+              <a:defRPr sz="2800" kern="1200">
+                <a:solidFill>
+                  <a:schemeClr val="tx1"/>
+                </a:solidFill>
+                <a:latin typeface="+mn-lt"/>
+                <a:ea typeface="+mn-ea"/>
+                <a:cs typeface="+mn-cs"/>
+              </a:defRPr>
+            </a:lvl1pPr>
+            <a:lvl2pPr marL="685800" indent="-228600" algn="l" defTabSz="914400" rtl="0" eaLnBrk="1" latinLnBrk="0" hangingPunct="1">
+              <a:lnSpc>
+                <a:spcPct val="90000"/>
+              </a:lnSpc>
+              <a:spcBef>
+                <a:spcPts val="500"/>
+              </a:spcBef>
+              <a:buFont typeface="Arial" panose="020B0604020202020204" pitchFamily="34" charset="0"/>
+              <a:buChar char="•"/>
+              <a:defRPr sz="2400" kern="1200">
+                <a:solidFill>
+                  <a:schemeClr val="tx1"/>
+                </a:solidFill>
+                <a:latin typeface="+mn-lt"/>
+                <a:ea typeface="+mn-ea"/>
+                <a:cs typeface="+mn-cs"/>
+              </a:defRPr>
+            </a:lvl2pPr>
+            <a:lvl3pPr marL="1143000" indent="-228600" algn="l" defTabSz="914400" rtl="0" eaLnBrk="1" latinLnBrk="0" hangingPunct="1">
+              <a:lnSpc>
+                <a:spcPct val="90000"/>
+              </a:lnSpc>
+              <a:spcBef>
+                <a:spcPts val="500"/>
+              </a:spcBef>
+              <a:buFont typeface="Arial" panose="020B0604020202020204" pitchFamily="34" charset="0"/>
+              <a:buChar char="•"/>
+              <a:defRPr sz="2000" kern="1200">
+                <a:solidFill>
+                  <a:schemeClr val="tx1"/>
+                </a:solidFill>
+                <a:latin typeface="+mn-lt"/>
+                <a:ea typeface="+mn-ea"/>
+                <a:cs typeface="+mn-cs"/>
+              </a:defRPr>
+            </a:lvl3pPr>
+            <a:lvl4pPr marL="1600200" indent="-228600" algn="l" defTabSz="914400" rtl="0" eaLnBrk="1" latinLnBrk="0" hangingPunct="1">
+              <a:lnSpc>
+                <a:spcPct val="90000"/>
+              </a:lnSpc>
+              <a:spcBef>
+                <a:spcPts val="500"/>
+              </a:spcBef>
+              <a:buFont typeface="Arial" panose="020B0604020202020204" pitchFamily="34" charset="0"/>
+              <a:buChar char="•"/>
+              <a:defRPr sz="1800" kern="1200">
+                <a:solidFill>
+                  <a:schemeClr val="tx1"/>
+                </a:solidFill>
+                <a:latin typeface="+mn-lt"/>
+                <a:ea typeface="+mn-ea"/>
+                <a:cs typeface="+mn-cs"/>
+              </a:defRPr>
+            </a:lvl4pPr>
+            <a:lvl5pPr marL="2057400" indent="-228600" algn="l" defTabSz="914400" rtl="0" eaLnBrk="1" latinLnBrk="0" hangingPunct="1">
+              <a:lnSpc>
+                <a:spcPct val="90000"/>
+              </a:lnSpc>
+              <a:spcBef>
+                <a:spcPts val="500"/>
+              </a:spcBef>
+              <a:buFont typeface="Arial" panose="020B0604020202020204" pitchFamily="34" charset="0"/>
+              <a:buChar char="•"/>
+              <a:defRPr sz="1800" kern="1200">
+                <a:solidFill>
+                  <a:schemeClr val="tx1"/>
+                </a:solidFill>
+                <a:latin typeface="+mn-lt"/>
+                <a:ea typeface="+mn-ea"/>
+                <a:cs typeface="+mn-cs"/>
+              </a:defRPr>
+            </a:lvl5pPr>
+            <a:lvl6pPr marL="2514600" indent="-228600" algn="l" defTabSz="914400" rtl="0" eaLnBrk="1" latinLnBrk="0" hangingPunct="1">
+              <a:lnSpc>
+                <a:spcPct val="90000"/>
+              </a:lnSpc>
+              <a:spcBef>
+                <a:spcPts val="500"/>
+              </a:spcBef>
+              <a:buFont typeface="Arial" panose="020B0604020202020204" pitchFamily="34" charset="0"/>
+              <a:buChar char="•"/>
+              <a:defRPr sz="1800" kern="1200">
+                <a:solidFill>
+                  <a:schemeClr val="tx1"/>
+                </a:solidFill>
+                <a:latin typeface="+mn-lt"/>
+                <a:ea typeface="+mn-ea"/>
+                <a:cs typeface="+mn-cs"/>
+              </a:defRPr>
+            </a:lvl6pPr>
+            <a:lvl7pPr marL="2971800" indent="-228600" algn="l" defTabSz="914400" rtl="0" eaLnBrk="1" latinLnBrk="0" hangingPunct="1">
+              <a:lnSpc>
+                <a:spcPct val="90000"/>
+              </a:lnSpc>
+              <a:spcBef>
+                <a:spcPts val="500"/>
+              </a:spcBef>
+              <a:buFont typeface="Arial" panose="020B0604020202020204" pitchFamily="34" charset="0"/>
+              <a:buChar char="•"/>
+              <a:defRPr sz="1800" kern="1200">
+                <a:solidFill>
+                  <a:schemeClr val="tx1"/>
+                </a:solidFill>
+                <a:latin typeface="+mn-lt"/>
+                <a:ea typeface="+mn-ea"/>
+                <a:cs typeface="+mn-cs"/>
+              </a:defRPr>
+            </a:lvl7pPr>
+            <a:lvl8pPr marL="3429000" indent="-228600" algn="l" defTabSz="914400" rtl="0" eaLnBrk="1" latinLnBrk="0" hangingPunct="1">
+              <a:lnSpc>
+                <a:spcPct val="90000"/>
+              </a:lnSpc>
+              <a:spcBef>
+                <a:spcPts val="500"/>
+              </a:spcBef>
+              <a:buFont typeface="Arial" panose="020B0604020202020204" pitchFamily="34" charset="0"/>
+              <a:buChar char="•"/>
+              <a:defRPr sz="1800" kern="1200">
+                <a:solidFill>
+                  <a:schemeClr val="tx1"/>
+                </a:solidFill>
+                <a:latin typeface="+mn-lt"/>
+                <a:ea typeface="+mn-ea"/>
+                <a:cs typeface="+mn-cs"/>
+              </a:defRPr>
+            </a:lvl8pPr>
+            <a:lvl9pPr marL="3886200" indent="-228600" algn="l" defTabSz="914400" rtl="0" eaLnBrk="1" latinLnBrk="0" hangingPunct="1">
+              <a:lnSpc>
+                <a:spcPct val="90000"/>
+              </a:lnSpc>
+              <a:spcBef>
+                <a:spcPts val="500"/>
+              </a:spcBef>
+              <a:buFont typeface="Arial" panose="020B0604020202020204" pitchFamily="34" charset="0"/>
+              <a:buChar char="•"/>
+              <a:defRPr sz="1800" kern="1200">
+                <a:solidFill>
+                  <a:schemeClr val="tx1"/>
+                </a:solidFill>
+                <a:latin typeface="+mn-lt"/>
+                <a:ea typeface="+mn-ea"/>
+                <a:cs typeface="+mn-cs"/>
+              </a:defRPr>
+            </a:lvl9pPr>
+          </a:lstStyle>
+          <a:p>
+            <a:pPr marL="0" indent="0">
+              <a:buFont typeface="Arial" panose="020B0604020202020204" pitchFamily="34" charset="0"/>
+              <a:buNone/>
+            </a:pPr>
+            <a:r>
+              <a:rPr lang="en-US" dirty="0"/>
+              <a:t>Orbital Effects?</a:t>
+            </a:r>
+          </a:p>
+        </p:txBody>
+      </p:sp>
+      <p:cxnSp>
+        <p:nvCxnSpPr>
+          <p:cNvPr id="19" name="Straight Arrow Connector 18">
+            <a:extLst>
+              <a:ext uri="{FF2B5EF4-FFF2-40B4-BE49-F238E27FC236}">
+                <a16:creationId xmlns:a16="http://schemas.microsoft.com/office/drawing/2014/main" id="{136D1E31-AB2A-4CE6-9620-C2F0D7BF97B3}"/>
+              </a:ext>
+            </a:extLst>
+          </p:cNvPr>
+          <p:cNvCxnSpPr>
+            <a:cxnSpLocks/>
+          </p:cNvCxnSpPr>
+          <p:nvPr/>
+        </p:nvCxnSpPr>
+        <p:spPr>
+          <a:xfrm flipV="1">
+            <a:off x="1726608" y="5598781"/>
+            <a:ext cx="321891" cy="565349"/>
+          </a:xfrm>
+          <a:prstGeom prst="straightConnector1">
+            <a:avLst/>
+          </a:prstGeom>
+          <a:ln w="19050">
+            <a:solidFill>
+              <a:schemeClr val="tx1"/>
+            </a:solidFill>
+            <a:tailEnd type="triangle"/>
+          </a:ln>
+        </p:spPr>
+        <p:style>
+          <a:lnRef idx="1">
+            <a:schemeClr val="accent1"/>
+          </a:lnRef>
+          <a:fillRef idx="0">
+            <a:schemeClr val="accent1"/>
+          </a:fillRef>
+          <a:effectRef idx="0">
+            <a:schemeClr val="accent1"/>
+          </a:effectRef>
+          <a:fontRef idx="minor">
+            <a:schemeClr val="tx1"/>
+          </a:fontRef>
+        </p:style>
+      </p:cxnSp>
+    </p:spTree>
+    <p:extLst>
+      <p:ext uri="{BB962C8B-B14F-4D97-AF65-F5344CB8AC3E}">
+        <p14:creationId xmlns:p14="http://schemas.microsoft.com/office/powerpoint/2010/main" val="368950867"/>
+      </p:ext>
+    </p:extLst>
+  </p:cSld>
+  <p:clrMapOvr>
+    <a:masterClrMapping/>
+  </p:clrMapOvr>
+</p:sld>
+</file>
+
+<file path=ppt/slides/slide7.xml><?xml version="1.0" encoding="utf-8"?>
+<p:sld xmlns:a="http://schemas.openxmlformats.org/drawingml/2006/main" xmlns:r="http://schemas.openxmlformats.org/officeDocument/2006/relationships" xmlns:p="http://schemas.openxmlformats.org/presentationml/2006/main">
+  <p:cSld>
+    <p:spTree>
+      <p:nvGrpSpPr>
+        <p:cNvPr id="1" name=""/>
+        <p:cNvGrpSpPr/>
+        <p:nvPr/>
+      </p:nvGrpSpPr>
+      <p:grpSpPr>
+        <a:xfrm>
+          <a:off x="0" y="0"/>
+          <a:ext cx="0" cy="0"/>
+          <a:chOff x="0" y="0"/>
+          <a:chExt cx="0" cy="0"/>
+        </a:xfrm>
+      </p:grpSpPr>
+      <p:sp>
+        <p:nvSpPr>
+          <p:cNvPr id="3" name="Content Placeholder 2">
+            <a:extLst>
+              <a:ext uri="{FF2B5EF4-FFF2-40B4-BE49-F238E27FC236}">
+                <a16:creationId xmlns:a16="http://schemas.microsoft.com/office/drawing/2014/main" id="{89F8E7D2-F550-4614-B76A-442576C25175}"/>
+              </a:ext>
+            </a:extLst>
+          </p:cNvPr>
+          <p:cNvSpPr>
+            <a:spLocks noGrp="1"/>
+          </p:cNvSpPr>
+          <p:nvPr>
+            <p:ph idx="1"/>
+          </p:nvPr>
+        </p:nvSpPr>
+        <p:spPr>
+          <a:xfrm>
+            <a:off x="820445" y="982246"/>
+            <a:ext cx="7835283" cy="917575"/>
+          </a:xfrm>
+        </p:spPr>
+        <p:txBody>
+          <a:bodyPr>
+            <a:normAutofit fontScale="85000" lnSpcReduction="10000"/>
+          </a:bodyPr>
+          <a:lstStyle/>
+          <a:p>
+            <a:pPr marL="0" indent="0">
+              <a:buNone/>
+            </a:pPr>
+            <a:r>
+              <a:rPr lang="en-US" dirty="0"/>
+              <a:t>2) Why are there quick spikes in Type 1 storms and wide bands (reminiscent of precipitation bands) in Type 2 storms? </a:t>
+            </a:r>
+          </a:p>
+        </p:txBody>
+      </p:sp>
+      <p:pic>
+        <p:nvPicPr>
+          <p:cNvPr id="1026" name="Picture 2">
+            <a:extLst>
+              <a:ext uri="{FF2B5EF4-FFF2-40B4-BE49-F238E27FC236}">
+                <a16:creationId xmlns:a16="http://schemas.microsoft.com/office/drawing/2014/main" id="{603FB0C5-0D0B-455C-BA07-E54E9AF7FB12}"/>
+              </a:ext>
+            </a:extLst>
+          </p:cNvPr>
+          <p:cNvPicPr>
+            <a:picLocks noChangeAspect="1" noChangeArrowheads="1"/>
+          </p:cNvPicPr>
+          <p:nvPr/>
+        </p:nvPicPr>
+        <p:blipFill>
+          <a:blip r:embed="rId2">
+            <a:extLst>
+              <a:ext uri="{28A0092B-C50C-407E-A947-70E740481C1C}">
+                <a14:useLocalDpi xmlns:a14="http://schemas.microsoft.com/office/drawing/2010/main" val="0"/>
+              </a:ext>
+            </a:extLst>
+          </a:blip>
+          <a:srcRect/>
+          <a:stretch>
+            <a:fillRect/>
+          </a:stretch>
+        </p:blipFill>
+        <p:spPr bwMode="auto">
+          <a:xfrm>
+            <a:off x="1205161" y="2877045"/>
+            <a:ext cx="4612482" cy="3429000"/>
+          </a:xfrm>
+          <a:prstGeom prst="rect">
+            <a:avLst/>
+          </a:prstGeom>
+          <a:noFill/>
+          <a:extLst>
+            <a:ext uri="{909E8E84-426E-40DD-AFC4-6F175D3DCCD1}">
+              <a14:hiddenFill xmlns:a14="http://schemas.microsoft.com/office/drawing/2010/main">
+                <a:solidFill>
+                  <a:srgbClr val="FFFFFF"/>
+                </a:solidFill>
+              </a14:hiddenFill>
+            </a:ext>
+          </a:extLst>
+        </p:spPr>
+      </p:pic>
+      <p:pic>
+        <p:nvPicPr>
+          <p:cNvPr id="1028" name="Picture 4">
+            <a:extLst>
+              <a:ext uri="{FF2B5EF4-FFF2-40B4-BE49-F238E27FC236}">
+                <a16:creationId xmlns:a16="http://schemas.microsoft.com/office/drawing/2014/main" id="{17EC71E8-C7C7-477F-9137-3EFC849F7C0C}"/>
+              </a:ext>
+            </a:extLst>
+          </p:cNvPr>
+          <p:cNvPicPr>
+            <a:picLocks noChangeAspect="1" noChangeArrowheads="1"/>
+          </p:cNvPicPr>
+          <p:nvPr/>
+        </p:nvPicPr>
+        <p:blipFill>
+          <a:blip r:embed="rId3">
+            <a:extLst>
+              <a:ext uri="{28A0092B-C50C-407E-A947-70E740481C1C}">
+                <a14:useLocalDpi xmlns:a14="http://schemas.microsoft.com/office/drawing/2010/main" val="0"/>
+              </a:ext>
+            </a:extLst>
+          </a:blip>
+          <a:srcRect/>
+          <a:stretch>
+            <a:fillRect/>
+          </a:stretch>
+        </p:blipFill>
+        <p:spPr bwMode="auto">
+          <a:xfrm>
+            <a:off x="6002645" y="2877045"/>
+            <a:ext cx="4612482" cy="3429000"/>
+          </a:xfrm>
+          <a:prstGeom prst="rect">
+            <a:avLst/>
+          </a:prstGeom>
+          <a:noFill/>
+          <a:extLst>
+            <a:ext uri="{909E8E84-426E-40DD-AFC4-6F175D3DCCD1}">
+              <a14:hiddenFill xmlns:a14="http://schemas.microsoft.com/office/drawing/2010/main">
+                <a:solidFill>
+                  <a:srgbClr val="FFFFFF"/>
+                </a:solidFill>
+              </a14:hiddenFill>
+            </a:ext>
+          </a:extLst>
+        </p:spPr>
+      </p:pic>
+      <p:sp>
+        <p:nvSpPr>
+          <p:cNvPr id="6" name="Content Placeholder 2">
+            <a:extLst>
+              <a:ext uri="{FF2B5EF4-FFF2-40B4-BE49-F238E27FC236}">
+                <a16:creationId xmlns:a16="http://schemas.microsoft.com/office/drawing/2014/main" id="{A428EFD9-0271-4D24-B9B4-79D8D9AFCA68}"/>
+              </a:ext>
+            </a:extLst>
+          </p:cNvPr>
+          <p:cNvSpPr txBox="1">
+            <a:spLocks/>
+          </p:cNvSpPr>
+          <p:nvPr/>
+        </p:nvSpPr>
+        <p:spPr>
+          <a:xfrm>
+            <a:off x="3035610" y="2207304"/>
+            <a:ext cx="7835283" cy="917575"/>
+          </a:xfrm>
+          <a:prstGeom prst="rect">
+            <a:avLst/>
+          </a:prstGeom>
+        </p:spPr>
+        <p:txBody>
+          <a:bodyPr vert="horz" lIns="91440" tIns="45720" rIns="91440" bIns="45720" rtlCol="0">
+            <a:normAutofit/>
+          </a:bodyPr>
+          <a:lstStyle>
+            <a:lvl1pPr marL="228600" indent="-228600" algn="l" defTabSz="914400" rtl="0" eaLnBrk="1" latinLnBrk="0" hangingPunct="1">
+              <a:lnSpc>
+                <a:spcPct val="90000"/>
+              </a:lnSpc>
+              <a:spcBef>
+                <a:spcPts val="1000"/>
+              </a:spcBef>
+              <a:buFont typeface="Arial" panose="020B0604020202020204" pitchFamily="34" charset="0"/>
+              <a:buChar char="•"/>
+              <a:defRPr sz="2800" kern="1200">
+                <a:solidFill>
+                  <a:schemeClr val="tx1"/>
+                </a:solidFill>
+                <a:latin typeface="+mn-lt"/>
+                <a:ea typeface="+mn-ea"/>
+                <a:cs typeface="+mn-cs"/>
+              </a:defRPr>
+            </a:lvl1pPr>
+            <a:lvl2pPr marL="685800" indent="-228600" algn="l" defTabSz="914400" rtl="0" eaLnBrk="1" latinLnBrk="0" hangingPunct="1">
+              <a:lnSpc>
+                <a:spcPct val="90000"/>
+              </a:lnSpc>
+              <a:spcBef>
+                <a:spcPts val="500"/>
+              </a:spcBef>
+              <a:buFont typeface="Arial" panose="020B0604020202020204" pitchFamily="34" charset="0"/>
+              <a:buChar char="•"/>
+              <a:defRPr sz="2400" kern="1200">
+                <a:solidFill>
+                  <a:schemeClr val="tx1"/>
+                </a:solidFill>
+                <a:latin typeface="+mn-lt"/>
+                <a:ea typeface="+mn-ea"/>
+                <a:cs typeface="+mn-cs"/>
+              </a:defRPr>
+            </a:lvl2pPr>
+            <a:lvl3pPr marL="1143000" indent="-228600" algn="l" defTabSz="914400" rtl="0" eaLnBrk="1" latinLnBrk="0" hangingPunct="1">
+              <a:lnSpc>
+                <a:spcPct val="90000"/>
+              </a:lnSpc>
+              <a:spcBef>
+                <a:spcPts val="500"/>
+              </a:spcBef>
+              <a:buFont typeface="Arial" panose="020B0604020202020204" pitchFamily="34" charset="0"/>
+              <a:buChar char="•"/>
+              <a:defRPr sz="2000" kern="1200">
+                <a:solidFill>
+                  <a:schemeClr val="tx1"/>
+                </a:solidFill>
+                <a:latin typeface="+mn-lt"/>
+                <a:ea typeface="+mn-ea"/>
+                <a:cs typeface="+mn-cs"/>
+              </a:defRPr>
+            </a:lvl3pPr>
+            <a:lvl4pPr marL="1600200" indent="-228600" algn="l" defTabSz="914400" rtl="0" eaLnBrk="1" latinLnBrk="0" hangingPunct="1">
+              <a:lnSpc>
+                <a:spcPct val="90000"/>
+              </a:lnSpc>
+              <a:spcBef>
+                <a:spcPts val="500"/>
+              </a:spcBef>
+              <a:buFont typeface="Arial" panose="020B0604020202020204" pitchFamily="34" charset="0"/>
+              <a:buChar char="•"/>
+              <a:defRPr sz="1800" kern="1200">
+                <a:solidFill>
+                  <a:schemeClr val="tx1"/>
+                </a:solidFill>
+                <a:latin typeface="+mn-lt"/>
+                <a:ea typeface="+mn-ea"/>
+                <a:cs typeface="+mn-cs"/>
+              </a:defRPr>
+            </a:lvl4pPr>
+            <a:lvl5pPr marL="2057400" indent="-228600" algn="l" defTabSz="914400" rtl="0" eaLnBrk="1" latinLnBrk="0" hangingPunct="1">
+              <a:lnSpc>
+                <a:spcPct val="90000"/>
+              </a:lnSpc>
+              <a:spcBef>
+                <a:spcPts val="500"/>
+              </a:spcBef>
+              <a:buFont typeface="Arial" panose="020B0604020202020204" pitchFamily="34" charset="0"/>
+              <a:buChar char="•"/>
+              <a:defRPr sz="1800" kern="1200">
+                <a:solidFill>
+                  <a:schemeClr val="tx1"/>
+                </a:solidFill>
+                <a:latin typeface="+mn-lt"/>
+                <a:ea typeface="+mn-ea"/>
+                <a:cs typeface="+mn-cs"/>
+              </a:defRPr>
+            </a:lvl5pPr>
+            <a:lvl6pPr marL="2514600" indent="-228600" algn="l" defTabSz="914400" rtl="0" eaLnBrk="1" latinLnBrk="0" hangingPunct="1">
+              <a:lnSpc>
+                <a:spcPct val="90000"/>
+              </a:lnSpc>
+              <a:spcBef>
+                <a:spcPts val="500"/>
+              </a:spcBef>
+              <a:buFont typeface="Arial" panose="020B0604020202020204" pitchFamily="34" charset="0"/>
+              <a:buChar char="•"/>
+              <a:defRPr sz="1800" kern="1200">
+                <a:solidFill>
+                  <a:schemeClr val="tx1"/>
+                </a:solidFill>
+                <a:latin typeface="+mn-lt"/>
+                <a:ea typeface="+mn-ea"/>
+                <a:cs typeface="+mn-cs"/>
+              </a:defRPr>
+            </a:lvl6pPr>
+            <a:lvl7pPr marL="2971800" indent="-228600" algn="l" defTabSz="914400" rtl="0" eaLnBrk="1" latinLnBrk="0" hangingPunct="1">
+              <a:lnSpc>
+                <a:spcPct val="90000"/>
+              </a:lnSpc>
+              <a:spcBef>
+                <a:spcPts val="500"/>
+              </a:spcBef>
+              <a:buFont typeface="Arial" panose="020B0604020202020204" pitchFamily="34" charset="0"/>
+              <a:buChar char="•"/>
+              <a:defRPr sz="1800" kern="1200">
+                <a:solidFill>
+                  <a:schemeClr val="tx1"/>
+                </a:solidFill>
+                <a:latin typeface="+mn-lt"/>
+                <a:ea typeface="+mn-ea"/>
+                <a:cs typeface="+mn-cs"/>
+              </a:defRPr>
+            </a:lvl7pPr>
+            <a:lvl8pPr marL="3429000" indent="-228600" algn="l" defTabSz="914400" rtl="0" eaLnBrk="1" latinLnBrk="0" hangingPunct="1">
+              <a:lnSpc>
+                <a:spcPct val="90000"/>
+              </a:lnSpc>
+              <a:spcBef>
+                <a:spcPts val="500"/>
+              </a:spcBef>
+              <a:buFont typeface="Arial" panose="020B0604020202020204" pitchFamily="34" charset="0"/>
+              <a:buChar char="•"/>
+              <a:defRPr sz="1800" kern="1200">
+                <a:solidFill>
+                  <a:schemeClr val="tx1"/>
+                </a:solidFill>
+                <a:latin typeface="+mn-lt"/>
+                <a:ea typeface="+mn-ea"/>
+                <a:cs typeface="+mn-cs"/>
+              </a:defRPr>
+            </a:lvl8pPr>
+            <a:lvl9pPr marL="3886200" indent="-228600" algn="l" defTabSz="914400" rtl="0" eaLnBrk="1" latinLnBrk="0" hangingPunct="1">
+              <a:lnSpc>
+                <a:spcPct val="90000"/>
+              </a:lnSpc>
+              <a:spcBef>
+                <a:spcPts val="500"/>
+              </a:spcBef>
+              <a:buFont typeface="Arial" panose="020B0604020202020204" pitchFamily="34" charset="0"/>
+              <a:buChar char="•"/>
+              <a:defRPr sz="1800" kern="1200">
+                <a:solidFill>
+                  <a:schemeClr val="tx1"/>
+                </a:solidFill>
+                <a:latin typeface="+mn-lt"/>
+                <a:ea typeface="+mn-ea"/>
+                <a:cs typeface="+mn-cs"/>
+              </a:defRPr>
+            </a:lvl9pPr>
+          </a:lstStyle>
+          <a:p>
+            <a:pPr marL="0" indent="0">
+              <a:buFont typeface="Arial" panose="020B0604020202020204" pitchFamily="34" charset="0"/>
+              <a:buNone/>
+            </a:pPr>
+            <a:r>
+              <a:rPr lang="en-US" dirty="0"/>
               <a:t>Type 1				Type 2</a:t>
             </a:r>
           </a:p>
@@ -6307,7 +6881,7 @@
           <a:p>
             <a:r>
               <a:rPr lang="en-US" dirty="0"/>
-              <a:t>Extra slides of 3hr bins</a:t>
+              <a:t>Extra slides</a:t>
             </a:r>
           </a:p>
         </p:txBody>

--- a/sampexlib/Concept Summaries/Summary of 4 Storms Selected.pptx
+++ b/sampexlib/Concept Summaries/Summary of 4 Storms Selected.pptx
@@ -270,7 +270,7 @@
           <a:p>
             <a:fld id="{FF91FCBC-9B68-4ACD-8DD1-A95F477831F0}" type="datetimeFigureOut">
               <a:rPr lang="en-US" smtClean="0"/>
-              <a:t>10/20/2021</a:t>
+              <a:t>10/26/2021</a:t>
             </a:fld>
             <a:endParaRPr lang="en-US"/>
           </a:p>
@@ -468,7 +468,7 @@
           <a:p>
             <a:fld id="{FF91FCBC-9B68-4ACD-8DD1-A95F477831F0}" type="datetimeFigureOut">
               <a:rPr lang="en-US" smtClean="0"/>
-              <a:t>10/20/2021</a:t>
+              <a:t>10/26/2021</a:t>
             </a:fld>
             <a:endParaRPr lang="en-US"/>
           </a:p>
@@ -676,7 +676,7 @@
           <a:p>
             <a:fld id="{FF91FCBC-9B68-4ACD-8DD1-A95F477831F0}" type="datetimeFigureOut">
               <a:rPr lang="en-US" smtClean="0"/>
-              <a:t>10/20/2021</a:t>
+              <a:t>10/26/2021</a:t>
             </a:fld>
             <a:endParaRPr lang="en-US"/>
           </a:p>
@@ -874,7 +874,7 @@
           <a:p>
             <a:fld id="{FF91FCBC-9B68-4ACD-8DD1-A95F477831F0}" type="datetimeFigureOut">
               <a:rPr lang="en-US" smtClean="0"/>
-              <a:t>10/20/2021</a:t>
+              <a:t>10/26/2021</a:t>
             </a:fld>
             <a:endParaRPr lang="en-US"/>
           </a:p>
@@ -1149,7 +1149,7 @@
           <a:p>
             <a:fld id="{FF91FCBC-9B68-4ACD-8DD1-A95F477831F0}" type="datetimeFigureOut">
               <a:rPr lang="en-US" smtClean="0"/>
-              <a:t>10/20/2021</a:t>
+              <a:t>10/26/2021</a:t>
             </a:fld>
             <a:endParaRPr lang="en-US"/>
           </a:p>
@@ -1414,7 +1414,7 @@
           <a:p>
             <a:fld id="{FF91FCBC-9B68-4ACD-8DD1-A95F477831F0}" type="datetimeFigureOut">
               <a:rPr lang="en-US" smtClean="0"/>
-              <a:t>10/20/2021</a:t>
+              <a:t>10/26/2021</a:t>
             </a:fld>
             <a:endParaRPr lang="en-US"/>
           </a:p>
@@ -1826,7 +1826,7 @@
           <a:p>
             <a:fld id="{FF91FCBC-9B68-4ACD-8DD1-A95F477831F0}" type="datetimeFigureOut">
               <a:rPr lang="en-US" smtClean="0"/>
-              <a:t>10/20/2021</a:t>
+              <a:t>10/26/2021</a:t>
             </a:fld>
             <a:endParaRPr lang="en-US"/>
           </a:p>
@@ -1967,7 +1967,7 @@
           <a:p>
             <a:fld id="{FF91FCBC-9B68-4ACD-8DD1-A95F477831F0}" type="datetimeFigureOut">
               <a:rPr lang="en-US" smtClean="0"/>
-              <a:t>10/20/2021</a:t>
+              <a:t>10/26/2021</a:t>
             </a:fld>
             <a:endParaRPr lang="en-US"/>
           </a:p>
@@ -2080,7 +2080,7 @@
           <a:p>
             <a:fld id="{FF91FCBC-9B68-4ACD-8DD1-A95F477831F0}" type="datetimeFigureOut">
               <a:rPr lang="en-US" smtClean="0"/>
-              <a:t>10/20/2021</a:t>
+              <a:t>10/26/2021</a:t>
             </a:fld>
             <a:endParaRPr lang="en-US"/>
           </a:p>
@@ -2391,7 +2391,7 @@
           <a:p>
             <a:fld id="{FF91FCBC-9B68-4ACD-8DD1-A95F477831F0}" type="datetimeFigureOut">
               <a:rPr lang="en-US" smtClean="0"/>
-              <a:t>10/20/2021</a:t>
+              <a:t>10/26/2021</a:t>
             </a:fld>
             <a:endParaRPr lang="en-US"/>
           </a:p>
@@ -2679,7 +2679,7 @@
           <a:p>
             <a:fld id="{FF91FCBC-9B68-4ACD-8DD1-A95F477831F0}" type="datetimeFigureOut">
               <a:rPr lang="en-US" smtClean="0"/>
-              <a:t>10/20/2021</a:t>
+              <a:t>10/26/2021</a:t>
             </a:fld>
             <a:endParaRPr lang="en-US"/>
           </a:p>
@@ -2920,7 +2920,7 @@
           <a:p>
             <a:fld id="{FF91FCBC-9B68-4ACD-8DD1-A95F477831F0}" type="datetimeFigureOut">
               <a:rPr lang="en-US" smtClean="0"/>
-              <a:t>10/20/2021</a:t>
+              <a:t>10/26/2021</a:t>
             </a:fld>
             <a:endParaRPr lang="en-US"/>
           </a:p>

--- a/sampexlib/Concept Summaries/Summary of 4 Storms Selected.pptx
+++ b/sampexlib/Concept Summaries/Summary of 4 Storms Selected.pptx
@@ -270,7 +270,7 @@
           <a:p>
             <a:fld id="{FF91FCBC-9B68-4ACD-8DD1-A95F477831F0}" type="datetimeFigureOut">
               <a:rPr lang="en-US" smtClean="0"/>
-              <a:t>10/26/2021</a:t>
+              <a:t>11/10/2021</a:t>
             </a:fld>
             <a:endParaRPr lang="en-US"/>
           </a:p>
@@ -468,7 +468,7 @@
           <a:p>
             <a:fld id="{FF91FCBC-9B68-4ACD-8DD1-A95F477831F0}" type="datetimeFigureOut">
               <a:rPr lang="en-US" smtClean="0"/>
-              <a:t>10/26/2021</a:t>
+              <a:t>11/10/2021</a:t>
             </a:fld>
             <a:endParaRPr lang="en-US"/>
           </a:p>
@@ -676,7 +676,7 @@
           <a:p>
             <a:fld id="{FF91FCBC-9B68-4ACD-8DD1-A95F477831F0}" type="datetimeFigureOut">
               <a:rPr lang="en-US" smtClean="0"/>
-              <a:t>10/26/2021</a:t>
+              <a:t>11/10/2021</a:t>
             </a:fld>
             <a:endParaRPr lang="en-US"/>
           </a:p>
@@ -874,7 +874,7 @@
           <a:p>
             <a:fld id="{FF91FCBC-9B68-4ACD-8DD1-A95F477831F0}" type="datetimeFigureOut">
               <a:rPr lang="en-US" smtClean="0"/>
-              <a:t>10/26/2021</a:t>
+              <a:t>11/10/2021</a:t>
             </a:fld>
             <a:endParaRPr lang="en-US"/>
           </a:p>
@@ -1149,7 +1149,7 @@
           <a:p>
             <a:fld id="{FF91FCBC-9B68-4ACD-8DD1-A95F477831F0}" type="datetimeFigureOut">
               <a:rPr lang="en-US" smtClean="0"/>
-              <a:t>10/26/2021</a:t>
+              <a:t>11/10/2021</a:t>
             </a:fld>
             <a:endParaRPr lang="en-US"/>
           </a:p>
@@ -1414,7 +1414,7 @@
           <a:p>
             <a:fld id="{FF91FCBC-9B68-4ACD-8DD1-A95F477831F0}" type="datetimeFigureOut">
               <a:rPr lang="en-US" smtClean="0"/>
-              <a:t>10/26/2021</a:t>
+              <a:t>11/10/2021</a:t>
             </a:fld>
             <a:endParaRPr lang="en-US"/>
           </a:p>
@@ -1826,7 +1826,7 @@
           <a:p>
             <a:fld id="{FF91FCBC-9B68-4ACD-8DD1-A95F477831F0}" type="datetimeFigureOut">
               <a:rPr lang="en-US" smtClean="0"/>
-              <a:t>10/26/2021</a:t>
+              <a:t>11/10/2021</a:t>
             </a:fld>
             <a:endParaRPr lang="en-US"/>
           </a:p>
@@ -1967,7 +1967,7 @@
           <a:p>
             <a:fld id="{FF91FCBC-9B68-4ACD-8DD1-A95F477831F0}" type="datetimeFigureOut">
               <a:rPr lang="en-US" smtClean="0"/>
-              <a:t>10/26/2021</a:t>
+              <a:t>11/10/2021</a:t>
             </a:fld>
             <a:endParaRPr lang="en-US"/>
           </a:p>
@@ -2080,7 +2080,7 @@
           <a:p>
             <a:fld id="{FF91FCBC-9B68-4ACD-8DD1-A95F477831F0}" type="datetimeFigureOut">
               <a:rPr lang="en-US" smtClean="0"/>
-              <a:t>10/26/2021</a:t>
+              <a:t>11/10/2021</a:t>
             </a:fld>
             <a:endParaRPr lang="en-US"/>
           </a:p>
@@ -2391,7 +2391,7 @@
           <a:p>
             <a:fld id="{FF91FCBC-9B68-4ACD-8DD1-A95F477831F0}" type="datetimeFigureOut">
               <a:rPr lang="en-US" smtClean="0"/>
-              <a:t>10/26/2021</a:t>
+              <a:t>11/10/2021</a:t>
             </a:fld>
             <a:endParaRPr lang="en-US"/>
           </a:p>
@@ -2679,7 +2679,7 @@
           <a:p>
             <a:fld id="{FF91FCBC-9B68-4ACD-8DD1-A95F477831F0}" type="datetimeFigureOut">
               <a:rPr lang="en-US" smtClean="0"/>
-              <a:t>10/26/2021</a:t>
+              <a:t>11/10/2021</a:t>
             </a:fld>
             <a:endParaRPr lang="en-US"/>
           </a:p>
@@ -2920,7 +2920,7 @@
           <a:p>
             <a:fld id="{FF91FCBC-9B68-4ACD-8DD1-A95F477831F0}" type="datetimeFigureOut">
               <a:rPr lang="en-US" smtClean="0"/>
-              <a:t>10/26/2021</a:t>
+              <a:t>11/10/2021</a:t>
             </a:fld>
             <a:endParaRPr lang="en-US"/>
           </a:p>
